--- a/training_draft/advanced_git.pptx
+++ b/training_draft/advanced_git.pptx
@@ -19,18 +19,18 @@
     <p:sldId id="278" r:id="rId13"/>
     <p:sldId id="260" r:id="rId14"/>
     <p:sldId id="263" r:id="rId15"/>
-    <p:sldId id="281" r:id="rId16"/>
-    <p:sldId id="266" r:id="rId17"/>
-    <p:sldId id="282" r:id="rId18"/>
+    <p:sldId id="266" r:id="rId16"/>
+    <p:sldId id="282" r:id="rId17"/>
+    <p:sldId id="284" r:id="rId18"/>
     <p:sldId id="280" r:id="rId19"/>
-    <p:sldId id="277" r:id="rId20"/>
-    <p:sldId id="272" r:id="rId21"/>
-    <p:sldId id="274" r:id="rId22"/>
-    <p:sldId id="275" r:id="rId23"/>
-    <p:sldId id="276" r:id="rId24"/>
-    <p:sldId id="265" r:id="rId25"/>
-    <p:sldId id="262" r:id="rId26"/>
-    <p:sldId id="273" r:id="rId27"/>
+    <p:sldId id="285" r:id="rId20"/>
+    <p:sldId id="277" r:id="rId21"/>
+    <p:sldId id="283" r:id="rId22"/>
+    <p:sldId id="276" r:id="rId23"/>
+    <p:sldId id="272" r:id="rId24"/>
+    <p:sldId id="274" r:id="rId25"/>
+    <p:sldId id="275" r:id="rId26"/>
+    <p:sldId id="286" r:id="rId27"/>
   </p:sldIdLst>
   <p:sldSz cx="12192000" cy="6858000"/>
   <p:notesSz cx="6858000" cy="9144000"/>
@@ -135,10 +135,6 @@
     </p:ext>
   </p:extLst>
 </p:presentation>
-</file>
-
-<file path=ppt/revisionInfo.xml><?xml version="1.0" encoding="utf-8"?>
-<p1510:revInfo xmlns:a="http://schemas.openxmlformats.org/drawingml/2006/main" xmlns:r="http://schemas.openxmlformats.org/officeDocument/2006/relationships" xmlns:p1510="http://schemas.microsoft.com/office/powerpoint/2015/10/main"/>
 </file>
 
 <file path=ppt/slideLayouts/slideLayout1.xml><?xml version="1.0" encoding="utf-8"?>
@@ -544,7 +540,7 @@
           <a:p>
             <a:fld id="{83284890-85D2-4D7B-8EF5-15A9C1DB8F42}" type="datetimeFigureOut">
               <a:rPr lang="en-US" smtClean="0"/>
-              <a:t>2/4/2018</a:t>
+              <a:t>2/7/2018</a:t>
             </a:fld>
             <a:endParaRPr lang="en-US" dirty="0"/>
           </a:p>
@@ -724,7 +720,7 @@
           <a:p>
             <a:fld id="{87157CC2-0FC8-4686-B024-99790E0F5162}" type="datetimeFigureOut">
               <a:rPr lang="en-US" smtClean="0"/>
-              <a:t>2/4/2018</a:t>
+              <a:t>2/7/2018</a:t>
             </a:fld>
             <a:endParaRPr lang="en-US" dirty="0"/>
           </a:p>
@@ -904,7 +900,7 @@
           <a:p>
             <a:fld id="{F6764DA5-CD3D-4590-A511-FCD3BC7A793E}" type="datetimeFigureOut">
               <a:rPr lang="en-US" smtClean="0"/>
-              <a:t>2/4/2018</a:t>
+              <a:t>2/7/2018</a:t>
             </a:fld>
             <a:endParaRPr lang="en-US" dirty="0"/>
           </a:p>
@@ -1074,7 +1070,7 @@
           <a:p>
             <a:fld id="{82F5661D-6934-4B32-B92C-470368BF1EC6}" type="datetimeFigureOut">
               <a:rPr lang="en-US" smtClean="0"/>
-              <a:t>2/4/2018</a:t>
+              <a:t>2/7/2018</a:t>
             </a:fld>
             <a:endParaRPr lang="en-US" dirty="0"/>
           </a:p>
@@ -1387,7 +1383,7 @@
           <a:p>
             <a:fld id="{C6F822A4-8DA6-4447-9B1F-C5DB58435268}" type="datetimeFigureOut">
               <a:rPr lang="en-US" smtClean="0"/>
-              <a:t>2/4/2018</a:t>
+              <a:t>2/7/2018</a:t>
             </a:fld>
             <a:endParaRPr lang="en-US" dirty="0"/>
           </a:p>
@@ -1774,7 +1770,7 @@
           <a:p>
             <a:fld id="{E548D31E-DCDA-41A7-9C67-C4B11B94D21D}" type="datetimeFigureOut">
               <a:rPr lang="en-US" smtClean="0"/>
-              <a:t>2/4/2018</a:t>
+              <a:t>2/7/2018</a:t>
             </a:fld>
             <a:endParaRPr lang="en-US" dirty="0"/>
           </a:p>
@@ -2208,7 +2204,7 @@
           <a:p>
             <a:fld id="{9B3762C0-B258-48F1-ADE6-176B4174CCDD}" type="datetimeFigureOut">
               <a:rPr lang="en-US" smtClean="0"/>
-              <a:t>2/4/2018</a:t>
+              <a:t>2/7/2018</a:t>
             </a:fld>
             <a:endParaRPr lang="en-US" dirty="0"/>
           </a:p>
@@ -2326,7 +2322,7 @@
           <a:p>
             <a:fld id="{677919A6-33EB-49BD-A62F-1FA56B9F9712}" type="datetimeFigureOut">
               <a:rPr lang="en-US" smtClean="0"/>
-              <a:t>2/4/2018</a:t>
+              <a:t>2/7/2018</a:t>
             </a:fld>
             <a:endParaRPr lang="en-US" dirty="0"/>
           </a:p>
@@ -2421,7 +2417,7 @@
           <a:p>
             <a:fld id="{CA4E7D1B-D673-4CF6-8672-009D42ABD2A0}" type="datetimeFigureOut">
               <a:rPr lang="en-US" smtClean="0"/>
-              <a:t>2/4/2018</a:t>
+              <a:t>2/7/2018</a:t>
             </a:fld>
             <a:endParaRPr lang="en-US" dirty="0"/>
           </a:p>
@@ -2771,7 +2767,7 @@
           <a:p>
             <a:fld id="{DA16AA21-1863-4931-97CB-99D0A168701B}" type="datetimeFigureOut">
               <a:rPr lang="en-US" smtClean="0"/>
-              <a:t>2/4/2018</a:t>
+              <a:t>2/7/2018</a:t>
             </a:fld>
             <a:endParaRPr lang="en-US" dirty="0"/>
           </a:p>
@@ -3196,7 +3192,7 @@
           <a:p>
             <a:fld id="{3772C379-9A7C-4C87-A116-CBE9F58B04C5}" type="datetimeFigureOut">
               <a:rPr lang="en-US" smtClean="0"/>
-              <a:t>2/4/2018</a:t>
+              <a:t>2/7/2018</a:t>
             </a:fld>
             <a:endParaRPr lang="en-US" dirty="0"/>
           </a:p>
@@ -3477,7 +3473,7 @@
           <a:p>
             <a:fld id="{8664C608-40B1-4030-A28D-5B74BC98ADCE}" type="datetimeFigureOut">
               <a:rPr lang="en-US" smtClean="0"/>
-              <a:t>2/4/2018</a:t>
+              <a:t>2/7/2018</a:t>
             </a:fld>
             <a:endParaRPr lang="en-US" dirty="0"/>
           </a:p>
@@ -4413,7 +4409,12 @@
             <p:ph idx="1"/>
           </p:nvPr>
         </p:nvSpPr>
-        <p:spPr/>
+        <p:spPr>
+          <a:xfrm>
+            <a:off x="1069848" y="2121408"/>
+            <a:ext cx="2864691" cy="4050792"/>
+          </a:xfrm>
+        </p:spPr>
         <p:txBody>
           <a:bodyPr/>
           <a:lstStyle/>
@@ -4432,19 +4433,35 @@
           <a:p>
             <a:r>
               <a:rPr lang="en-US" dirty="0"/>
-              <a:t>commit</a:t>
-            </a:r>
-          </a:p>
-          <a:p>
+              <a:t>objects</a:t>
+            </a:r>
+          </a:p>
+          <a:p>
+            <a:pPr lvl="1"/>
+            <a:r>
+              <a:rPr lang="en-US" dirty="0"/>
+              <a:t>blob</a:t>
+            </a:r>
+          </a:p>
+          <a:p>
+            <a:pPr lvl="1"/>
             <a:r>
               <a:rPr lang="en-US" dirty="0"/>
               <a:t>tree</a:t>
             </a:r>
           </a:p>
           <a:p>
+            <a:pPr lvl="1"/>
             <a:r>
               <a:rPr lang="en-US" dirty="0"/>
-              <a:t>blob</a:t>
+              <a:t>Commit</a:t>
+            </a:r>
+          </a:p>
+          <a:p>
+            <a:pPr lvl="1"/>
+            <a:r>
+              <a:rPr lang="en-US" dirty="0"/>
+              <a:t>tag</a:t>
             </a:r>
           </a:p>
           <a:p>
@@ -4630,7 +4647,7 @@
                   <a:schemeClr val="tx1"/>
                 </a:solidFill>
               </a:rPr>
-              <a:t>.git/objects/&lt;comments&gt;</a:t>
+              <a:t>.git/objects/&lt;commit&gt;</a:t>
             </a:r>
           </a:p>
         </p:txBody>
@@ -4983,7 +5000,15 @@
                   <a:schemeClr val="tx1"/>
                 </a:solidFill>
               </a:rPr>
-              <a:t>older_comments</a:t>
+              <a:t>older_</a:t>
+            </a:r>
+            <a:r>
+              <a:rPr lang="en-US" altLang="zh-CN" b="1" dirty="0" err="1">
+                <a:solidFill>
+                  <a:schemeClr val="tx1"/>
+                </a:solidFill>
+              </a:rPr>
+              <a:t>commit</a:t>
             </a:r>
             <a:r>
               <a:rPr lang="en-US" b="1" dirty="0">
@@ -6126,7 +6151,23 @@
                   <a:schemeClr val="tx1"/>
                 </a:solidFill>
               </a:rPr>
-              <a:t>.git/objects/&lt;comments&gt;</a:t>
+              <a:t>.git/objects/&lt;comm</a:t>
+            </a:r>
+            <a:r>
+              <a:rPr lang="en-US" altLang="zh-CN" b="1" dirty="0">
+                <a:solidFill>
+                  <a:schemeClr val="tx1"/>
+                </a:solidFill>
+              </a:rPr>
+              <a:t>i</a:t>
+            </a:r>
+            <a:r>
+              <a:rPr lang="en-US" b="1" dirty="0">
+                <a:solidFill>
+                  <a:schemeClr val="tx1"/>
+                </a:solidFill>
+              </a:rPr>
+              <a:t>ts&gt;</a:t>
             </a:r>
           </a:p>
         </p:txBody>
@@ -6554,7 +6595,23 @@
                   <a:srgbClr val="7030A0"/>
                 </a:solidFill>
               </a:rPr>
-              <a:t>new_comments</a:t>
+              <a:t>new_comm</a:t>
+            </a:r>
+            <a:r>
+              <a:rPr lang="en-US" altLang="zh-CN" b="1" dirty="0" err="1">
+                <a:solidFill>
+                  <a:srgbClr val="7030A0"/>
+                </a:solidFill>
+              </a:rPr>
+              <a:t>i</a:t>
+            </a:r>
+            <a:r>
+              <a:rPr lang="en-US" b="1" dirty="0" err="1">
+                <a:solidFill>
+                  <a:srgbClr val="7030A0"/>
+                </a:solidFill>
+              </a:rPr>
+              <a:t>ts</a:t>
             </a:r>
             <a:r>
               <a:rPr lang="en-US" b="1" dirty="0">
@@ -12439,8 +12496,13 @@
           <a:p>
             <a:r>
               <a:rPr lang="en-US" dirty="0"/>
-              <a:t>Merge vs stage</a:t>
-            </a:r>
+              <a:t>Merge vs </a:t>
+            </a:r>
+            <a:r>
+              <a:rPr lang="en-US" altLang="zh-CN" dirty="0"/>
+              <a:t>rebase</a:t>
+            </a:r>
+            <a:endParaRPr lang="en-US" dirty="0"/>
           </a:p>
         </p:txBody>
       </p:sp>
@@ -12457,12 +12519,12 @@
         <p:spPr>
           <a:xfrm>
             <a:off x="984124" y="1457325"/>
-            <a:ext cx="5350002" cy="4714875"/>
+            <a:ext cx="5473826" cy="5086350"/>
           </a:xfrm>
         </p:spPr>
         <p:txBody>
           <a:bodyPr>
-            <a:normAutofit fontScale="92500" lnSpcReduction="10000"/>
+            <a:normAutofit fontScale="85000" lnSpcReduction="20000"/>
           </a:bodyPr>
           <a:lstStyle/>
           <a:p>
@@ -12496,8 +12558,23 @@
             <a:pPr lvl="2"/>
             <a:r>
               <a:rPr lang="en-US" dirty="0"/>
-              <a:t>the feature branch will have an extraneous merge commit</a:t>
-            </a:r>
+              <a:t>the feature branch will have an extra merge commit</a:t>
+            </a:r>
+          </a:p>
+          <a:p>
+            <a:pPr lvl="1"/>
+            <a:r>
+              <a:rPr lang="en-US" dirty="0"/>
+              <a:t>Undo</a:t>
+            </a:r>
+          </a:p>
+          <a:p>
+            <a:pPr lvl="2"/>
+            <a:r>
+              <a:rPr lang="en-US" i="1" dirty="0"/>
+              <a:t>git reset --hard ORIG_HEAD</a:t>
+            </a:r>
+            <a:endParaRPr lang="en-US" dirty="0"/>
           </a:p>
           <a:p>
             <a:r>
@@ -12509,14 +12586,14 @@
             <a:pPr lvl="1"/>
             <a:r>
               <a:rPr lang="en-US" altLang="zh-CN" dirty="0"/>
-              <a:t>moves the entire feature branch to begin on the tip of the master branch</a:t>
+              <a:t>moves the entire feature branch to begin on the top of the master branch</a:t>
             </a:r>
           </a:p>
           <a:p>
             <a:pPr lvl="1"/>
             <a:r>
               <a:rPr lang="en-US" dirty="0"/>
-              <a:t>Benefits: get a much cleaner project history</a:t>
+              <a:t>Benefits: get a cleaner project history</a:t>
             </a:r>
           </a:p>
           <a:p>
@@ -12560,6 +12637,36 @@
               <a:rPr lang="en-US" dirty="0"/>
               <a:t>Interactive Rebasing</a:t>
             </a:r>
+          </a:p>
+          <a:p>
+            <a:pPr lvl="1"/>
+            <a:r>
+              <a:rPr lang="en-US" dirty="0"/>
+              <a:t>Undo</a:t>
+            </a:r>
+          </a:p>
+          <a:p>
+            <a:pPr lvl="2"/>
+            <a:r>
+              <a:rPr lang="en-US" dirty="0"/>
+              <a:t>git </a:t>
+            </a:r>
+            <a:r>
+              <a:rPr lang="en-US" dirty="0" err="1"/>
+              <a:t>reflog</a:t>
+            </a:r>
+            <a:endParaRPr lang="en-US" dirty="0"/>
+          </a:p>
+          <a:p>
+            <a:pPr lvl="2"/>
+            <a:r>
+              <a:rPr lang="en-US" dirty="0"/>
+              <a:t>git reset --hard HEAD@{3}</a:t>
+            </a:r>
+          </a:p>
+          <a:p>
+            <a:pPr lvl="1"/>
+            <a:endParaRPr lang="en-US" dirty="0"/>
           </a:p>
           <a:p>
             <a:pPr lvl="1"/>
@@ -12631,7 +12738,7 @@
         </p:blipFill>
         <p:spPr>
           <a:xfrm>
-            <a:off x="6056184" y="3216465"/>
+            <a:off x="6088636" y="3429000"/>
             <a:ext cx="4746305" cy="3233420"/>
           </a:xfrm>
           <a:prstGeom prst="rect">
@@ -12681,7 +12788,7 @@
         </p:nvSpPr>
         <p:spPr>
           <a:xfrm>
-            <a:off x="984123" y="0"/>
+            <a:off x="1072896" y="0"/>
             <a:ext cx="10058400" cy="1609344"/>
           </a:xfrm>
         </p:spPr>
@@ -12691,7 +12798,7 @@
           <a:p>
             <a:r>
               <a:rPr lang="en-US" dirty="0"/>
-              <a:t>Advanced commands</a:t>
+              <a:t>Rollback changes</a:t>
             </a:r>
           </a:p>
         </p:txBody>
@@ -12708,74 +12815,142 @@
         </p:nvSpPr>
         <p:spPr>
           <a:xfrm>
-            <a:off x="984123" y="1457325"/>
-            <a:ext cx="10144125" cy="4714875"/>
+            <a:off x="1069848" y="1438275"/>
+            <a:ext cx="10058400" cy="4733925"/>
           </a:xfrm>
         </p:spPr>
         <p:txBody>
-          <a:bodyPr/>
+          <a:bodyPr>
+            <a:normAutofit/>
+          </a:bodyPr>
           <a:lstStyle/>
           <a:p>
             <a:r>
               <a:rPr lang="en-US" dirty="0"/>
-              <a:t>config</a:t>
-            </a:r>
-          </a:p>
-          <a:p>
+              <a:t>Revert changes to discard changes in working directory</a:t>
+            </a:r>
+          </a:p>
+          <a:p>
+            <a:pPr lvl="1"/>
+            <a:r>
+              <a:rPr lang="en-US" dirty="0" err="1"/>
+              <a:t>git</a:t>
+            </a:r>
             <a:r>
               <a:rPr lang="en-US" dirty="0"/>
-              <a:t>blame</a:t>
-            </a:r>
-          </a:p>
-          <a:p>
+              <a:t> checkout -- &lt;filename&gt;</a:t>
+            </a:r>
+          </a:p>
+          <a:p>
+            <a:r>
+              <a:rPr lang="en-US" dirty="0" err="1"/>
+              <a:t>Unstage</a:t>
+            </a:r>
             <a:r>
               <a:rPr lang="en-US" dirty="0"/>
-              <a:t>tag</a:t>
-            </a:r>
-          </a:p>
-          <a:p>
+              <a:t> a </a:t>
+            </a:r>
+            <a:r>
+              <a:rPr lang="en-US" altLang="zh-CN" dirty="0"/>
+              <a:t>s</a:t>
+            </a:r>
             <a:r>
               <a:rPr lang="en-US" dirty="0"/>
-              <a:t>reset</a:t>
-            </a:r>
-          </a:p>
-          <a:p>
+              <a:t>taged File – revert the result of “git add ”</a:t>
+            </a:r>
+          </a:p>
+          <a:p>
+            <a:pPr lvl="1"/>
+            <a:r>
+              <a:rPr lang="en-US" dirty="0" err="1"/>
+              <a:t>git</a:t>
+            </a:r>
             <a:r>
               <a:rPr lang="en-US" dirty="0"/>
-              <a:t>revert</a:t>
+              <a:t> reset HEAD &lt;filename&gt;</a:t>
             </a:r>
           </a:p>
           <a:p>
             <a:r>
               <a:rPr lang="en-US" dirty="0"/>
-              <a:t>bisect</a:t>
-            </a:r>
-          </a:p>
-          <a:p>
+              <a:t>Revert to a commit – revert the result of “</a:t>
+            </a:r>
+            <a:r>
+              <a:rPr lang="en-US" dirty="0" err="1"/>
+              <a:t>git</a:t>
+            </a:r>
             <a:r>
               <a:rPr lang="en-US" dirty="0"/>
-              <a:t>hash-object</a:t>
-            </a:r>
-          </a:p>
-          <a:p>
+              <a:t> commit ”</a:t>
+            </a:r>
+          </a:p>
+          <a:p>
+            <a:pPr lvl="1"/>
+            <a:r>
+              <a:rPr lang="en-US" altLang="zh-CN" dirty="0"/>
+              <a:t>g</a:t>
+            </a:r>
             <a:r>
               <a:rPr lang="en-US" dirty="0"/>
-              <a:t>cat-file</a:t>
-            </a:r>
-          </a:p>
-          <a:p>
-            <a:r>
-              <a:rPr lang="en-US" dirty="0" err="1"/>
-              <a:t>gc</a:t>
-            </a:r>
-            <a:endParaRPr lang="en-US" dirty="0"/>
+              <a:t>it re</a:t>
+            </a:r>
+            <a:r>
+              <a:rPr lang="en-US" altLang="zh-CN" dirty="0"/>
+              <a:t>v</a:t>
+            </a:r>
+            <a:r>
+              <a:rPr lang="en-US" dirty="0"/>
+              <a:t>ert &lt;SHA&gt; (option 1)</a:t>
+            </a:r>
+          </a:p>
+          <a:p>
+            <a:pPr lvl="1"/>
+            <a:r>
+              <a:rPr lang="en-US" dirty="0"/>
+              <a:t>git reset --hard &lt;SHA&gt; (option 2 if no un-committed word)</a:t>
+            </a:r>
+          </a:p>
+          <a:p>
+            <a:pPr lvl="1"/>
+            <a:r>
+              <a:rPr lang="en-US" dirty="0"/>
+              <a:t>git stash; git reset --hard &lt;SHA&gt;;</a:t>
+            </a:r>
+            <a:r>
+              <a:rPr lang="zh-CN" altLang="en-US" dirty="0"/>
+              <a:t> </a:t>
+            </a:r>
+            <a:r>
+              <a:rPr lang="en-US" altLang="zh-CN" dirty="0"/>
+              <a:t>git</a:t>
+            </a:r>
+            <a:r>
+              <a:rPr lang="zh-CN" altLang="en-US" dirty="0"/>
+              <a:t> </a:t>
+            </a:r>
+            <a:r>
+              <a:rPr lang="en-US" altLang="zh-CN" dirty="0"/>
+              <a:t>stash pop</a:t>
+            </a:r>
+            <a:r>
+              <a:rPr lang="en-US" dirty="0"/>
+              <a:t> (option </a:t>
+            </a:r>
+            <a:r>
+              <a:rPr lang="en-US" altLang="zh-CN" dirty="0"/>
+              <a:t>3</a:t>
+            </a:r>
+            <a:r>
+              <a:rPr lang="en-US" dirty="0"/>
+              <a:t> if un-committed word)</a:t>
+            </a:r>
           </a:p>
         </p:txBody>
       </p:sp>
     </p:spTree>
     <p:extLst>
       <p:ext uri="{BB962C8B-B14F-4D97-AF65-F5344CB8AC3E}">
-        <p14:creationId xmlns:p14="http://schemas.microsoft.com/office/powerpoint/2010/main" val="2556259497"/>
+        <p14:creationId xmlns:p14="http://schemas.microsoft.com/office/powerpoint/2010/main" val="540927859"/>
       </p:ext>
     </p:extLst>
   </p:cSld>
@@ -12814,253 +12989,6 @@
         </p:nvSpPr>
         <p:spPr>
           <a:xfrm>
-            <a:off x="1072896" y="0"/>
-            <a:ext cx="10058400" cy="1609344"/>
-          </a:xfrm>
-        </p:spPr>
-        <p:txBody>
-          <a:bodyPr/>
-          <a:lstStyle/>
-          <a:p>
-            <a:r>
-              <a:rPr lang="en-US" dirty="0"/>
-              <a:t>Rollback changes</a:t>
-            </a:r>
-          </a:p>
-        </p:txBody>
-      </p:sp>
-      <p:sp>
-        <p:nvSpPr>
-          <p:cNvPr id="3" name="Content Placeholder 2"/>
-          <p:cNvSpPr>
-            <a:spLocks noGrp="1"/>
-          </p:cNvSpPr>
-          <p:nvPr>
-            <p:ph idx="1"/>
-          </p:nvPr>
-        </p:nvSpPr>
-        <p:spPr>
-          <a:xfrm>
-            <a:off x="1069848" y="1438275"/>
-            <a:ext cx="10058400" cy="4733925"/>
-          </a:xfrm>
-        </p:spPr>
-        <p:txBody>
-          <a:bodyPr>
-            <a:normAutofit/>
-          </a:bodyPr>
-          <a:lstStyle/>
-          <a:p>
-            <a:r>
-              <a:rPr lang="en-US" dirty="0"/>
-              <a:t>Revert changes un-committed</a:t>
-            </a:r>
-          </a:p>
-          <a:p>
-            <a:pPr lvl="1"/>
-            <a:r>
-              <a:rPr lang="en-US" dirty="0" err="1"/>
-              <a:t>git</a:t>
-            </a:r>
-            <a:r>
-              <a:rPr lang="en-US" dirty="0"/>
-              <a:t> checkout -- &lt;filename&gt;</a:t>
-            </a:r>
-          </a:p>
-          <a:p>
-            <a:r>
-              <a:rPr lang="en-US" dirty="0" err="1"/>
-              <a:t>Unstage</a:t>
-            </a:r>
-            <a:r>
-              <a:rPr lang="en-US" dirty="0"/>
-              <a:t> a Staged File – revert the result of “</a:t>
-            </a:r>
-            <a:r>
-              <a:rPr lang="en-US" dirty="0" err="1"/>
-              <a:t>git</a:t>
-            </a:r>
-            <a:r>
-              <a:rPr lang="en-US" dirty="0"/>
-              <a:t> add ”</a:t>
-            </a:r>
-          </a:p>
-          <a:p>
-            <a:pPr lvl="1"/>
-            <a:r>
-              <a:rPr lang="en-US" dirty="0" err="1"/>
-              <a:t>git</a:t>
-            </a:r>
-            <a:r>
-              <a:rPr lang="en-US" dirty="0"/>
-              <a:t> reset HEAD &lt;filename&gt;</a:t>
-            </a:r>
-          </a:p>
-          <a:p>
-            <a:r>
-              <a:rPr lang="en-US" dirty="0"/>
-              <a:t>Revert to a commit – revert the result of “</a:t>
-            </a:r>
-            <a:r>
-              <a:rPr lang="en-US" dirty="0" err="1"/>
-              <a:t>git</a:t>
-            </a:r>
-            <a:r>
-              <a:rPr lang="en-US" dirty="0"/>
-              <a:t> commit ”</a:t>
-            </a:r>
-          </a:p>
-          <a:p>
-            <a:pPr lvl="1"/>
-            <a:r>
-              <a:rPr lang="en-US" dirty="0"/>
-              <a:t>git </a:t>
-            </a:r>
-            <a:r>
-              <a:rPr lang="en-US" dirty="0" err="1"/>
-              <a:t>resert</a:t>
-            </a:r>
-            <a:r>
-              <a:rPr lang="en-US" dirty="0"/>
-              <a:t> &lt;SHA&gt; (option 1)</a:t>
-            </a:r>
-          </a:p>
-          <a:p>
-            <a:pPr lvl="1"/>
-            <a:r>
-              <a:rPr lang="en-US" dirty="0"/>
-              <a:t>git reset --hard &lt;SHA&gt; (option 2 if no un-committed word)</a:t>
-            </a:r>
-          </a:p>
-          <a:p>
-            <a:pPr lvl="1"/>
-            <a:r>
-              <a:rPr lang="en-US" dirty="0"/>
-              <a:t>git stash; git reset --hard &lt;SHA&gt;;</a:t>
-            </a:r>
-            <a:r>
-              <a:rPr lang="zh-CN" altLang="en-US" dirty="0"/>
-              <a:t> </a:t>
-            </a:r>
-            <a:r>
-              <a:rPr lang="en-US" altLang="zh-CN" dirty="0"/>
-              <a:t>git</a:t>
-            </a:r>
-            <a:r>
-              <a:rPr lang="zh-CN" altLang="en-US" dirty="0"/>
-              <a:t> </a:t>
-            </a:r>
-            <a:r>
-              <a:rPr lang="en-US" altLang="zh-CN" dirty="0"/>
-              <a:t>stash pop</a:t>
-            </a:r>
-            <a:r>
-              <a:rPr lang="en-US" dirty="0"/>
-              <a:t> (option </a:t>
-            </a:r>
-            <a:r>
-              <a:rPr lang="en-US" altLang="zh-CN" dirty="0"/>
-              <a:t>3</a:t>
-            </a:r>
-            <a:r>
-              <a:rPr lang="en-US" dirty="0"/>
-              <a:t> if un-committed word)</a:t>
-            </a:r>
-          </a:p>
-          <a:p>
-            <a:r>
-              <a:rPr lang="en-US" dirty="0"/>
-              <a:t>Revert changes committed and pushed – revert the result of “</a:t>
-            </a:r>
-            <a:r>
-              <a:rPr lang="en-US" dirty="0" err="1"/>
-              <a:t>git</a:t>
-            </a:r>
-            <a:r>
-              <a:rPr lang="en-US" dirty="0"/>
-              <a:t> </a:t>
-            </a:r>
-            <a:r>
-              <a:rPr lang="en-US" altLang="zh-CN" dirty="0"/>
-              <a:t>push</a:t>
-            </a:r>
-            <a:r>
-              <a:rPr lang="en-US" dirty="0"/>
-              <a:t> ”</a:t>
-            </a:r>
-          </a:p>
-          <a:p>
-            <a:pPr lvl="1"/>
-            <a:r>
-              <a:rPr lang="en-US" dirty="0"/>
-              <a:t>git revert &lt;SHA1&gt; &lt;SHA2&gt; &lt;SHA3&gt; (revert 3 comments)</a:t>
-            </a:r>
-          </a:p>
-          <a:p>
-            <a:pPr lvl="1"/>
-            <a:r>
-              <a:rPr lang="en-US" dirty="0"/>
-              <a:t>git revert &lt;SHA1&gt;. .&lt;SHA3&gt; (revert comments between SHA1 and SHA3)</a:t>
-            </a:r>
-          </a:p>
-          <a:p>
-            <a:pPr lvl="1"/>
-            <a:r>
-              <a:rPr lang="en-US" dirty="0"/>
-              <a:t>git revert HEAD~2. .HEAD (revert head 2 comments)</a:t>
-            </a:r>
-          </a:p>
-          <a:p>
-            <a:pPr lvl="1"/>
-            <a:r>
-              <a:rPr lang="en-US" dirty="0"/>
-              <a:t>git revert –m 1 &lt;SHA1&gt; (revert a merge)</a:t>
-            </a:r>
-          </a:p>
-        </p:txBody>
-      </p:sp>
-    </p:spTree>
-    <p:extLst>
-      <p:ext uri="{BB962C8B-B14F-4D97-AF65-F5344CB8AC3E}">
-        <p14:creationId xmlns:p14="http://schemas.microsoft.com/office/powerpoint/2010/main" val="540927859"/>
-      </p:ext>
-    </p:extLst>
-  </p:cSld>
-  <p:clrMapOvr>
-    <a:masterClrMapping/>
-  </p:clrMapOvr>
-</p:sld>
-</file>
-
-<file path=ppt/slides/slide17.xml><?xml version="1.0" encoding="utf-8"?>
-<p:sld xmlns:a="http://schemas.openxmlformats.org/drawingml/2006/main" xmlns:r="http://schemas.openxmlformats.org/officeDocument/2006/relationships" xmlns:p="http://schemas.openxmlformats.org/presentationml/2006/main">
-  <p:cSld>
-    <p:spTree>
-      <p:nvGrpSpPr>
-        <p:cNvPr id="1" name=""/>
-        <p:cNvGrpSpPr/>
-        <p:nvPr/>
-      </p:nvGrpSpPr>
-      <p:grpSpPr>
-        <a:xfrm>
-          <a:off x="0" y="0"/>
-          <a:ext cx="0" cy="0"/>
-          <a:chOff x="0" y="0"/>
-          <a:chExt cx="0" cy="0"/>
-        </a:xfrm>
-      </p:grpSpPr>
-      <p:sp>
-        <p:nvSpPr>
-          <p:cNvPr id="2" name="Title 1"/>
-          <p:cNvSpPr>
-            <a:spLocks noGrp="1"/>
-          </p:cNvSpPr>
-          <p:nvPr>
-            <p:ph type="title"/>
-          </p:nvPr>
-        </p:nvSpPr>
-        <p:spPr>
-          <a:xfrm>
             <a:off x="942110" y="0"/>
             <a:ext cx="10058400" cy="1609344"/>
           </a:xfrm>
@@ -13108,7 +13036,26 @@
             </a:r>
           </a:p>
           <a:p>
-            <a:endParaRPr lang="en-US" dirty="0"/>
+            <a:pPr lvl="1"/>
+            <a:r>
+              <a:rPr lang="en-US" dirty="0"/>
+              <a:t>git checkout –</a:t>
+            </a:r>
+          </a:p>
+          <a:p>
+            <a:pPr lvl="1"/>
+            <a:r>
+              <a:rPr lang="en-US" dirty="0"/>
+              <a:t>git checkout &lt;</a:t>
+            </a:r>
+            <a:r>
+              <a:rPr lang="en-US" dirty="0" err="1"/>
+              <a:t>current_branch</a:t>
+            </a:r>
+            <a:r>
+              <a:rPr lang="en-US" dirty="0"/>
+              <a:t>&gt;</a:t>
+            </a:r>
           </a:p>
           <a:p>
             <a:r>
@@ -13117,12 +13064,46 @@
             </a:r>
           </a:p>
           <a:p>
-            <a:endParaRPr lang="en-US" dirty="0"/>
+            <a:pPr lvl="1"/>
+            <a:r>
+              <a:rPr lang="en-US" dirty="0"/>
+              <a:t>On private branch</a:t>
+            </a:r>
+          </a:p>
+          <a:p>
+            <a:pPr lvl="1"/>
+            <a:r>
+              <a:rPr lang="en-US" dirty="0"/>
+              <a:t>git </a:t>
+            </a:r>
+            <a:r>
+              <a:rPr lang="en-US" dirty="0" err="1"/>
+              <a:t>reflog</a:t>
+            </a:r>
+            <a:r>
+              <a:rPr lang="en-US" dirty="0"/>
+              <a:t>, git reset &lt;</a:t>
+            </a:r>
+            <a:r>
+              <a:rPr lang="en-US" dirty="0" err="1"/>
+              <a:t>object_id</a:t>
+            </a:r>
+            <a:r>
+              <a:rPr lang="en-US" dirty="0"/>
+              <a:t>&gt;</a:t>
+            </a:r>
           </a:p>
           <a:p>
             <a:r>
               <a:rPr lang="en-US" dirty="0"/>
               <a:t>git revert HEAD~2</a:t>
+            </a:r>
+          </a:p>
+          <a:p>
+            <a:pPr lvl="1"/>
+            <a:r>
+              <a:rPr lang="en-US" dirty="0"/>
+              <a:t>On public branch</a:t>
             </a:r>
           </a:p>
           <a:p>
@@ -15615,7 +15596,7 @@
                                         <p:tgtEl>
                                           <p:spTgt spid="6">
                                             <p:txEl>
-                                              <p:pRg st="2" end="2"/>
+                                              <p:pRg st="1" end="1"/>
                                             </p:txEl>
                                           </p:spTgt>
                                         </p:tgtEl>
@@ -15633,7 +15614,7 @@
                                         <p:tgtEl>
                                           <p:spTgt spid="6">
                                             <p:txEl>
-                                              <p:pRg st="2" end="2"/>
+                                              <p:pRg st="1" end="1"/>
                                             </p:txEl>
                                           </p:spTgt>
                                         </p:tgtEl>
@@ -15660,7 +15641,7 @@
                                         <p:tgtEl>
                                           <p:spTgt spid="6">
                                             <p:txEl>
-                                              <p:pRg st="2" end="2"/>
+                                              <p:pRg st="1" end="1"/>
                                             </p:txEl>
                                           </p:spTgt>
                                         </p:tgtEl>
@@ -15703,7 +15684,7 @@
                             </p:stCondLst>
                             <p:childTnLst>
                               <p:par>
-                                <p:cTn id="61" presetID="2" presetClass="entr" presetSubtype="4" fill="hold" grpId="1" nodeType="clickEffect">
+                                <p:cTn id="61" presetID="2" presetClass="entr" presetSubtype="4" fill="hold" nodeType="clickEffect">
                                   <p:stCondLst>
                                     <p:cond delay="0"/>
                                   </p:stCondLst>
@@ -15716,7 +15697,11 @@
                                           </p:stCondLst>
                                         </p:cTn>
                                         <p:tgtEl>
-                                          <p:spTgt spid="50"/>
+                                          <p:spTgt spid="6">
+                                            <p:txEl>
+                                              <p:pRg st="2" end="2"/>
+                                            </p:txEl>
+                                          </p:spTgt>
                                         </p:tgtEl>
                                         <p:attrNameLst>
                                           <p:attrName>style.visibility</p:attrName>
@@ -15730,7 +15715,11 @@
                                       <p:cBhvr additive="base">
                                         <p:cTn id="63" dur="500" fill="hold"/>
                                         <p:tgtEl>
-                                          <p:spTgt spid="50"/>
+                                          <p:spTgt spid="6">
+                                            <p:txEl>
+                                              <p:pRg st="2" end="2"/>
+                                            </p:txEl>
+                                          </p:spTgt>
                                         </p:tgtEl>
                                         <p:attrNameLst>
                                           <p:attrName>ppt_x</p:attrName>
@@ -15753,591 +15742,11 @@
                                       <p:cBhvr additive="base">
                                         <p:cTn id="64" dur="500" fill="hold"/>
                                         <p:tgtEl>
-                                          <p:spTgt spid="50"/>
-                                        </p:tgtEl>
-                                        <p:attrNameLst>
-                                          <p:attrName>ppt_y</p:attrName>
-                                        </p:attrNameLst>
-                                      </p:cBhvr>
-                                      <p:tavLst>
-                                        <p:tav tm="0">
-                                          <p:val>
-                                            <p:strVal val="1+#ppt_h/2"/>
-                                          </p:val>
-                                        </p:tav>
-                                        <p:tav tm="100000">
-                                          <p:val>
-                                            <p:strVal val="#ppt_y"/>
-                                          </p:val>
-                                        </p:tav>
-                                      </p:tavLst>
-                                    </p:anim>
-                                  </p:childTnLst>
-                                </p:cTn>
-                              </p:par>
-                              <p:par>
-                                <p:cTn id="65" presetID="2" presetClass="entr" presetSubtype="4" fill="hold" nodeType="withEffect">
-                                  <p:stCondLst>
-                                    <p:cond delay="0"/>
-                                  </p:stCondLst>
-                                  <p:childTnLst>
-                                    <p:set>
-                                      <p:cBhvr>
-                                        <p:cTn id="66" dur="1" fill="hold">
-                                          <p:stCondLst>
-                                            <p:cond delay="0"/>
-                                          </p:stCondLst>
-                                        </p:cTn>
-                                        <p:tgtEl>
-                                          <p:spTgt spid="51"/>
-                                        </p:tgtEl>
-                                        <p:attrNameLst>
-                                          <p:attrName>style.visibility</p:attrName>
-                                        </p:attrNameLst>
-                                      </p:cBhvr>
-                                      <p:to>
-                                        <p:strVal val="visible"/>
-                                      </p:to>
-                                    </p:set>
-                                    <p:anim calcmode="lin" valueType="num">
-                                      <p:cBhvr additive="base">
-                                        <p:cTn id="67" dur="500" fill="hold"/>
-                                        <p:tgtEl>
-                                          <p:spTgt spid="51"/>
-                                        </p:tgtEl>
-                                        <p:attrNameLst>
-                                          <p:attrName>ppt_x</p:attrName>
-                                        </p:attrNameLst>
-                                      </p:cBhvr>
-                                      <p:tavLst>
-                                        <p:tav tm="0">
-                                          <p:val>
-                                            <p:strVal val="#ppt_x"/>
-                                          </p:val>
-                                        </p:tav>
-                                        <p:tav tm="100000">
-                                          <p:val>
-                                            <p:strVal val="#ppt_x"/>
-                                          </p:val>
-                                        </p:tav>
-                                      </p:tavLst>
-                                    </p:anim>
-                                    <p:anim calcmode="lin" valueType="num">
-                                      <p:cBhvr additive="base">
-                                        <p:cTn id="68" dur="500" fill="hold"/>
-                                        <p:tgtEl>
-                                          <p:spTgt spid="51"/>
-                                        </p:tgtEl>
-                                        <p:attrNameLst>
-                                          <p:attrName>ppt_y</p:attrName>
-                                        </p:attrNameLst>
-                                      </p:cBhvr>
-                                      <p:tavLst>
-                                        <p:tav tm="0">
-                                          <p:val>
-                                            <p:strVal val="1+#ppt_h/2"/>
-                                          </p:val>
-                                        </p:tav>
-                                        <p:tav tm="100000">
-                                          <p:val>
-                                            <p:strVal val="#ppt_y"/>
-                                          </p:val>
-                                        </p:tav>
-                                      </p:tavLst>
-                                    </p:anim>
-                                  </p:childTnLst>
-                                </p:cTn>
-                              </p:par>
-                              <p:par>
-                                <p:cTn id="69" presetID="2" presetClass="entr" presetSubtype="4" fill="hold" grpId="0" nodeType="withEffect">
-                                  <p:stCondLst>
-                                    <p:cond delay="0"/>
-                                  </p:stCondLst>
-                                  <p:childTnLst>
-                                    <p:set>
-                                      <p:cBhvr>
-                                        <p:cTn id="70" dur="1" fill="hold">
-                                          <p:stCondLst>
-                                            <p:cond delay="0"/>
-                                          </p:stCondLst>
-                                        </p:cTn>
-                                        <p:tgtEl>
-                                          <p:spTgt spid="43"/>
-                                        </p:tgtEl>
-                                        <p:attrNameLst>
-                                          <p:attrName>style.visibility</p:attrName>
-                                        </p:attrNameLst>
-                                      </p:cBhvr>
-                                      <p:to>
-                                        <p:strVal val="visible"/>
-                                      </p:to>
-                                    </p:set>
-                                    <p:anim calcmode="lin" valueType="num">
-                                      <p:cBhvr additive="base">
-                                        <p:cTn id="71" dur="500" fill="hold"/>
-                                        <p:tgtEl>
-                                          <p:spTgt spid="43"/>
-                                        </p:tgtEl>
-                                        <p:attrNameLst>
-                                          <p:attrName>ppt_x</p:attrName>
-                                        </p:attrNameLst>
-                                      </p:cBhvr>
-                                      <p:tavLst>
-                                        <p:tav tm="0">
-                                          <p:val>
-                                            <p:strVal val="#ppt_x"/>
-                                          </p:val>
-                                        </p:tav>
-                                        <p:tav tm="100000">
-                                          <p:val>
-                                            <p:strVal val="#ppt_x"/>
-                                          </p:val>
-                                        </p:tav>
-                                      </p:tavLst>
-                                    </p:anim>
-                                    <p:anim calcmode="lin" valueType="num">
-                                      <p:cBhvr additive="base">
-                                        <p:cTn id="72" dur="500" fill="hold"/>
-                                        <p:tgtEl>
-                                          <p:spTgt spid="43"/>
-                                        </p:tgtEl>
-                                        <p:attrNameLst>
-                                          <p:attrName>ppt_y</p:attrName>
-                                        </p:attrNameLst>
-                                      </p:cBhvr>
-                                      <p:tavLst>
-                                        <p:tav tm="0">
-                                          <p:val>
-                                            <p:strVal val="1+#ppt_h/2"/>
-                                          </p:val>
-                                        </p:tav>
-                                        <p:tav tm="100000">
-                                          <p:val>
-                                            <p:strVal val="#ppt_y"/>
-                                          </p:val>
-                                        </p:tav>
-                                      </p:tavLst>
-                                    </p:anim>
-                                  </p:childTnLst>
-                                </p:cTn>
-                              </p:par>
-                              <p:par>
-                                <p:cTn id="73" presetID="2" presetClass="entr" presetSubtype="4" fill="hold" nodeType="withEffect">
-                                  <p:stCondLst>
-                                    <p:cond delay="0"/>
-                                  </p:stCondLst>
-                                  <p:childTnLst>
-                                    <p:set>
-                                      <p:cBhvr>
-                                        <p:cTn id="74" dur="1" fill="hold">
-                                          <p:stCondLst>
-                                            <p:cond delay="0"/>
-                                          </p:stCondLst>
-                                        </p:cTn>
-                                        <p:tgtEl>
-                                          <p:spTgt spid="47"/>
-                                        </p:tgtEl>
-                                        <p:attrNameLst>
-                                          <p:attrName>style.visibility</p:attrName>
-                                        </p:attrNameLst>
-                                      </p:cBhvr>
-                                      <p:to>
-                                        <p:strVal val="visible"/>
-                                      </p:to>
-                                    </p:set>
-                                    <p:anim calcmode="lin" valueType="num">
-                                      <p:cBhvr additive="base">
-                                        <p:cTn id="75" dur="500" fill="hold"/>
-                                        <p:tgtEl>
-                                          <p:spTgt spid="47"/>
-                                        </p:tgtEl>
-                                        <p:attrNameLst>
-                                          <p:attrName>ppt_x</p:attrName>
-                                        </p:attrNameLst>
-                                      </p:cBhvr>
-                                      <p:tavLst>
-                                        <p:tav tm="0">
-                                          <p:val>
-                                            <p:strVal val="#ppt_x"/>
-                                          </p:val>
-                                        </p:tav>
-                                        <p:tav tm="100000">
-                                          <p:val>
-                                            <p:strVal val="#ppt_x"/>
-                                          </p:val>
-                                        </p:tav>
-                                      </p:tavLst>
-                                    </p:anim>
-                                    <p:anim calcmode="lin" valueType="num">
-                                      <p:cBhvr additive="base">
-                                        <p:cTn id="76" dur="500" fill="hold"/>
-                                        <p:tgtEl>
-                                          <p:spTgt spid="47"/>
-                                        </p:tgtEl>
-                                        <p:attrNameLst>
-                                          <p:attrName>ppt_y</p:attrName>
-                                        </p:attrNameLst>
-                                      </p:cBhvr>
-                                      <p:tavLst>
-                                        <p:tav tm="0">
-                                          <p:val>
-                                            <p:strVal val="1+#ppt_h/2"/>
-                                          </p:val>
-                                        </p:tav>
-                                        <p:tav tm="100000">
-                                          <p:val>
-                                            <p:strVal val="#ppt_y"/>
-                                          </p:val>
-                                        </p:tav>
-                                      </p:tavLst>
-                                    </p:anim>
-                                  </p:childTnLst>
-                                </p:cTn>
-                              </p:par>
-                              <p:par>
-                                <p:cTn id="77" presetID="2" presetClass="entr" presetSubtype="4" fill="hold" grpId="0" nodeType="withEffect">
-                                  <p:stCondLst>
-                                    <p:cond delay="0"/>
-                                  </p:stCondLst>
-                                  <p:childTnLst>
-                                    <p:set>
-                                      <p:cBhvr>
-                                        <p:cTn id="78" dur="1" fill="hold">
-                                          <p:stCondLst>
-                                            <p:cond delay="0"/>
-                                          </p:stCondLst>
-                                        </p:cTn>
-                                        <p:tgtEl>
-                                          <p:spTgt spid="44"/>
-                                        </p:tgtEl>
-                                        <p:attrNameLst>
-                                          <p:attrName>style.visibility</p:attrName>
-                                        </p:attrNameLst>
-                                      </p:cBhvr>
-                                      <p:to>
-                                        <p:strVal val="visible"/>
-                                      </p:to>
-                                    </p:set>
-                                    <p:anim calcmode="lin" valueType="num">
-                                      <p:cBhvr additive="base">
-                                        <p:cTn id="79" dur="500" fill="hold"/>
-                                        <p:tgtEl>
-                                          <p:spTgt spid="44"/>
-                                        </p:tgtEl>
-                                        <p:attrNameLst>
-                                          <p:attrName>ppt_x</p:attrName>
-                                        </p:attrNameLst>
-                                      </p:cBhvr>
-                                      <p:tavLst>
-                                        <p:tav tm="0">
-                                          <p:val>
-                                            <p:strVal val="#ppt_x"/>
-                                          </p:val>
-                                        </p:tav>
-                                        <p:tav tm="100000">
-                                          <p:val>
-                                            <p:strVal val="#ppt_x"/>
-                                          </p:val>
-                                        </p:tav>
-                                      </p:tavLst>
-                                    </p:anim>
-                                    <p:anim calcmode="lin" valueType="num">
-                                      <p:cBhvr additive="base">
-                                        <p:cTn id="80" dur="500" fill="hold"/>
-                                        <p:tgtEl>
-                                          <p:spTgt spid="44"/>
-                                        </p:tgtEl>
-                                        <p:attrNameLst>
-                                          <p:attrName>ppt_y</p:attrName>
-                                        </p:attrNameLst>
-                                      </p:cBhvr>
-                                      <p:tavLst>
-                                        <p:tav tm="0">
-                                          <p:val>
-                                            <p:strVal val="1+#ppt_h/2"/>
-                                          </p:val>
-                                        </p:tav>
-                                        <p:tav tm="100000">
-                                          <p:val>
-                                            <p:strVal val="#ppt_y"/>
-                                          </p:val>
-                                        </p:tav>
-                                      </p:tavLst>
-                                    </p:anim>
-                                  </p:childTnLst>
-                                </p:cTn>
-                              </p:par>
-                              <p:par>
-                                <p:cTn id="81" presetID="2" presetClass="entr" presetSubtype="4" fill="hold" nodeType="withEffect">
-                                  <p:stCondLst>
-                                    <p:cond delay="0"/>
-                                  </p:stCondLst>
-                                  <p:childTnLst>
-                                    <p:set>
-                                      <p:cBhvr>
-                                        <p:cTn id="82" dur="1" fill="hold">
-                                          <p:stCondLst>
-                                            <p:cond delay="0"/>
-                                          </p:stCondLst>
-                                        </p:cTn>
-                                        <p:tgtEl>
-                                          <p:spTgt spid="48"/>
-                                        </p:tgtEl>
-                                        <p:attrNameLst>
-                                          <p:attrName>style.visibility</p:attrName>
-                                        </p:attrNameLst>
-                                      </p:cBhvr>
-                                      <p:to>
-                                        <p:strVal val="visible"/>
-                                      </p:to>
-                                    </p:set>
-                                    <p:anim calcmode="lin" valueType="num">
-                                      <p:cBhvr additive="base">
-                                        <p:cTn id="83" dur="500" fill="hold"/>
-                                        <p:tgtEl>
-                                          <p:spTgt spid="48"/>
-                                        </p:tgtEl>
-                                        <p:attrNameLst>
-                                          <p:attrName>ppt_x</p:attrName>
-                                        </p:attrNameLst>
-                                      </p:cBhvr>
-                                      <p:tavLst>
-                                        <p:tav tm="0">
-                                          <p:val>
-                                            <p:strVal val="#ppt_x"/>
-                                          </p:val>
-                                        </p:tav>
-                                        <p:tav tm="100000">
-                                          <p:val>
-                                            <p:strVal val="#ppt_x"/>
-                                          </p:val>
-                                        </p:tav>
-                                      </p:tavLst>
-                                    </p:anim>
-                                    <p:anim calcmode="lin" valueType="num">
-                                      <p:cBhvr additive="base">
-                                        <p:cTn id="84" dur="500" fill="hold"/>
-                                        <p:tgtEl>
-                                          <p:spTgt spid="48"/>
-                                        </p:tgtEl>
-                                        <p:attrNameLst>
-                                          <p:attrName>ppt_y</p:attrName>
-                                        </p:attrNameLst>
-                                      </p:cBhvr>
-                                      <p:tavLst>
-                                        <p:tav tm="0">
-                                          <p:val>
-                                            <p:strVal val="1+#ppt_h/2"/>
-                                          </p:val>
-                                        </p:tav>
-                                        <p:tav tm="100000">
-                                          <p:val>
-                                            <p:strVal val="#ppt_y"/>
-                                          </p:val>
-                                        </p:tav>
-                                      </p:tavLst>
-                                    </p:anim>
-                                  </p:childTnLst>
-                                </p:cTn>
-                              </p:par>
-                              <p:par>
-                                <p:cTn id="85" presetID="2" presetClass="entr" presetSubtype="4" fill="hold" grpId="0" nodeType="withEffect">
-                                  <p:stCondLst>
-                                    <p:cond delay="0"/>
-                                  </p:stCondLst>
-                                  <p:childTnLst>
-                                    <p:set>
-                                      <p:cBhvr>
-                                        <p:cTn id="86" dur="1" fill="hold">
-                                          <p:stCondLst>
-                                            <p:cond delay="0"/>
-                                          </p:stCondLst>
-                                        </p:cTn>
-                                        <p:tgtEl>
-                                          <p:spTgt spid="45"/>
-                                        </p:tgtEl>
-                                        <p:attrNameLst>
-                                          <p:attrName>style.visibility</p:attrName>
-                                        </p:attrNameLst>
-                                      </p:cBhvr>
-                                      <p:to>
-                                        <p:strVal val="visible"/>
-                                      </p:to>
-                                    </p:set>
-                                    <p:anim calcmode="lin" valueType="num">
-                                      <p:cBhvr additive="base">
-                                        <p:cTn id="87" dur="500" fill="hold"/>
-                                        <p:tgtEl>
-                                          <p:spTgt spid="45"/>
-                                        </p:tgtEl>
-                                        <p:attrNameLst>
-                                          <p:attrName>ppt_x</p:attrName>
-                                        </p:attrNameLst>
-                                      </p:cBhvr>
-                                      <p:tavLst>
-                                        <p:tav tm="0">
-                                          <p:val>
-                                            <p:strVal val="#ppt_x"/>
-                                          </p:val>
-                                        </p:tav>
-                                        <p:tav tm="100000">
-                                          <p:val>
-                                            <p:strVal val="#ppt_x"/>
-                                          </p:val>
-                                        </p:tav>
-                                      </p:tavLst>
-                                    </p:anim>
-                                    <p:anim calcmode="lin" valueType="num">
-                                      <p:cBhvr additive="base">
-                                        <p:cTn id="88" dur="500" fill="hold"/>
-                                        <p:tgtEl>
-                                          <p:spTgt spid="45"/>
-                                        </p:tgtEl>
-                                        <p:attrNameLst>
-                                          <p:attrName>ppt_y</p:attrName>
-                                        </p:attrNameLst>
-                                      </p:cBhvr>
-                                      <p:tavLst>
-                                        <p:tav tm="0">
-                                          <p:val>
-                                            <p:strVal val="1+#ppt_h/2"/>
-                                          </p:val>
-                                        </p:tav>
-                                        <p:tav tm="100000">
-                                          <p:val>
-                                            <p:strVal val="#ppt_y"/>
-                                          </p:val>
-                                        </p:tav>
-                                      </p:tavLst>
-                                    </p:anim>
-                                  </p:childTnLst>
-                                </p:cTn>
-                              </p:par>
-                              <p:par>
-                                <p:cTn id="89" presetID="2" presetClass="entr" presetSubtype="4" fill="hold" nodeType="withEffect">
-                                  <p:stCondLst>
-                                    <p:cond delay="0"/>
-                                  </p:stCondLst>
-                                  <p:childTnLst>
-                                    <p:set>
-                                      <p:cBhvr>
-                                        <p:cTn id="90" dur="1" fill="hold">
-                                          <p:stCondLst>
-                                            <p:cond delay="0"/>
-                                          </p:stCondLst>
-                                        </p:cTn>
-                                        <p:tgtEl>
-                                          <p:spTgt spid="49"/>
-                                        </p:tgtEl>
-                                        <p:attrNameLst>
-                                          <p:attrName>style.visibility</p:attrName>
-                                        </p:attrNameLst>
-                                      </p:cBhvr>
-                                      <p:to>
-                                        <p:strVal val="visible"/>
-                                      </p:to>
-                                    </p:set>
-                                    <p:anim calcmode="lin" valueType="num">
-                                      <p:cBhvr additive="base">
-                                        <p:cTn id="91" dur="500" fill="hold"/>
-                                        <p:tgtEl>
-                                          <p:spTgt spid="49"/>
-                                        </p:tgtEl>
-                                        <p:attrNameLst>
-                                          <p:attrName>ppt_x</p:attrName>
-                                        </p:attrNameLst>
-                                      </p:cBhvr>
-                                      <p:tavLst>
-                                        <p:tav tm="0">
-                                          <p:val>
-                                            <p:strVal val="#ppt_x"/>
-                                          </p:val>
-                                        </p:tav>
-                                        <p:tav tm="100000">
-                                          <p:val>
-                                            <p:strVal val="#ppt_x"/>
-                                          </p:val>
-                                        </p:tav>
-                                      </p:tavLst>
-                                    </p:anim>
-                                    <p:anim calcmode="lin" valueType="num">
-                                      <p:cBhvr additive="base">
-                                        <p:cTn id="92" dur="500" fill="hold"/>
-                                        <p:tgtEl>
-                                          <p:spTgt spid="49"/>
-                                        </p:tgtEl>
-                                        <p:attrNameLst>
-                                          <p:attrName>ppt_y</p:attrName>
-                                        </p:attrNameLst>
-                                      </p:cBhvr>
-                                      <p:tavLst>
-                                        <p:tav tm="0">
-                                          <p:val>
-                                            <p:strVal val="1+#ppt_h/2"/>
-                                          </p:val>
-                                        </p:tav>
-                                        <p:tav tm="100000">
-                                          <p:val>
-                                            <p:strVal val="#ppt_y"/>
-                                          </p:val>
-                                        </p:tav>
-                                      </p:tavLst>
-                                    </p:anim>
-                                  </p:childTnLst>
-                                </p:cTn>
-                              </p:par>
-                              <p:par>
-                                <p:cTn id="93" presetID="2" presetClass="entr" presetSubtype="4" fill="hold" grpId="0" nodeType="withEffect">
-                                  <p:stCondLst>
-                                    <p:cond delay="0"/>
-                                  </p:stCondLst>
-                                  <p:childTnLst>
-                                    <p:set>
-                                      <p:cBhvr>
-                                        <p:cTn id="94" dur="1" fill="hold">
-                                          <p:stCondLst>
-                                            <p:cond delay="0"/>
-                                          </p:stCondLst>
-                                        </p:cTn>
-                                        <p:tgtEl>
-                                          <p:spTgt spid="46"/>
-                                        </p:tgtEl>
-                                        <p:attrNameLst>
-                                          <p:attrName>style.visibility</p:attrName>
-                                        </p:attrNameLst>
-                                      </p:cBhvr>
-                                      <p:to>
-                                        <p:strVal val="visible"/>
-                                      </p:to>
-                                    </p:set>
-                                    <p:anim calcmode="lin" valueType="num">
-                                      <p:cBhvr additive="base">
-                                        <p:cTn id="95" dur="500" fill="hold"/>
-                                        <p:tgtEl>
-                                          <p:spTgt spid="46"/>
-                                        </p:tgtEl>
-                                        <p:attrNameLst>
-                                          <p:attrName>ppt_x</p:attrName>
-                                        </p:attrNameLst>
-                                      </p:cBhvr>
-                                      <p:tavLst>
-                                        <p:tav tm="0">
-                                          <p:val>
-                                            <p:strVal val="#ppt_x"/>
-                                          </p:val>
-                                        </p:tav>
-                                        <p:tav tm="100000">
-                                          <p:val>
-                                            <p:strVal val="#ppt_x"/>
-                                          </p:val>
-                                        </p:tav>
-                                      </p:tavLst>
-                                    </p:anim>
-                                    <p:anim calcmode="lin" valueType="num">
-                                      <p:cBhvr additive="base">
-                                        <p:cTn id="96" dur="500" fill="hold"/>
-                                        <p:tgtEl>
-                                          <p:spTgt spid="46"/>
+                                          <p:spTgt spid="6">
+                                            <p:txEl>
+                                              <p:pRg st="2" end="2"/>
+                                            </p:txEl>
+                                          </p:spTgt>
                                         </p:tgtEl>
                                         <p:attrNameLst>
                                           <p:attrName>ppt_y</p:attrName>
@@ -16366,26 +15775,907 @@
                     </p:cTn>
                   </p:par>
                   <p:par>
-                    <p:cTn id="97" fill="hold">
+                    <p:cTn id="65" fill="hold">
                       <p:stCondLst>
                         <p:cond delay="indefinite"/>
                       </p:stCondLst>
                       <p:childTnLst>
                         <p:par>
-                          <p:cTn id="98" fill="hold">
+                          <p:cTn id="66" fill="hold">
                             <p:stCondLst>
                               <p:cond delay="0"/>
                             </p:stCondLst>
                             <p:childTnLst>
                               <p:par>
-                                <p:cTn id="99" presetID="42" presetClass="path" presetSubtype="0" accel="50000" decel="50000" fill="hold" grpId="0" nodeType="clickEffect">
+                                <p:cTn id="67" presetID="2" presetClass="entr" presetSubtype="4" fill="hold" nodeType="clickEffect">
+                                  <p:stCondLst>
+                                    <p:cond delay="0"/>
+                                  </p:stCondLst>
+                                  <p:childTnLst>
+                                    <p:set>
+                                      <p:cBhvr>
+                                        <p:cTn id="68" dur="1" fill="hold">
+                                          <p:stCondLst>
+                                            <p:cond delay="0"/>
+                                          </p:stCondLst>
+                                        </p:cTn>
+                                        <p:tgtEl>
+                                          <p:spTgt spid="6">
+                                            <p:txEl>
+                                              <p:pRg st="3" end="3"/>
+                                            </p:txEl>
+                                          </p:spTgt>
+                                        </p:tgtEl>
+                                        <p:attrNameLst>
+                                          <p:attrName>style.visibility</p:attrName>
+                                        </p:attrNameLst>
+                                      </p:cBhvr>
+                                      <p:to>
+                                        <p:strVal val="visible"/>
+                                      </p:to>
+                                    </p:set>
+                                    <p:anim calcmode="lin" valueType="num">
+                                      <p:cBhvr additive="base">
+                                        <p:cTn id="69" dur="500" fill="hold"/>
+                                        <p:tgtEl>
+                                          <p:spTgt spid="6">
+                                            <p:txEl>
+                                              <p:pRg st="3" end="3"/>
+                                            </p:txEl>
+                                          </p:spTgt>
+                                        </p:tgtEl>
+                                        <p:attrNameLst>
+                                          <p:attrName>ppt_x</p:attrName>
+                                        </p:attrNameLst>
+                                      </p:cBhvr>
+                                      <p:tavLst>
+                                        <p:tav tm="0">
+                                          <p:val>
+                                            <p:strVal val="#ppt_x"/>
+                                          </p:val>
+                                        </p:tav>
+                                        <p:tav tm="100000">
+                                          <p:val>
+                                            <p:strVal val="#ppt_x"/>
+                                          </p:val>
+                                        </p:tav>
+                                      </p:tavLst>
+                                    </p:anim>
+                                    <p:anim calcmode="lin" valueType="num">
+                                      <p:cBhvr additive="base">
+                                        <p:cTn id="70" dur="500" fill="hold"/>
+                                        <p:tgtEl>
+                                          <p:spTgt spid="6">
+                                            <p:txEl>
+                                              <p:pRg st="3" end="3"/>
+                                            </p:txEl>
+                                          </p:spTgt>
+                                        </p:tgtEl>
+                                        <p:attrNameLst>
+                                          <p:attrName>ppt_y</p:attrName>
+                                        </p:attrNameLst>
+                                      </p:cBhvr>
+                                      <p:tavLst>
+                                        <p:tav tm="0">
+                                          <p:val>
+                                            <p:strVal val="1+#ppt_h/2"/>
+                                          </p:val>
+                                        </p:tav>
+                                        <p:tav tm="100000">
+                                          <p:val>
+                                            <p:strVal val="#ppt_y"/>
+                                          </p:val>
+                                        </p:tav>
+                                      </p:tavLst>
+                                    </p:anim>
+                                  </p:childTnLst>
+                                </p:cTn>
+                              </p:par>
+                            </p:childTnLst>
+                          </p:cTn>
+                        </p:par>
+                      </p:childTnLst>
+                    </p:cTn>
+                  </p:par>
+                  <p:par>
+                    <p:cTn id="71" fill="hold">
+                      <p:stCondLst>
+                        <p:cond delay="indefinite"/>
+                      </p:stCondLst>
+                      <p:childTnLst>
+                        <p:par>
+                          <p:cTn id="72" fill="hold">
+                            <p:stCondLst>
+                              <p:cond delay="0"/>
+                            </p:stCondLst>
+                            <p:childTnLst>
+                              <p:par>
+                                <p:cTn id="73" presetID="2" presetClass="entr" presetSubtype="4" fill="hold" nodeType="clickEffect">
+                                  <p:stCondLst>
+                                    <p:cond delay="0"/>
+                                  </p:stCondLst>
+                                  <p:childTnLst>
+                                    <p:set>
+                                      <p:cBhvr>
+                                        <p:cTn id="74" dur="1" fill="hold">
+                                          <p:stCondLst>
+                                            <p:cond delay="0"/>
+                                          </p:stCondLst>
+                                        </p:cTn>
+                                        <p:tgtEl>
+                                          <p:spTgt spid="6">
+                                            <p:txEl>
+                                              <p:pRg st="4" end="4"/>
+                                            </p:txEl>
+                                          </p:spTgt>
+                                        </p:tgtEl>
+                                        <p:attrNameLst>
+                                          <p:attrName>style.visibility</p:attrName>
+                                        </p:attrNameLst>
+                                      </p:cBhvr>
+                                      <p:to>
+                                        <p:strVal val="visible"/>
+                                      </p:to>
+                                    </p:set>
+                                    <p:anim calcmode="lin" valueType="num">
+                                      <p:cBhvr additive="base">
+                                        <p:cTn id="75" dur="500" fill="hold"/>
+                                        <p:tgtEl>
+                                          <p:spTgt spid="6">
+                                            <p:txEl>
+                                              <p:pRg st="4" end="4"/>
+                                            </p:txEl>
+                                          </p:spTgt>
+                                        </p:tgtEl>
+                                        <p:attrNameLst>
+                                          <p:attrName>ppt_x</p:attrName>
+                                        </p:attrNameLst>
+                                      </p:cBhvr>
+                                      <p:tavLst>
+                                        <p:tav tm="0">
+                                          <p:val>
+                                            <p:strVal val="#ppt_x"/>
+                                          </p:val>
+                                        </p:tav>
+                                        <p:tav tm="100000">
+                                          <p:val>
+                                            <p:strVal val="#ppt_x"/>
+                                          </p:val>
+                                        </p:tav>
+                                      </p:tavLst>
+                                    </p:anim>
+                                    <p:anim calcmode="lin" valueType="num">
+                                      <p:cBhvr additive="base">
+                                        <p:cTn id="76" dur="500" fill="hold"/>
+                                        <p:tgtEl>
+                                          <p:spTgt spid="6">
+                                            <p:txEl>
+                                              <p:pRg st="4" end="4"/>
+                                            </p:txEl>
+                                          </p:spTgt>
+                                        </p:tgtEl>
+                                        <p:attrNameLst>
+                                          <p:attrName>ppt_y</p:attrName>
+                                        </p:attrNameLst>
+                                      </p:cBhvr>
+                                      <p:tavLst>
+                                        <p:tav tm="0">
+                                          <p:val>
+                                            <p:strVal val="1+#ppt_h/2"/>
+                                          </p:val>
+                                        </p:tav>
+                                        <p:tav tm="100000">
+                                          <p:val>
+                                            <p:strVal val="#ppt_y"/>
+                                          </p:val>
+                                        </p:tav>
+                                      </p:tavLst>
+                                    </p:anim>
+                                  </p:childTnLst>
+                                </p:cTn>
+                              </p:par>
+                            </p:childTnLst>
+                          </p:cTn>
+                        </p:par>
+                      </p:childTnLst>
+                    </p:cTn>
+                  </p:par>
+                  <p:par>
+                    <p:cTn id="77" fill="hold">
+                      <p:stCondLst>
+                        <p:cond delay="indefinite"/>
+                      </p:stCondLst>
+                      <p:childTnLst>
+                        <p:par>
+                          <p:cTn id="78" fill="hold">
+                            <p:stCondLst>
+                              <p:cond delay="0"/>
+                            </p:stCondLst>
+                            <p:childTnLst>
+                              <p:par>
+                                <p:cTn id="79" presetID="2" presetClass="entr" presetSubtype="4" fill="hold" grpId="1" nodeType="clickEffect">
+                                  <p:stCondLst>
+                                    <p:cond delay="0"/>
+                                  </p:stCondLst>
+                                  <p:childTnLst>
+                                    <p:set>
+                                      <p:cBhvr>
+                                        <p:cTn id="80" dur="1" fill="hold">
+                                          <p:stCondLst>
+                                            <p:cond delay="0"/>
+                                          </p:stCondLst>
+                                        </p:cTn>
+                                        <p:tgtEl>
+                                          <p:spTgt spid="50"/>
+                                        </p:tgtEl>
+                                        <p:attrNameLst>
+                                          <p:attrName>style.visibility</p:attrName>
+                                        </p:attrNameLst>
+                                      </p:cBhvr>
+                                      <p:to>
+                                        <p:strVal val="visible"/>
+                                      </p:to>
+                                    </p:set>
+                                    <p:anim calcmode="lin" valueType="num">
+                                      <p:cBhvr additive="base">
+                                        <p:cTn id="81" dur="500" fill="hold"/>
+                                        <p:tgtEl>
+                                          <p:spTgt spid="50"/>
+                                        </p:tgtEl>
+                                        <p:attrNameLst>
+                                          <p:attrName>ppt_x</p:attrName>
+                                        </p:attrNameLst>
+                                      </p:cBhvr>
+                                      <p:tavLst>
+                                        <p:tav tm="0">
+                                          <p:val>
+                                            <p:strVal val="#ppt_x"/>
+                                          </p:val>
+                                        </p:tav>
+                                        <p:tav tm="100000">
+                                          <p:val>
+                                            <p:strVal val="#ppt_x"/>
+                                          </p:val>
+                                        </p:tav>
+                                      </p:tavLst>
+                                    </p:anim>
+                                    <p:anim calcmode="lin" valueType="num">
+                                      <p:cBhvr additive="base">
+                                        <p:cTn id="82" dur="500" fill="hold"/>
+                                        <p:tgtEl>
+                                          <p:spTgt spid="50"/>
+                                        </p:tgtEl>
+                                        <p:attrNameLst>
+                                          <p:attrName>ppt_y</p:attrName>
+                                        </p:attrNameLst>
+                                      </p:cBhvr>
+                                      <p:tavLst>
+                                        <p:tav tm="0">
+                                          <p:val>
+                                            <p:strVal val="1+#ppt_h/2"/>
+                                          </p:val>
+                                        </p:tav>
+                                        <p:tav tm="100000">
+                                          <p:val>
+                                            <p:strVal val="#ppt_y"/>
+                                          </p:val>
+                                        </p:tav>
+                                      </p:tavLst>
+                                    </p:anim>
+                                  </p:childTnLst>
+                                </p:cTn>
+                              </p:par>
+                              <p:par>
+                                <p:cTn id="83" presetID="2" presetClass="entr" presetSubtype="4" fill="hold" nodeType="withEffect">
+                                  <p:stCondLst>
+                                    <p:cond delay="0"/>
+                                  </p:stCondLst>
+                                  <p:childTnLst>
+                                    <p:set>
+                                      <p:cBhvr>
+                                        <p:cTn id="84" dur="1" fill="hold">
+                                          <p:stCondLst>
+                                            <p:cond delay="0"/>
+                                          </p:stCondLst>
+                                        </p:cTn>
+                                        <p:tgtEl>
+                                          <p:spTgt spid="51"/>
+                                        </p:tgtEl>
+                                        <p:attrNameLst>
+                                          <p:attrName>style.visibility</p:attrName>
+                                        </p:attrNameLst>
+                                      </p:cBhvr>
+                                      <p:to>
+                                        <p:strVal val="visible"/>
+                                      </p:to>
+                                    </p:set>
+                                    <p:anim calcmode="lin" valueType="num">
+                                      <p:cBhvr additive="base">
+                                        <p:cTn id="85" dur="500" fill="hold"/>
+                                        <p:tgtEl>
+                                          <p:spTgt spid="51"/>
+                                        </p:tgtEl>
+                                        <p:attrNameLst>
+                                          <p:attrName>ppt_x</p:attrName>
+                                        </p:attrNameLst>
+                                      </p:cBhvr>
+                                      <p:tavLst>
+                                        <p:tav tm="0">
+                                          <p:val>
+                                            <p:strVal val="#ppt_x"/>
+                                          </p:val>
+                                        </p:tav>
+                                        <p:tav tm="100000">
+                                          <p:val>
+                                            <p:strVal val="#ppt_x"/>
+                                          </p:val>
+                                        </p:tav>
+                                      </p:tavLst>
+                                    </p:anim>
+                                    <p:anim calcmode="lin" valueType="num">
+                                      <p:cBhvr additive="base">
+                                        <p:cTn id="86" dur="500" fill="hold"/>
+                                        <p:tgtEl>
+                                          <p:spTgt spid="51"/>
+                                        </p:tgtEl>
+                                        <p:attrNameLst>
+                                          <p:attrName>ppt_y</p:attrName>
+                                        </p:attrNameLst>
+                                      </p:cBhvr>
+                                      <p:tavLst>
+                                        <p:tav tm="0">
+                                          <p:val>
+                                            <p:strVal val="1+#ppt_h/2"/>
+                                          </p:val>
+                                        </p:tav>
+                                        <p:tav tm="100000">
+                                          <p:val>
+                                            <p:strVal val="#ppt_y"/>
+                                          </p:val>
+                                        </p:tav>
+                                      </p:tavLst>
+                                    </p:anim>
+                                  </p:childTnLst>
+                                </p:cTn>
+                              </p:par>
+                              <p:par>
+                                <p:cTn id="87" presetID="2" presetClass="entr" presetSubtype="4" fill="hold" grpId="0" nodeType="withEffect">
+                                  <p:stCondLst>
+                                    <p:cond delay="0"/>
+                                  </p:stCondLst>
+                                  <p:childTnLst>
+                                    <p:set>
+                                      <p:cBhvr>
+                                        <p:cTn id="88" dur="1" fill="hold">
+                                          <p:stCondLst>
+                                            <p:cond delay="0"/>
+                                          </p:stCondLst>
+                                        </p:cTn>
+                                        <p:tgtEl>
+                                          <p:spTgt spid="43"/>
+                                        </p:tgtEl>
+                                        <p:attrNameLst>
+                                          <p:attrName>style.visibility</p:attrName>
+                                        </p:attrNameLst>
+                                      </p:cBhvr>
+                                      <p:to>
+                                        <p:strVal val="visible"/>
+                                      </p:to>
+                                    </p:set>
+                                    <p:anim calcmode="lin" valueType="num">
+                                      <p:cBhvr additive="base">
+                                        <p:cTn id="89" dur="500" fill="hold"/>
+                                        <p:tgtEl>
+                                          <p:spTgt spid="43"/>
+                                        </p:tgtEl>
+                                        <p:attrNameLst>
+                                          <p:attrName>ppt_x</p:attrName>
+                                        </p:attrNameLst>
+                                      </p:cBhvr>
+                                      <p:tavLst>
+                                        <p:tav tm="0">
+                                          <p:val>
+                                            <p:strVal val="#ppt_x"/>
+                                          </p:val>
+                                        </p:tav>
+                                        <p:tav tm="100000">
+                                          <p:val>
+                                            <p:strVal val="#ppt_x"/>
+                                          </p:val>
+                                        </p:tav>
+                                      </p:tavLst>
+                                    </p:anim>
+                                    <p:anim calcmode="lin" valueType="num">
+                                      <p:cBhvr additive="base">
+                                        <p:cTn id="90" dur="500" fill="hold"/>
+                                        <p:tgtEl>
+                                          <p:spTgt spid="43"/>
+                                        </p:tgtEl>
+                                        <p:attrNameLst>
+                                          <p:attrName>ppt_y</p:attrName>
+                                        </p:attrNameLst>
+                                      </p:cBhvr>
+                                      <p:tavLst>
+                                        <p:tav tm="0">
+                                          <p:val>
+                                            <p:strVal val="1+#ppt_h/2"/>
+                                          </p:val>
+                                        </p:tav>
+                                        <p:tav tm="100000">
+                                          <p:val>
+                                            <p:strVal val="#ppt_y"/>
+                                          </p:val>
+                                        </p:tav>
+                                      </p:tavLst>
+                                    </p:anim>
+                                  </p:childTnLst>
+                                </p:cTn>
+                              </p:par>
+                              <p:par>
+                                <p:cTn id="91" presetID="2" presetClass="entr" presetSubtype="4" fill="hold" nodeType="withEffect">
+                                  <p:stCondLst>
+                                    <p:cond delay="0"/>
+                                  </p:stCondLst>
+                                  <p:childTnLst>
+                                    <p:set>
+                                      <p:cBhvr>
+                                        <p:cTn id="92" dur="1" fill="hold">
+                                          <p:stCondLst>
+                                            <p:cond delay="0"/>
+                                          </p:stCondLst>
+                                        </p:cTn>
+                                        <p:tgtEl>
+                                          <p:spTgt spid="47"/>
+                                        </p:tgtEl>
+                                        <p:attrNameLst>
+                                          <p:attrName>style.visibility</p:attrName>
+                                        </p:attrNameLst>
+                                      </p:cBhvr>
+                                      <p:to>
+                                        <p:strVal val="visible"/>
+                                      </p:to>
+                                    </p:set>
+                                    <p:anim calcmode="lin" valueType="num">
+                                      <p:cBhvr additive="base">
+                                        <p:cTn id="93" dur="500" fill="hold"/>
+                                        <p:tgtEl>
+                                          <p:spTgt spid="47"/>
+                                        </p:tgtEl>
+                                        <p:attrNameLst>
+                                          <p:attrName>ppt_x</p:attrName>
+                                        </p:attrNameLst>
+                                      </p:cBhvr>
+                                      <p:tavLst>
+                                        <p:tav tm="0">
+                                          <p:val>
+                                            <p:strVal val="#ppt_x"/>
+                                          </p:val>
+                                        </p:tav>
+                                        <p:tav tm="100000">
+                                          <p:val>
+                                            <p:strVal val="#ppt_x"/>
+                                          </p:val>
+                                        </p:tav>
+                                      </p:tavLst>
+                                    </p:anim>
+                                    <p:anim calcmode="lin" valueType="num">
+                                      <p:cBhvr additive="base">
+                                        <p:cTn id="94" dur="500" fill="hold"/>
+                                        <p:tgtEl>
+                                          <p:spTgt spid="47"/>
+                                        </p:tgtEl>
+                                        <p:attrNameLst>
+                                          <p:attrName>ppt_y</p:attrName>
+                                        </p:attrNameLst>
+                                      </p:cBhvr>
+                                      <p:tavLst>
+                                        <p:tav tm="0">
+                                          <p:val>
+                                            <p:strVal val="1+#ppt_h/2"/>
+                                          </p:val>
+                                        </p:tav>
+                                        <p:tav tm="100000">
+                                          <p:val>
+                                            <p:strVal val="#ppt_y"/>
+                                          </p:val>
+                                        </p:tav>
+                                      </p:tavLst>
+                                    </p:anim>
+                                  </p:childTnLst>
+                                </p:cTn>
+                              </p:par>
+                              <p:par>
+                                <p:cTn id="95" presetID="2" presetClass="entr" presetSubtype="4" fill="hold" grpId="0" nodeType="withEffect">
+                                  <p:stCondLst>
+                                    <p:cond delay="0"/>
+                                  </p:stCondLst>
+                                  <p:childTnLst>
+                                    <p:set>
+                                      <p:cBhvr>
+                                        <p:cTn id="96" dur="1" fill="hold">
+                                          <p:stCondLst>
+                                            <p:cond delay="0"/>
+                                          </p:stCondLst>
+                                        </p:cTn>
+                                        <p:tgtEl>
+                                          <p:spTgt spid="44"/>
+                                        </p:tgtEl>
+                                        <p:attrNameLst>
+                                          <p:attrName>style.visibility</p:attrName>
+                                        </p:attrNameLst>
+                                      </p:cBhvr>
+                                      <p:to>
+                                        <p:strVal val="visible"/>
+                                      </p:to>
+                                    </p:set>
+                                    <p:anim calcmode="lin" valueType="num">
+                                      <p:cBhvr additive="base">
+                                        <p:cTn id="97" dur="500" fill="hold"/>
+                                        <p:tgtEl>
+                                          <p:spTgt spid="44"/>
+                                        </p:tgtEl>
+                                        <p:attrNameLst>
+                                          <p:attrName>ppt_x</p:attrName>
+                                        </p:attrNameLst>
+                                      </p:cBhvr>
+                                      <p:tavLst>
+                                        <p:tav tm="0">
+                                          <p:val>
+                                            <p:strVal val="#ppt_x"/>
+                                          </p:val>
+                                        </p:tav>
+                                        <p:tav tm="100000">
+                                          <p:val>
+                                            <p:strVal val="#ppt_x"/>
+                                          </p:val>
+                                        </p:tav>
+                                      </p:tavLst>
+                                    </p:anim>
+                                    <p:anim calcmode="lin" valueType="num">
+                                      <p:cBhvr additive="base">
+                                        <p:cTn id="98" dur="500" fill="hold"/>
+                                        <p:tgtEl>
+                                          <p:spTgt spid="44"/>
+                                        </p:tgtEl>
+                                        <p:attrNameLst>
+                                          <p:attrName>ppt_y</p:attrName>
+                                        </p:attrNameLst>
+                                      </p:cBhvr>
+                                      <p:tavLst>
+                                        <p:tav tm="0">
+                                          <p:val>
+                                            <p:strVal val="1+#ppt_h/2"/>
+                                          </p:val>
+                                        </p:tav>
+                                        <p:tav tm="100000">
+                                          <p:val>
+                                            <p:strVal val="#ppt_y"/>
+                                          </p:val>
+                                        </p:tav>
+                                      </p:tavLst>
+                                    </p:anim>
+                                  </p:childTnLst>
+                                </p:cTn>
+                              </p:par>
+                              <p:par>
+                                <p:cTn id="99" presetID="2" presetClass="entr" presetSubtype="4" fill="hold" nodeType="withEffect">
+                                  <p:stCondLst>
+                                    <p:cond delay="0"/>
+                                  </p:stCondLst>
+                                  <p:childTnLst>
+                                    <p:set>
+                                      <p:cBhvr>
+                                        <p:cTn id="100" dur="1" fill="hold">
+                                          <p:stCondLst>
+                                            <p:cond delay="0"/>
+                                          </p:stCondLst>
+                                        </p:cTn>
+                                        <p:tgtEl>
+                                          <p:spTgt spid="48"/>
+                                        </p:tgtEl>
+                                        <p:attrNameLst>
+                                          <p:attrName>style.visibility</p:attrName>
+                                        </p:attrNameLst>
+                                      </p:cBhvr>
+                                      <p:to>
+                                        <p:strVal val="visible"/>
+                                      </p:to>
+                                    </p:set>
+                                    <p:anim calcmode="lin" valueType="num">
+                                      <p:cBhvr additive="base">
+                                        <p:cTn id="101" dur="500" fill="hold"/>
+                                        <p:tgtEl>
+                                          <p:spTgt spid="48"/>
+                                        </p:tgtEl>
+                                        <p:attrNameLst>
+                                          <p:attrName>ppt_x</p:attrName>
+                                        </p:attrNameLst>
+                                      </p:cBhvr>
+                                      <p:tavLst>
+                                        <p:tav tm="0">
+                                          <p:val>
+                                            <p:strVal val="#ppt_x"/>
+                                          </p:val>
+                                        </p:tav>
+                                        <p:tav tm="100000">
+                                          <p:val>
+                                            <p:strVal val="#ppt_x"/>
+                                          </p:val>
+                                        </p:tav>
+                                      </p:tavLst>
+                                    </p:anim>
+                                    <p:anim calcmode="lin" valueType="num">
+                                      <p:cBhvr additive="base">
+                                        <p:cTn id="102" dur="500" fill="hold"/>
+                                        <p:tgtEl>
+                                          <p:spTgt spid="48"/>
+                                        </p:tgtEl>
+                                        <p:attrNameLst>
+                                          <p:attrName>ppt_y</p:attrName>
+                                        </p:attrNameLst>
+                                      </p:cBhvr>
+                                      <p:tavLst>
+                                        <p:tav tm="0">
+                                          <p:val>
+                                            <p:strVal val="1+#ppt_h/2"/>
+                                          </p:val>
+                                        </p:tav>
+                                        <p:tav tm="100000">
+                                          <p:val>
+                                            <p:strVal val="#ppt_y"/>
+                                          </p:val>
+                                        </p:tav>
+                                      </p:tavLst>
+                                    </p:anim>
+                                  </p:childTnLst>
+                                </p:cTn>
+                              </p:par>
+                              <p:par>
+                                <p:cTn id="103" presetID="2" presetClass="entr" presetSubtype="4" fill="hold" grpId="0" nodeType="withEffect">
+                                  <p:stCondLst>
+                                    <p:cond delay="0"/>
+                                  </p:stCondLst>
+                                  <p:childTnLst>
+                                    <p:set>
+                                      <p:cBhvr>
+                                        <p:cTn id="104" dur="1" fill="hold">
+                                          <p:stCondLst>
+                                            <p:cond delay="0"/>
+                                          </p:stCondLst>
+                                        </p:cTn>
+                                        <p:tgtEl>
+                                          <p:spTgt spid="45"/>
+                                        </p:tgtEl>
+                                        <p:attrNameLst>
+                                          <p:attrName>style.visibility</p:attrName>
+                                        </p:attrNameLst>
+                                      </p:cBhvr>
+                                      <p:to>
+                                        <p:strVal val="visible"/>
+                                      </p:to>
+                                    </p:set>
+                                    <p:anim calcmode="lin" valueType="num">
+                                      <p:cBhvr additive="base">
+                                        <p:cTn id="105" dur="500" fill="hold"/>
+                                        <p:tgtEl>
+                                          <p:spTgt spid="45"/>
+                                        </p:tgtEl>
+                                        <p:attrNameLst>
+                                          <p:attrName>ppt_x</p:attrName>
+                                        </p:attrNameLst>
+                                      </p:cBhvr>
+                                      <p:tavLst>
+                                        <p:tav tm="0">
+                                          <p:val>
+                                            <p:strVal val="#ppt_x"/>
+                                          </p:val>
+                                        </p:tav>
+                                        <p:tav tm="100000">
+                                          <p:val>
+                                            <p:strVal val="#ppt_x"/>
+                                          </p:val>
+                                        </p:tav>
+                                      </p:tavLst>
+                                    </p:anim>
+                                    <p:anim calcmode="lin" valueType="num">
+                                      <p:cBhvr additive="base">
+                                        <p:cTn id="106" dur="500" fill="hold"/>
+                                        <p:tgtEl>
+                                          <p:spTgt spid="45"/>
+                                        </p:tgtEl>
+                                        <p:attrNameLst>
+                                          <p:attrName>ppt_y</p:attrName>
+                                        </p:attrNameLst>
+                                      </p:cBhvr>
+                                      <p:tavLst>
+                                        <p:tav tm="0">
+                                          <p:val>
+                                            <p:strVal val="1+#ppt_h/2"/>
+                                          </p:val>
+                                        </p:tav>
+                                        <p:tav tm="100000">
+                                          <p:val>
+                                            <p:strVal val="#ppt_y"/>
+                                          </p:val>
+                                        </p:tav>
+                                      </p:tavLst>
+                                    </p:anim>
+                                  </p:childTnLst>
+                                </p:cTn>
+                              </p:par>
+                              <p:par>
+                                <p:cTn id="107" presetID="2" presetClass="entr" presetSubtype="4" fill="hold" nodeType="withEffect">
+                                  <p:stCondLst>
+                                    <p:cond delay="0"/>
+                                  </p:stCondLst>
+                                  <p:childTnLst>
+                                    <p:set>
+                                      <p:cBhvr>
+                                        <p:cTn id="108" dur="1" fill="hold">
+                                          <p:stCondLst>
+                                            <p:cond delay="0"/>
+                                          </p:stCondLst>
+                                        </p:cTn>
+                                        <p:tgtEl>
+                                          <p:spTgt spid="49"/>
+                                        </p:tgtEl>
+                                        <p:attrNameLst>
+                                          <p:attrName>style.visibility</p:attrName>
+                                        </p:attrNameLst>
+                                      </p:cBhvr>
+                                      <p:to>
+                                        <p:strVal val="visible"/>
+                                      </p:to>
+                                    </p:set>
+                                    <p:anim calcmode="lin" valueType="num">
+                                      <p:cBhvr additive="base">
+                                        <p:cTn id="109" dur="500" fill="hold"/>
+                                        <p:tgtEl>
+                                          <p:spTgt spid="49"/>
+                                        </p:tgtEl>
+                                        <p:attrNameLst>
+                                          <p:attrName>ppt_x</p:attrName>
+                                        </p:attrNameLst>
+                                      </p:cBhvr>
+                                      <p:tavLst>
+                                        <p:tav tm="0">
+                                          <p:val>
+                                            <p:strVal val="#ppt_x"/>
+                                          </p:val>
+                                        </p:tav>
+                                        <p:tav tm="100000">
+                                          <p:val>
+                                            <p:strVal val="#ppt_x"/>
+                                          </p:val>
+                                        </p:tav>
+                                      </p:tavLst>
+                                    </p:anim>
+                                    <p:anim calcmode="lin" valueType="num">
+                                      <p:cBhvr additive="base">
+                                        <p:cTn id="110" dur="500" fill="hold"/>
+                                        <p:tgtEl>
+                                          <p:spTgt spid="49"/>
+                                        </p:tgtEl>
+                                        <p:attrNameLst>
+                                          <p:attrName>ppt_y</p:attrName>
+                                        </p:attrNameLst>
+                                      </p:cBhvr>
+                                      <p:tavLst>
+                                        <p:tav tm="0">
+                                          <p:val>
+                                            <p:strVal val="1+#ppt_h/2"/>
+                                          </p:val>
+                                        </p:tav>
+                                        <p:tav tm="100000">
+                                          <p:val>
+                                            <p:strVal val="#ppt_y"/>
+                                          </p:val>
+                                        </p:tav>
+                                      </p:tavLst>
+                                    </p:anim>
+                                  </p:childTnLst>
+                                </p:cTn>
+                              </p:par>
+                              <p:par>
+                                <p:cTn id="111" presetID="2" presetClass="entr" presetSubtype="4" fill="hold" grpId="0" nodeType="withEffect">
+                                  <p:stCondLst>
+                                    <p:cond delay="0"/>
+                                  </p:stCondLst>
+                                  <p:childTnLst>
+                                    <p:set>
+                                      <p:cBhvr>
+                                        <p:cTn id="112" dur="1" fill="hold">
+                                          <p:stCondLst>
+                                            <p:cond delay="0"/>
+                                          </p:stCondLst>
+                                        </p:cTn>
+                                        <p:tgtEl>
+                                          <p:spTgt spid="46"/>
+                                        </p:tgtEl>
+                                        <p:attrNameLst>
+                                          <p:attrName>style.visibility</p:attrName>
+                                        </p:attrNameLst>
+                                      </p:cBhvr>
+                                      <p:to>
+                                        <p:strVal val="visible"/>
+                                      </p:to>
+                                    </p:set>
+                                    <p:anim calcmode="lin" valueType="num">
+                                      <p:cBhvr additive="base">
+                                        <p:cTn id="113" dur="500" fill="hold"/>
+                                        <p:tgtEl>
+                                          <p:spTgt spid="46"/>
+                                        </p:tgtEl>
+                                        <p:attrNameLst>
+                                          <p:attrName>ppt_x</p:attrName>
+                                        </p:attrNameLst>
+                                      </p:cBhvr>
+                                      <p:tavLst>
+                                        <p:tav tm="0">
+                                          <p:val>
+                                            <p:strVal val="#ppt_x"/>
+                                          </p:val>
+                                        </p:tav>
+                                        <p:tav tm="100000">
+                                          <p:val>
+                                            <p:strVal val="#ppt_x"/>
+                                          </p:val>
+                                        </p:tav>
+                                      </p:tavLst>
+                                    </p:anim>
+                                    <p:anim calcmode="lin" valueType="num">
+                                      <p:cBhvr additive="base">
+                                        <p:cTn id="114" dur="500" fill="hold"/>
+                                        <p:tgtEl>
+                                          <p:spTgt spid="46"/>
+                                        </p:tgtEl>
+                                        <p:attrNameLst>
+                                          <p:attrName>ppt_y</p:attrName>
+                                        </p:attrNameLst>
+                                      </p:cBhvr>
+                                      <p:tavLst>
+                                        <p:tav tm="0">
+                                          <p:val>
+                                            <p:strVal val="1+#ppt_h/2"/>
+                                          </p:val>
+                                        </p:tav>
+                                        <p:tav tm="100000">
+                                          <p:val>
+                                            <p:strVal val="#ppt_y"/>
+                                          </p:val>
+                                        </p:tav>
+                                      </p:tavLst>
+                                    </p:anim>
+                                  </p:childTnLst>
+                                </p:cTn>
+                              </p:par>
+                            </p:childTnLst>
+                          </p:cTn>
+                        </p:par>
+                      </p:childTnLst>
+                    </p:cTn>
+                  </p:par>
+                  <p:par>
+                    <p:cTn id="115" fill="hold">
+                      <p:stCondLst>
+                        <p:cond delay="indefinite"/>
+                      </p:stCondLst>
+                      <p:childTnLst>
+                        <p:par>
+                          <p:cTn id="116" fill="hold">
+                            <p:stCondLst>
+                              <p:cond delay="0"/>
+                            </p:stCondLst>
+                            <p:childTnLst>
+                              <p:par>
+                                <p:cTn id="117" presetID="42" presetClass="path" presetSubtype="0" accel="50000" decel="50000" fill="hold" grpId="0" nodeType="clickEffect">
                                   <p:stCondLst>
                                     <p:cond delay="0"/>
                                   </p:stCondLst>
                                   <p:childTnLst>
                                     <p:animMotion origin="layout" path="M 1.04167E-6 -1.85185E-6 L -0.25495 -1.85185E-6 " pathEditMode="relative" rAng="0" ptsTypes="AA">
                                       <p:cBhvr>
-                                        <p:cTn id="100" dur="2000" fill="hold"/>
+                                        <p:cTn id="118" dur="2000" fill="hold"/>
                                         <p:tgtEl>
                                           <p:spTgt spid="50"/>
                                         </p:tgtEl>
@@ -16400,14 +16690,14 @@
                                 </p:cTn>
                               </p:par>
                               <p:par>
-                                <p:cTn id="101" presetID="42" presetClass="path" presetSubtype="0" accel="50000" decel="50000" fill="hold" nodeType="withEffect">
+                                <p:cTn id="119" presetID="42" presetClass="path" presetSubtype="0" accel="50000" decel="50000" fill="hold" nodeType="withEffect">
                                   <p:stCondLst>
                                     <p:cond delay="0"/>
                                   </p:stCondLst>
                                   <p:childTnLst>
                                     <p:animMotion origin="layout" path="M 8.33333E-7 -3.33333E-6 L -0.25508 -3.33333E-6 " pathEditMode="relative" rAng="0" ptsTypes="AA">
                                       <p:cBhvr>
-                                        <p:cTn id="102" dur="2000" fill="hold"/>
+                                        <p:cTn id="120" dur="2000" fill="hold"/>
                                         <p:tgtEl>
                                           <p:spTgt spid="51"/>
                                         </p:tgtEl>
@@ -16428,26 +16718,26 @@
                     </p:cTn>
                   </p:par>
                   <p:par>
-                    <p:cTn id="103" fill="hold">
+                    <p:cTn id="121" fill="hold">
                       <p:stCondLst>
                         <p:cond delay="indefinite"/>
                       </p:stCondLst>
                       <p:childTnLst>
                         <p:par>
-                          <p:cTn id="104" fill="hold">
+                          <p:cTn id="122" fill="hold">
                             <p:stCondLst>
                               <p:cond delay="0"/>
                             </p:stCondLst>
                             <p:childTnLst>
                               <p:par>
-                                <p:cTn id="105" presetID="9" presetClass="emph" presetSubtype="0" nodeType="clickEffect">
+                                <p:cTn id="123" presetID="9" presetClass="emph" presetSubtype="0" nodeType="clickEffect">
                                   <p:stCondLst>
                                     <p:cond delay="0"/>
                                   </p:stCondLst>
                                   <p:childTnLst>
                                     <p:set>
                                       <p:cBhvr>
-                                        <p:cTn id="106" dur="indefinite"/>
+                                        <p:cTn id="124" dur="indefinite"/>
                                         <p:tgtEl>
                                           <p:spTgt spid="48"/>
                                         </p:tgtEl>
@@ -16461,7 +16751,7 @@
                                     </p:set>
                                     <p:animEffect filter="image" prLst="opacity: 0.5">
                                       <p:cBhvr rctx="IE">
-                                        <p:cTn id="107" dur="indefinite"/>
+                                        <p:cTn id="125" dur="indefinite"/>
                                         <p:tgtEl>
                                           <p:spTgt spid="48"/>
                                         </p:tgtEl>
@@ -16471,14 +16761,14 @@
                                 </p:cTn>
                               </p:par>
                               <p:par>
-                                <p:cTn id="108" presetID="9" presetClass="emph" presetSubtype="0" grpId="1" nodeType="withEffect">
+                                <p:cTn id="126" presetID="9" presetClass="emph" presetSubtype="0" grpId="1" nodeType="withEffect">
                                   <p:stCondLst>
                                     <p:cond delay="0"/>
                                   </p:stCondLst>
                                   <p:childTnLst>
                                     <p:set>
                                       <p:cBhvr>
-                                        <p:cTn id="109" dur="indefinite"/>
+                                        <p:cTn id="127" dur="indefinite"/>
                                         <p:tgtEl>
                                           <p:spTgt spid="45"/>
                                         </p:tgtEl>
@@ -16492,7 +16782,7 @@
                                     </p:set>
                                     <p:animEffect filter="image" prLst="opacity: 0.5">
                                       <p:cBhvr rctx="IE">
-                                        <p:cTn id="110" dur="indefinite"/>
+                                        <p:cTn id="128" dur="indefinite"/>
                                         <p:tgtEl>
                                           <p:spTgt spid="45"/>
                                         </p:tgtEl>
@@ -16502,14 +16792,14 @@
                                 </p:cTn>
                               </p:par>
                               <p:par>
-                                <p:cTn id="111" presetID="9" presetClass="emph" presetSubtype="0" nodeType="withEffect">
+                                <p:cTn id="129" presetID="9" presetClass="emph" presetSubtype="0" nodeType="withEffect">
                                   <p:stCondLst>
                                     <p:cond delay="0"/>
                                   </p:stCondLst>
                                   <p:childTnLst>
                                     <p:set>
                                       <p:cBhvr>
-                                        <p:cTn id="112" dur="indefinite"/>
+                                        <p:cTn id="130" dur="indefinite"/>
                                         <p:tgtEl>
                                           <p:spTgt spid="49"/>
                                         </p:tgtEl>
@@ -16523,7 +16813,7 @@
                                     </p:set>
                                     <p:animEffect filter="image" prLst="opacity: 0.5">
                                       <p:cBhvr rctx="IE">
-                                        <p:cTn id="113" dur="indefinite"/>
+                                        <p:cTn id="131" dur="indefinite"/>
                                         <p:tgtEl>
                                           <p:spTgt spid="49"/>
                                         </p:tgtEl>
@@ -16533,14 +16823,14 @@
                                 </p:cTn>
                               </p:par>
                               <p:par>
-                                <p:cTn id="114" presetID="9" presetClass="emph" presetSubtype="0" grpId="1" nodeType="withEffect">
+                                <p:cTn id="132" presetID="9" presetClass="emph" presetSubtype="0" grpId="1" nodeType="withEffect">
                                   <p:stCondLst>
                                     <p:cond delay="0"/>
                                   </p:stCondLst>
                                   <p:childTnLst>
                                     <p:set>
                                       <p:cBhvr>
-                                        <p:cTn id="115" dur="indefinite"/>
+                                        <p:cTn id="133" dur="indefinite"/>
                                         <p:tgtEl>
                                           <p:spTgt spid="46"/>
                                         </p:tgtEl>
@@ -16554,7 +16844,7 @@
                                     </p:set>
                                     <p:animEffect filter="image" prLst="opacity: 0.5">
                                       <p:cBhvr rctx="IE">
-                                        <p:cTn id="116" dur="indefinite"/>
+                                        <p:cTn id="134" dur="indefinite"/>
                                         <p:tgtEl>
                                           <p:spTgt spid="46"/>
                                         </p:tgtEl>
@@ -16570,26 +16860,26 @@
                     </p:cTn>
                   </p:par>
                   <p:par>
-                    <p:cTn id="117" fill="hold">
+                    <p:cTn id="135" fill="hold">
                       <p:stCondLst>
                         <p:cond delay="indefinite"/>
                       </p:stCondLst>
                       <p:childTnLst>
                         <p:par>
-                          <p:cTn id="118" fill="hold">
+                          <p:cTn id="136" fill="hold">
                             <p:stCondLst>
                               <p:cond delay="0"/>
                             </p:stCondLst>
                             <p:childTnLst>
                               <p:par>
-                                <p:cTn id="119" presetID="2" presetClass="entr" presetSubtype="4" fill="hold" nodeType="clickEffect">
+                                <p:cTn id="137" presetID="2" presetClass="entr" presetSubtype="4" fill="hold" nodeType="clickEffect">
                                   <p:stCondLst>
                                     <p:cond delay="0"/>
                                   </p:stCondLst>
                                   <p:childTnLst>
                                     <p:set>
                                       <p:cBhvr>
-                                        <p:cTn id="120" dur="1" fill="hold">
+                                        <p:cTn id="138" dur="1" fill="hold">
                                           <p:stCondLst>
                                             <p:cond delay="0"/>
                                           </p:stCondLst>
@@ -16597,7 +16887,7 @@
                                         <p:tgtEl>
                                           <p:spTgt spid="6">
                                             <p:txEl>
-                                              <p:pRg st="4" end="4"/>
+                                              <p:pRg st="5" end="5"/>
                                             </p:txEl>
                                           </p:spTgt>
                                         </p:tgtEl>
@@ -16611,11 +16901,11 @@
                                     </p:set>
                                     <p:anim calcmode="lin" valueType="num">
                                       <p:cBhvr additive="base">
-                                        <p:cTn id="121" dur="500" fill="hold"/>
+                                        <p:cTn id="139" dur="500" fill="hold"/>
                                         <p:tgtEl>
                                           <p:spTgt spid="6">
                                             <p:txEl>
-                                              <p:pRg st="4" end="4"/>
+                                              <p:pRg st="5" end="5"/>
                                             </p:txEl>
                                           </p:spTgt>
                                         </p:tgtEl>
@@ -16638,11 +16928,11 @@
                                     </p:anim>
                                     <p:anim calcmode="lin" valueType="num">
                                       <p:cBhvr additive="base">
-                                        <p:cTn id="122" dur="500" fill="hold"/>
+                                        <p:cTn id="140" dur="500" fill="hold"/>
                                         <p:tgtEl>
                                           <p:spTgt spid="6">
                                             <p:txEl>
-                                              <p:pRg st="4" end="4"/>
+                                              <p:pRg st="5" end="5"/>
                                             </p:txEl>
                                           </p:spTgt>
                                         </p:tgtEl>
@@ -16673,32 +16963,36 @@
                     </p:cTn>
                   </p:par>
                   <p:par>
-                    <p:cTn id="123" fill="hold">
+                    <p:cTn id="141" fill="hold">
                       <p:stCondLst>
                         <p:cond delay="indefinite"/>
                       </p:stCondLst>
                       <p:childTnLst>
                         <p:par>
-                          <p:cTn id="124" fill="hold">
+                          <p:cTn id="142" fill="hold">
                             <p:stCondLst>
                               <p:cond delay="0"/>
                             </p:stCondLst>
                             <p:childTnLst>
                               <p:par>
-                                <p:cTn id="125" presetID="2" presetClass="entr" presetSubtype="4" fill="hold" grpId="1" nodeType="clickEffect">
+                                <p:cTn id="143" presetID="2" presetClass="entr" presetSubtype="4" fill="hold" nodeType="clickEffect">
                                   <p:stCondLst>
                                     <p:cond delay="0"/>
                                   </p:stCondLst>
                                   <p:childTnLst>
                                     <p:set>
                                       <p:cBhvr>
-                                        <p:cTn id="126" dur="1" fill="hold">
+                                        <p:cTn id="144" dur="1" fill="hold">
                                           <p:stCondLst>
                                             <p:cond delay="0"/>
                                           </p:stCondLst>
                                         </p:cTn>
                                         <p:tgtEl>
-                                          <p:spTgt spid="57"/>
+                                          <p:spTgt spid="6">
+                                            <p:txEl>
+                                              <p:pRg st="6" end="6"/>
+                                            </p:txEl>
+                                          </p:spTgt>
                                         </p:tgtEl>
                                         <p:attrNameLst>
                                           <p:attrName>style.visibility</p:attrName>
@@ -16710,9 +17004,13 @@
                                     </p:set>
                                     <p:anim calcmode="lin" valueType="num">
                                       <p:cBhvr additive="base">
-                                        <p:cTn id="127" dur="500" fill="hold"/>
-                                        <p:tgtEl>
-                                          <p:spTgt spid="57"/>
+                                        <p:cTn id="145" dur="500" fill="hold"/>
+                                        <p:tgtEl>
+                                          <p:spTgt spid="6">
+                                            <p:txEl>
+                                              <p:pRg st="6" end="6"/>
+                                            </p:txEl>
+                                          </p:spTgt>
                                         </p:tgtEl>
                                         <p:attrNameLst>
                                           <p:attrName>ppt_x</p:attrName>
@@ -16733,447 +17031,13 @@
                                     </p:anim>
                                     <p:anim calcmode="lin" valueType="num">
                                       <p:cBhvr additive="base">
-                                        <p:cTn id="128" dur="500" fill="hold"/>
-                                        <p:tgtEl>
-                                          <p:spTgt spid="57"/>
-                                        </p:tgtEl>
-                                        <p:attrNameLst>
-                                          <p:attrName>ppt_y</p:attrName>
-                                        </p:attrNameLst>
-                                      </p:cBhvr>
-                                      <p:tavLst>
-                                        <p:tav tm="0">
-                                          <p:val>
-                                            <p:strVal val="1+#ppt_h/2"/>
-                                          </p:val>
-                                        </p:tav>
-                                        <p:tav tm="100000">
-                                          <p:val>
-                                            <p:strVal val="#ppt_y"/>
-                                          </p:val>
-                                        </p:tav>
-                                      </p:tavLst>
-                                    </p:anim>
-                                  </p:childTnLst>
-                                </p:cTn>
-                              </p:par>
-                              <p:par>
-                                <p:cTn id="129" presetID="2" presetClass="entr" presetSubtype="4" fill="hold" grpId="0" nodeType="withEffect">
-                                  <p:stCondLst>
-                                    <p:cond delay="0"/>
-                                  </p:stCondLst>
-                                  <p:childTnLst>
-                                    <p:set>
-                                      <p:cBhvr>
-                                        <p:cTn id="130" dur="1" fill="hold">
-                                          <p:stCondLst>
-                                            <p:cond delay="0"/>
-                                          </p:stCondLst>
-                                        </p:cTn>
-                                        <p:tgtEl>
-                                          <p:spTgt spid="52"/>
-                                        </p:tgtEl>
-                                        <p:attrNameLst>
-                                          <p:attrName>style.visibility</p:attrName>
-                                        </p:attrNameLst>
-                                      </p:cBhvr>
-                                      <p:to>
-                                        <p:strVal val="visible"/>
-                                      </p:to>
-                                    </p:set>
-                                    <p:anim calcmode="lin" valueType="num">
-                                      <p:cBhvr additive="base">
-                                        <p:cTn id="131" dur="500" fill="hold"/>
-                                        <p:tgtEl>
-                                          <p:spTgt spid="52"/>
-                                        </p:tgtEl>
-                                        <p:attrNameLst>
-                                          <p:attrName>ppt_x</p:attrName>
-                                        </p:attrNameLst>
-                                      </p:cBhvr>
-                                      <p:tavLst>
-                                        <p:tav tm="0">
-                                          <p:val>
-                                            <p:strVal val="#ppt_x"/>
-                                          </p:val>
-                                        </p:tav>
-                                        <p:tav tm="100000">
-                                          <p:val>
-                                            <p:strVal val="#ppt_x"/>
-                                          </p:val>
-                                        </p:tav>
-                                      </p:tavLst>
-                                    </p:anim>
-                                    <p:anim calcmode="lin" valueType="num">
-                                      <p:cBhvr additive="base">
-                                        <p:cTn id="132" dur="500" fill="hold"/>
-                                        <p:tgtEl>
-                                          <p:spTgt spid="52"/>
-                                        </p:tgtEl>
-                                        <p:attrNameLst>
-                                          <p:attrName>ppt_y</p:attrName>
-                                        </p:attrNameLst>
-                                      </p:cBhvr>
-                                      <p:tavLst>
-                                        <p:tav tm="0">
-                                          <p:val>
-                                            <p:strVal val="1+#ppt_h/2"/>
-                                          </p:val>
-                                        </p:tav>
-                                        <p:tav tm="100000">
-                                          <p:val>
-                                            <p:strVal val="#ppt_y"/>
-                                          </p:val>
-                                        </p:tav>
-                                      </p:tavLst>
-                                    </p:anim>
-                                  </p:childTnLst>
-                                </p:cTn>
-                              </p:par>
-                              <p:par>
-                                <p:cTn id="133" presetID="2" presetClass="entr" presetSubtype="4" fill="hold" nodeType="withEffect">
-                                  <p:stCondLst>
-                                    <p:cond delay="0"/>
-                                  </p:stCondLst>
-                                  <p:childTnLst>
-                                    <p:set>
-                                      <p:cBhvr>
-                                        <p:cTn id="134" dur="1" fill="hold">
-                                          <p:stCondLst>
-                                            <p:cond delay="0"/>
-                                          </p:stCondLst>
-                                        </p:cTn>
-                                        <p:tgtEl>
-                                          <p:spTgt spid="55"/>
-                                        </p:tgtEl>
-                                        <p:attrNameLst>
-                                          <p:attrName>style.visibility</p:attrName>
-                                        </p:attrNameLst>
-                                      </p:cBhvr>
-                                      <p:to>
-                                        <p:strVal val="visible"/>
-                                      </p:to>
-                                    </p:set>
-                                    <p:anim calcmode="lin" valueType="num">
-                                      <p:cBhvr additive="base">
-                                        <p:cTn id="135" dur="500" fill="hold"/>
-                                        <p:tgtEl>
-                                          <p:spTgt spid="55"/>
-                                        </p:tgtEl>
-                                        <p:attrNameLst>
-                                          <p:attrName>ppt_x</p:attrName>
-                                        </p:attrNameLst>
-                                      </p:cBhvr>
-                                      <p:tavLst>
-                                        <p:tav tm="0">
-                                          <p:val>
-                                            <p:strVal val="#ppt_x"/>
-                                          </p:val>
-                                        </p:tav>
-                                        <p:tav tm="100000">
-                                          <p:val>
-                                            <p:strVal val="#ppt_x"/>
-                                          </p:val>
-                                        </p:tav>
-                                      </p:tavLst>
-                                    </p:anim>
-                                    <p:anim calcmode="lin" valueType="num">
-                                      <p:cBhvr additive="base">
-                                        <p:cTn id="136" dur="500" fill="hold"/>
-                                        <p:tgtEl>
-                                          <p:spTgt spid="55"/>
-                                        </p:tgtEl>
-                                        <p:attrNameLst>
-                                          <p:attrName>ppt_y</p:attrName>
-                                        </p:attrNameLst>
-                                      </p:cBhvr>
-                                      <p:tavLst>
-                                        <p:tav tm="0">
-                                          <p:val>
-                                            <p:strVal val="1+#ppt_h/2"/>
-                                          </p:val>
-                                        </p:tav>
-                                        <p:tav tm="100000">
-                                          <p:val>
-                                            <p:strVal val="#ppt_y"/>
-                                          </p:val>
-                                        </p:tav>
-                                      </p:tavLst>
-                                    </p:anim>
-                                  </p:childTnLst>
-                                </p:cTn>
-                              </p:par>
-                              <p:par>
-                                <p:cTn id="137" presetID="2" presetClass="entr" presetSubtype="4" fill="hold" grpId="0" nodeType="withEffect">
-                                  <p:stCondLst>
-                                    <p:cond delay="0"/>
-                                  </p:stCondLst>
-                                  <p:childTnLst>
-                                    <p:set>
-                                      <p:cBhvr>
-                                        <p:cTn id="138" dur="1" fill="hold">
-                                          <p:stCondLst>
-                                            <p:cond delay="0"/>
-                                          </p:stCondLst>
-                                        </p:cTn>
-                                        <p:tgtEl>
-                                          <p:spTgt spid="53"/>
-                                        </p:tgtEl>
-                                        <p:attrNameLst>
-                                          <p:attrName>style.visibility</p:attrName>
-                                        </p:attrNameLst>
-                                      </p:cBhvr>
-                                      <p:to>
-                                        <p:strVal val="visible"/>
-                                      </p:to>
-                                    </p:set>
-                                    <p:anim calcmode="lin" valueType="num">
-                                      <p:cBhvr additive="base">
-                                        <p:cTn id="139" dur="500" fill="hold"/>
-                                        <p:tgtEl>
-                                          <p:spTgt spid="53"/>
-                                        </p:tgtEl>
-                                        <p:attrNameLst>
-                                          <p:attrName>ppt_x</p:attrName>
-                                        </p:attrNameLst>
-                                      </p:cBhvr>
-                                      <p:tavLst>
-                                        <p:tav tm="0">
-                                          <p:val>
-                                            <p:strVal val="#ppt_x"/>
-                                          </p:val>
-                                        </p:tav>
-                                        <p:tav tm="100000">
-                                          <p:val>
-                                            <p:strVal val="#ppt_x"/>
-                                          </p:val>
-                                        </p:tav>
-                                      </p:tavLst>
-                                    </p:anim>
-                                    <p:anim calcmode="lin" valueType="num">
-                                      <p:cBhvr additive="base">
-                                        <p:cTn id="140" dur="500" fill="hold"/>
-                                        <p:tgtEl>
-                                          <p:spTgt spid="53"/>
-                                        </p:tgtEl>
-                                        <p:attrNameLst>
-                                          <p:attrName>ppt_y</p:attrName>
-                                        </p:attrNameLst>
-                                      </p:cBhvr>
-                                      <p:tavLst>
-                                        <p:tav tm="0">
-                                          <p:val>
-                                            <p:strVal val="1+#ppt_h/2"/>
-                                          </p:val>
-                                        </p:tav>
-                                        <p:tav tm="100000">
-                                          <p:val>
-                                            <p:strVal val="#ppt_y"/>
-                                          </p:val>
-                                        </p:tav>
-                                      </p:tavLst>
-                                    </p:anim>
-                                  </p:childTnLst>
-                                </p:cTn>
-                              </p:par>
-                              <p:par>
-                                <p:cTn id="141" presetID="2" presetClass="entr" presetSubtype="4" fill="hold" nodeType="withEffect">
-                                  <p:stCondLst>
-                                    <p:cond delay="0"/>
-                                  </p:stCondLst>
-                                  <p:childTnLst>
-                                    <p:set>
-                                      <p:cBhvr>
-                                        <p:cTn id="142" dur="1" fill="hold">
-                                          <p:stCondLst>
-                                            <p:cond delay="0"/>
-                                          </p:stCondLst>
-                                        </p:cTn>
-                                        <p:tgtEl>
-                                          <p:spTgt spid="56"/>
-                                        </p:tgtEl>
-                                        <p:attrNameLst>
-                                          <p:attrName>style.visibility</p:attrName>
-                                        </p:attrNameLst>
-                                      </p:cBhvr>
-                                      <p:to>
-                                        <p:strVal val="visible"/>
-                                      </p:to>
-                                    </p:set>
-                                    <p:anim calcmode="lin" valueType="num">
-                                      <p:cBhvr additive="base">
-                                        <p:cTn id="143" dur="500" fill="hold"/>
-                                        <p:tgtEl>
-                                          <p:spTgt spid="56"/>
-                                        </p:tgtEl>
-                                        <p:attrNameLst>
-                                          <p:attrName>ppt_x</p:attrName>
-                                        </p:attrNameLst>
-                                      </p:cBhvr>
-                                      <p:tavLst>
-                                        <p:tav tm="0">
-                                          <p:val>
-                                            <p:strVal val="#ppt_x"/>
-                                          </p:val>
-                                        </p:tav>
-                                        <p:tav tm="100000">
-                                          <p:val>
-                                            <p:strVal val="#ppt_x"/>
-                                          </p:val>
-                                        </p:tav>
-                                      </p:tavLst>
-                                    </p:anim>
-                                    <p:anim calcmode="lin" valueType="num">
-                                      <p:cBhvr additive="base">
-                                        <p:cTn id="144" dur="500" fill="hold"/>
-                                        <p:tgtEl>
-                                          <p:spTgt spid="56"/>
-                                        </p:tgtEl>
-                                        <p:attrNameLst>
-                                          <p:attrName>ppt_y</p:attrName>
-                                        </p:attrNameLst>
-                                      </p:cBhvr>
-                                      <p:tavLst>
-                                        <p:tav tm="0">
-                                          <p:val>
-                                            <p:strVal val="1+#ppt_h/2"/>
-                                          </p:val>
-                                        </p:tav>
-                                        <p:tav tm="100000">
-                                          <p:val>
-                                            <p:strVal val="#ppt_y"/>
-                                          </p:val>
-                                        </p:tav>
-                                      </p:tavLst>
-                                    </p:anim>
-                                  </p:childTnLst>
-                                </p:cTn>
-                              </p:par>
-                              <p:par>
-                                <p:cTn id="145" presetID="2" presetClass="entr" presetSubtype="4" fill="hold" grpId="0" nodeType="withEffect">
-                                  <p:stCondLst>
-                                    <p:cond delay="0"/>
-                                  </p:stCondLst>
-                                  <p:childTnLst>
-                                    <p:set>
-                                      <p:cBhvr>
-                                        <p:cTn id="146" dur="1" fill="hold">
-                                          <p:stCondLst>
-                                            <p:cond delay="0"/>
-                                          </p:stCondLst>
-                                        </p:cTn>
-                                        <p:tgtEl>
-                                          <p:spTgt spid="54"/>
-                                        </p:tgtEl>
-                                        <p:attrNameLst>
-                                          <p:attrName>style.visibility</p:attrName>
-                                        </p:attrNameLst>
-                                      </p:cBhvr>
-                                      <p:to>
-                                        <p:strVal val="visible"/>
-                                      </p:to>
-                                    </p:set>
-                                    <p:anim calcmode="lin" valueType="num">
-                                      <p:cBhvr additive="base">
-                                        <p:cTn id="147" dur="500" fill="hold"/>
-                                        <p:tgtEl>
-                                          <p:spTgt spid="54"/>
-                                        </p:tgtEl>
-                                        <p:attrNameLst>
-                                          <p:attrName>ppt_x</p:attrName>
-                                        </p:attrNameLst>
-                                      </p:cBhvr>
-                                      <p:tavLst>
-                                        <p:tav tm="0">
-                                          <p:val>
-                                            <p:strVal val="#ppt_x"/>
-                                          </p:val>
-                                        </p:tav>
-                                        <p:tav tm="100000">
-                                          <p:val>
-                                            <p:strVal val="#ppt_x"/>
-                                          </p:val>
-                                        </p:tav>
-                                      </p:tavLst>
-                                    </p:anim>
-                                    <p:anim calcmode="lin" valueType="num">
-                                      <p:cBhvr additive="base">
-                                        <p:cTn id="148" dur="500" fill="hold"/>
-                                        <p:tgtEl>
-                                          <p:spTgt spid="54"/>
-                                        </p:tgtEl>
-                                        <p:attrNameLst>
-                                          <p:attrName>ppt_y</p:attrName>
-                                        </p:attrNameLst>
-                                      </p:cBhvr>
-                                      <p:tavLst>
-                                        <p:tav tm="0">
-                                          <p:val>
-                                            <p:strVal val="1+#ppt_h/2"/>
-                                          </p:val>
-                                        </p:tav>
-                                        <p:tav tm="100000">
-                                          <p:val>
-                                            <p:strVal val="#ppt_y"/>
-                                          </p:val>
-                                        </p:tav>
-                                      </p:tavLst>
-                                    </p:anim>
-                                  </p:childTnLst>
-                                </p:cTn>
-                              </p:par>
-                              <p:par>
-                                <p:cTn id="149" presetID="2" presetClass="entr" presetSubtype="4" fill="hold" nodeType="withEffect">
-                                  <p:stCondLst>
-                                    <p:cond delay="0"/>
-                                  </p:stCondLst>
-                                  <p:childTnLst>
-                                    <p:set>
-                                      <p:cBhvr>
-                                        <p:cTn id="150" dur="1" fill="hold">
-                                          <p:stCondLst>
-                                            <p:cond delay="0"/>
-                                          </p:stCondLst>
-                                        </p:cTn>
-                                        <p:tgtEl>
-                                          <p:spTgt spid="67"/>
-                                        </p:tgtEl>
-                                        <p:attrNameLst>
-                                          <p:attrName>style.visibility</p:attrName>
-                                        </p:attrNameLst>
-                                      </p:cBhvr>
-                                      <p:to>
-                                        <p:strVal val="visible"/>
-                                      </p:to>
-                                    </p:set>
-                                    <p:anim calcmode="lin" valueType="num">
-                                      <p:cBhvr additive="base">
-                                        <p:cTn id="151" dur="500" fill="hold"/>
-                                        <p:tgtEl>
-                                          <p:spTgt spid="67"/>
-                                        </p:tgtEl>
-                                        <p:attrNameLst>
-                                          <p:attrName>ppt_x</p:attrName>
-                                        </p:attrNameLst>
-                                      </p:cBhvr>
-                                      <p:tavLst>
-                                        <p:tav tm="0">
-                                          <p:val>
-                                            <p:strVal val="#ppt_x"/>
-                                          </p:val>
-                                        </p:tav>
-                                        <p:tav tm="100000">
-                                          <p:val>
-                                            <p:strVal val="#ppt_x"/>
-                                          </p:val>
-                                        </p:tav>
-                                      </p:tavLst>
-                                    </p:anim>
-                                    <p:anim calcmode="lin" valueType="num">
-                                      <p:cBhvr additive="base">
-                                        <p:cTn id="152" dur="500" fill="hold"/>
-                                        <p:tgtEl>
-                                          <p:spTgt spid="67"/>
+                                        <p:cTn id="146" dur="500" fill="hold"/>
+                                        <p:tgtEl>
+                                          <p:spTgt spid="6">
+                                            <p:txEl>
+                                              <p:pRg st="6" end="6"/>
+                                            </p:txEl>
+                                          </p:spTgt>
                                         </p:tgtEl>
                                         <p:attrNameLst>
                                           <p:attrName>ppt_y</p:attrName>
@@ -17202,32 +17066,32 @@
                     </p:cTn>
                   </p:par>
                   <p:par>
-                    <p:cTn id="153" fill="hold">
+                    <p:cTn id="147" fill="hold">
                       <p:stCondLst>
                         <p:cond delay="indefinite"/>
                       </p:stCondLst>
                       <p:childTnLst>
                         <p:par>
-                          <p:cTn id="154" fill="hold">
+                          <p:cTn id="148" fill="hold">
                             <p:stCondLst>
                               <p:cond delay="0"/>
                             </p:stCondLst>
                             <p:childTnLst>
                               <p:par>
-                                <p:cTn id="155" presetID="2" presetClass="entr" presetSubtype="4" fill="hold" grpId="0" nodeType="clickEffect">
+                                <p:cTn id="149" presetID="2" presetClass="entr" presetSubtype="4" fill="hold" grpId="1" nodeType="clickEffect">
                                   <p:stCondLst>
                                     <p:cond delay="0"/>
                                   </p:stCondLst>
                                   <p:childTnLst>
                                     <p:set>
                                       <p:cBhvr>
-                                        <p:cTn id="156" dur="1" fill="hold">
+                                        <p:cTn id="150" dur="1" fill="hold">
                                           <p:stCondLst>
                                             <p:cond delay="0"/>
                                           </p:stCondLst>
                                         </p:cTn>
                                         <p:tgtEl>
-                                          <p:spTgt spid="58"/>
+                                          <p:spTgt spid="57"/>
                                         </p:tgtEl>
                                         <p:attrNameLst>
                                           <p:attrName>style.visibility</p:attrName>
@@ -17239,9 +17103,9 @@
                                     </p:set>
                                     <p:anim calcmode="lin" valueType="num">
                                       <p:cBhvr additive="base">
-                                        <p:cTn id="157" dur="500" fill="hold"/>
-                                        <p:tgtEl>
-                                          <p:spTgt spid="58"/>
+                                        <p:cTn id="151" dur="500" fill="hold"/>
+                                        <p:tgtEl>
+                                          <p:spTgt spid="57"/>
                                         </p:tgtEl>
                                         <p:attrNameLst>
                                           <p:attrName>ppt_x</p:attrName>
@@ -17262,9 +17126,9 @@
                                     </p:anim>
                                     <p:anim calcmode="lin" valueType="num">
                                       <p:cBhvr additive="base">
-                                        <p:cTn id="158" dur="500" fill="hold"/>
-                                        <p:tgtEl>
-                                          <p:spTgt spid="58"/>
+                                        <p:cTn id="152" dur="500" fill="hold"/>
+                                        <p:tgtEl>
+                                          <p:spTgt spid="57"/>
                                         </p:tgtEl>
                                         <p:attrNameLst>
                                           <p:attrName>ppt_y</p:attrName>
@@ -17287,20 +17151,20 @@
                                 </p:cTn>
                               </p:par>
                               <p:par>
-                                <p:cTn id="159" presetID="2" presetClass="entr" presetSubtype="4" fill="hold" nodeType="withEffect">
+                                <p:cTn id="153" presetID="2" presetClass="entr" presetSubtype="4" fill="hold" grpId="0" nodeType="withEffect">
                                   <p:stCondLst>
                                     <p:cond delay="0"/>
                                   </p:stCondLst>
                                   <p:childTnLst>
                                     <p:set>
                                       <p:cBhvr>
-                                        <p:cTn id="160" dur="1" fill="hold">
+                                        <p:cTn id="154" dur="1" fill="hold">
                                           <p:stCondLst>
                                             <p:cond delay="0"/>
                                           </p:stCondLst>
                                         </p:cTn>
                                         <p:tgtEl>
-                                          <p:spTgt spid="59"/>
+                                          <p:spTgt spid="52"/>
                                         </p:tgtEl>
                                         <p:attrNameLst>
                                           <p:attrName>style.visibility</p:attrName>
@@ -17312,9 +17176,9 @@
                                     </p:set>
                                     <p:anim calcmode="lin" valueType="num">
                                       <p:cBhvr additive="base">
-                                        <p:cTn id="161" dur="500" fill="hold"/>
-                                        <p:tgtEl>
-                                          <p:spTgt spid="59"/>
+                                        <p:cTn id="155" dur="500" fill="hold"/>
+                                        <p:tgtEl>
+                                          <p:spTgt spid="52"/>
                                         </p:tgtEl>
                                         <p:attrNameLst>
                                           <p:attrName>ppt_x</p:attrName>
@@ -17335,7 +17199,536 @@
                                     </p:anim>
                                     <p:anim calcmode="lin" valueType="num">
                                       <p:cBhvr additive="base">
-                                        <p:cTn id="162" dur="500" fill="hold"/>
+                                        <p:cTn id="156" dur="500" fill="hold"/>
+                                        <p:tgtEl>
+                                          <p:spTgt spid="52"/>
+                                        </p:tgtEl>
+                                        <p:attrNameLst>
+                                          <p:attrName>ppt_y</p:attrName>
+                                        </p:attrNameLst>
+                                      </p:cBhvr>
+                                      <p:tavLst>
+                                        <p:tav tm="0">
+                                          <p:val>
+                                            <p:strVal val="1+#ppt_h/2"/>
+                                          </p:val>
+                                        </p:tav>
+                                        <p:tav tm="100000">
+                                          <p:val>
+                                            <p:strVal val="#ppt_y"/>
+                                          </p:val>
+                                        </p:tav>
+                                      </p:tavLst>
+                                    </p:anim>
+                                  </p:childTnLst>
+                                </p:cTn>
+                              </p:par>
+                              <p:par>
+                                <p:cTn id="157" presetID="2" presetClass="entr" presetSubtype="4" fill="hold" nodeType="withEffect">
+                                  <p:stCondLst>
+                                    <p:cond delay="0"/>
+                                  </p:stCondLst>
+                                  <p:childTnLst>
+                                    <p:set>
+                                      <p:cBhvr>
+                                        <p:cTn id="158" dur="1" fill="hold">
+                                          <p:stCondLst>
+                                            <p:cond delay="0"/>
+                                          </p:stCondLst>
+                                        </p:cTn>
+                                        <p:tgtEl>
+                                          <p:spTgt spid="55"/>
+                                        </p:tgtEl>
+                                        <p:attrNameLst>
+                                          <p:attrName>style.visibility</p:attrName>
+                                        </p:attrNameLst>
+                                      </p:cBhvr>
+                                      <p:to>
+                                        <p:strVal val="visible"/>
+                                      </p:to>
+                                    </p:set>
+                                    <p:anim calcmode="lin" valueType="num">
+                                      <p:cBhvr additive="base">
+                                        <p:cTn id="159" dur="500" fill="hold"/>
+                                        <p:tgtEl>
+                                          <p:spTgt spid="55"/>
+                                        </p:tgtEl>
+                                        <p:attrNameLst>
+                                          <p:attrName>ppt_x</p:attrName>
+                                        </p:attrNameLst>
+                                      </p:cBhvr>
+                                      <p:tavLst>
+                                        <p:tav tm="0">
+                                          <p:val>
+                                            <p:strVal val="#ppt_x"/>
+                                          </p:val>
+                                        </p:tav>
+                                        <p:tav tm="100000">
+                                          <p:val>
+                                            <p:strVal val="#ppt_x"/>
+                                          </p:val>
+                                        </p:tav>
+                                      </p:tavLst>
+                                    </p:anim>
+                                    <p:anim calcmode="lin" valueType="num">
+                                      <p:cBhvr additive="base">
+                                        <p:cTn id="160" dur="500" fill="hold"/>
+                                        <p:tgtEl>
+                                          <p:spTgt spid="55"/>
+                                        </p:tgtEl>
+                                        <p:attrNameLst>
+                                          <p:attrName>ppt_y</p:attrName>
+                                        </p:attrNameLst>
+                                      </p:cBhvr>
+                                      <p:tavLst>
+                                        <p:tav tm="0">
+                                          <p:val>
+                                            <p:strVal val="1+#ppt_h/2"/>
+                                          </p:val>
+                                        </p:tav>
+                                        <p:tav tm="100000">
+                                          <p:val>
+                                            <p:strVal val="#ppt_y"/>
+                                          </p:val>
+                                        </p:tav>
+                                      </p:tavLst>
+                                    </p:anim>
+                                  </p:childTnLst>
+                                </p:cTn>
+                              </p:par>
+                              <p:par>
+                                <p:cTn id="161" presetID="2" presetClass="entr" presetSubtype="4" fill="hold" grpId="0" nodeType="withEffect">
+                                  <p:stCondLst>
+                                    <p:cond delay="0"/>
+                                  </p:stCondLst>
+                                  <p:childTnLst>
+                                    <p:set>
+                                      <p:cBhvr>
+                                        <p:cTn id="162" dur="1" fill="hold">
+                                          <p:stCondLst>
+                                            <p:cond delay="0"/>
+                                          </p:stCondLst>
+                                        </p:cTn>
+                                        <p:tgtEl>
+                                          <p:spTgt spid="53"/>
+                                        </p:tgtEl>
+                                        <p:attrNameLst>
+                                          <p:attrName>style.visibility</p:attrName>
+                                        </p:attrNameLst>
+                                      </p:cBhvr>
+                                      <p:to>
+                                        <p:strVal val="visible"/>
+                                      </p:to>
+                                    </p:set>
+                                    <p:anim calcmode="lin" valueType="num">
+                                      <p:cBhvr additive="base">
+                                        <p:cTn id="163" dur="500" fill="hold"/>
+                                        <p:tgtEl>
+                                          <p:spTgt spid="53"/>
+                                        </p:tgtEl>
+                                        <p:attrNameLst>
+                                          <p:attrName>ppt_x</p:attrName>
+                                        </p:attrNameLst>
+                                      </p:cBhvr>
+                                      <p:tavLst>
+                                        <p:tav tm="0">
+                                          <p:val>
+                                            <p:strVal val="#ppt_x"/>
+                                          </p:val>
+                                        </p:tav>
+                                        <p:tav tm="100000">
+                                          <p:val>
+                                            <p:strVal val="#ppt_x"/>
+                                          </p:val>
+                                        </p:tav>
+                                      </p:tavLst>
+                                    </p:anim>
+                                    <p:anim calcmode="lin" valueType="num">
+                                      <p:cBhvr additive="base">
+                                        <p:cTn id="164" dur="500" fill="hold"/>
+                                        <p:tgtEl>
+                                          <p:spTgt spid="53"/>
+                                        </p:tgtEl>
+                                        <p:attrNameLst>
+                                          <p:attrName>ppt_y</p:attrName>
+                                        </p:attrNameLst>
+                                      </p:cBhvr>
+                                      <p:tavLst>
+                                        <p:tav tm="0">
+                                          <p:val>
+                                            <p:strVal val="1+#ppt_h/2"/>
+                                          </p:val>
+                                        </p:tav>
+                                        <p:tav tm="100000">
+                                          <p:val>
+                                            <p:strVal val="#ppt_y"/>
+                                          </p:val>
+                                        </p:tav>
+                                      </p:tavLst>
+                                    </p:anim>
+                                  </p:childTnLst>
+                                </p:cTn>
+                              </p:par>
+                              <p:par>
+                                <p:cTn id="165" presetID="2" presetClass="entr" presetSubtype="4" fill="hold" nodeType="withEffect">
+                                  <p:stCondLst>
+                                    <p:cond delay="0"/>
+                                  </p:stCondLst>
+                                  <p:childTnLst>
+                                    <p:set>
+                                      <p:cBhvr>
+                                        <p:cTn id="166" dur="1" fill="hold">
+                                          <p:stCondLst>
+                                            <p:cond delay="0"/>
+                                          </p:stCondLst>
+                                        </p:cTn>
+                                        <p:tgtEl>
+                                          <p:spTgt spid="56"/>
+                                        </p:tgtEl>
+                                        <p:attrNameLst>
+                                          <p:attrName>style.visibility</p:attrName>
+                                        </p:attrNameLst>
+                                      </p:cBhvr>
+                                      <p:to>
+                                        <p:strVal val="visible"/>
+                                      </p:to>
+                                    </p:set>
+                                    <p:anim calcmode="lin" valueType="num">
+                                      <p:cBhvr additive="base">
+                                        <p:cTn id="167" dur="500" fill="hold"/>
+                                        <p:tgtEl>
+                                          <p:spTgt spid="56"/>
+                                        </p:tgtEl>
+                                        <p:attrNameLst>
+                                          <p:attrName>ppt_x</p:attrName>
+                                        </p:attrNameLst>
+                                      </p:cBhvr>
+                                      <p:tavLst>
+                                        <p:tav tm="0">
+                                          <p:val>
+                                            <p:strVal val="#ppt_x"/>
+                                          </p:val>
+                                        </p:tav>
+                                        <p:tav tm="100000">
+                                          <p:val>
+                                            <p:strVal val="#ppt_x"/>
+                                          </p:val>
+                                        </p:tav>
+                                      </p:tavLst>
+                                    </p:anim>
+                                    <p:anim calcmode="lin" valueType="num">
+                                      <p:cBhvr additive="base">
+                                        <p:cTn id="168" dur="500" fill="hold"/>
+                                        <p:tgtEl>
+                                          <p:spTgt spid="56"/>
+                                        </p:tgtEl>
+                                        <p:attrNameLst>
+                                          <p:attrName>ppt_y</p:attrName>
+                                        </p:attrNameLst>
+                                      </p:cBhvr>
+                                      <p:tavLst>
+                                        <p:tav tm="0">
+                                          <p:val>
+                                            <p:strVal val="1+#ppt_h/2"/>
+                                          </p:val>
+                                        </p:tav>
+                                        <p:tav tm="100000">
+                                          <p:val>
+                                            <p:strVal val="#ppt_y"/>
+                                          </p:val>
+                                        </p:tav>
+                                      </p:tavLst>
+                                    </p:anim>
+                                  </p:childTnLst>
+                                </p:cTn>
+                              </p:par>
+                              <p:par>
+                                <p:cTn id="169" presetID="2" presetClass="entr" presetSubtype="4" fill="hold" grpId="0" nodeType="withEffect">
+                                  <p:stCondLst>
+                                    <p:cond delay="0"/>
+                                  </p:stCondLst>
+                                  <p:childTnLst>
+                                    <p:set>
+                                      <p:cBhvr>
+                                        <p:cTn id="170" dur="1" fill="hold">
+                                          <p:stCondLst>
+                                            <p:cond delay="0"/>
+                                          </p:stCondLst>
+                                        </p:cTn>
+                                        <p:tgtEl>
+                                          <p:spTgt spid="54"/>
+                                        </p:tgtEl>
+                                        <p:attrNameLst>
+                                          <p:attrName>style.visibility</p:attrName>
+                                        </p:attrNameLst>
+                                      </p:cBhvr>
+                                      <p:to>
+                                        <p:strVal val="visible"/>
+                                      </p:to>
+                                    </p:set>
+                                    <p:anim calcmode="lin" valueType="num">
+                                      <p:cBhvr additive="base">
+                                        <p:cTn id="171" dur="500" fill="hold"/>
+                                        <p:tgtEl>
+                                          <p:spTgt spid="54"/>
+                                        </p:tgtEl>
+                                        <p:attrNameLst>
+                                          <p:attrName>ppt_x</p:attrName>
+                                        </p:attrNameLst>
+                                      </p:cBhvr>
+                                      <p:tavLst>
+                                        <p:tav tm="0">
+                                          <p:val>
+                                            <p:strVal val="#ppt_x"/>
+                                          </p:val>
+                                        </p:tav>
+                                        <p:tav tm="100000">
+                                          <p:val>
+                                            <p:strVal val="#ppt_x"/>
+                                          </p:val>
+                                        </p:tav>
+                                      </p:tavLst>
+                                    </p:anim>
+                                    <p:anim calcmode="lin" valueType="num">
+                                      <p:cBhvr additive="base">
+                                        <p:cTn id="172" dur="500" fill="hold"/>
+                                        <p:tgtEl>
+                                          <p:spTgt spid="54"/>
+                                        </p:tgtEl>
+                                        <p:attrNameLst>
+                                          <p:attrName>ppt_y</p:attrName>
+                                        </p:attrNameLst>
+                                      </p:cBhvr>
+                                      <p:tavLst>
+                                        <p:tav tm="0">
+                                          <p:val>
+                                            <p:strVal val="1+#ppt_h/2"/>
+                                          </p:val>
+                                        </p:tav>
+                                        <p:tav tm="100000">
+                                          <p:val>
+                                            <p:strVal val="#ppt_y"/>
+                                          </p:val>
+                                        </p:tav>
+                                      </p:tavLst>
+                                    </p:anim>
+                                  </p:childTnLst>
+                                </p:cTn>
+                              </p:par>
+                              <p:par>
+                                <p:cTn id="173" presetID="2" presetClass="entr" presetSubtype="4" fill="hold" nodeType="withEffect">
+                                  <p:stCondLst>
+                                    <p:cond delay="0"/>
+                                  </p:stCondLst>
+                                  <p:childTnLst>
+                                    <p:set>
+                                      <p:cBhvr>
+                                        <p:cTn id="174" dur="1" fill="hold">
+                                          <p:stCondLst>
+                                            <p:cond delay="0"/>
+                                          </p:stCondLst>
+                                        </p:cTn>
+                                        <p:tgtEl>
+                                          <p:spTgt spid="67"/>
+                                        </p:tgtEl>
+                                        <p:attrNameLst>
+                                          <p:attrName>style.visibility</p:attrName>
+                                        </p:attrNameLst>
+                                      </p:cBhvr>
+                                      <p:to>
+                                        <p:strVal val="visible"/>
+                                      </p:to>
+                                    </p:set>
+                                    <p:anim calcmode="lin" valueType="num">
+                                      <p:cBhvr additive="base">
+                                        <p:cTn id="175" dur="500" fill="hold"/>
+                                        <p:tgtEl>
+                                          <p:spTgt spid="67"/>
+                                        </p:tgtEl>
+                                        <p:attrNameLst>
+                                          <p:attrName>ppt_x</p:attrName>
+                                        </p:attrNameLst>
+                                      </p:cBhvr>
+                                      <p:tavLst>
+                                        <p:tav tm="0">
+                                          <p:val>
+                                            <p:strVal val="#ppt_x"/>
+                                          </p:val>
+                                        </p:tav>
+                                        <p:tav tm="100000">
+                                          <p:val>
+                                            <p:strVal val="#ppt_x"/>
+                                          </p:val>
+                                        </p:tav>
+                                      </p:tavLst>
+                                    </p:anim>
+                                    <p:anim calcmode="lin" valueType="num">
+                                      <p:cBhvr additive="base">
+                                        <p:cTn id="176" dur="500" fill="hold"/>
+                                        <p:tgtEl>
+                                          <p:spTgt spid="67"/>
+                                        </p:tgtEl>
+                                        <p:attrNameLst>
+                                          <p:attrName>ppt_y</p:attrName>
+                                        </p:attrNameLst>
+                                      </p:cBhvr>
+                                      <p:tavLst>
+                                        <p:tav tm="0">
+                                          <p:val>
+                                            <p:strVal val="1+#ppt_h/2"/>
+                                          </p:val>
+                                        </p:tav>
+                                        <p:tav tm="100000">
+                                          <p:val>
+                                            <p:strVal val="#ppt_y"/>
+                                          </p:val>
+                                        </p:tav>
+                                      </p:tavLst>
+                                    </p:anim>
+                                  </p:childTnLst>
+                                </p:cTn>
+                              </p:par>
+                            </p:childTnLst>
+                          </p:cTn>
+                        </p:par>
+                      </p:childTnLst>
+                    </p:cTn>
+                  </p:par>
+                  <p:par>
+                    <p:cTn id="177" fill="hold">
+                      <p:stCondLst>
+                        <p:cond delay="indefinite"/>
+                      </p:stCondLst>
+                      <p:childTnLst>
+                        <p:par>
+                          <p:cTn id="178" fill="hold">
+                            <p:stCondLst>
+                              <p:cond delay="0"/>
+                            </p:stCondLst>
+                            <p:childTnLst>
+                              <p:par>
+                                <p:cTn id="179" presetID="2" presetClass="entr" presetSubtype="4" fill="hold" grpId="0" nodeType="clickEffect">
+                                  <p:stCondLst>
+                                    <p:cond delay="0"/>
+                                  </p:stCondLst>
+                                  <p:childTnLst>
+                                    <p:set>
+                                      <p:cBhvr>
+                                        <p:cTn id="180" dur="1" fill="hold">
+                                          <p:stCondLst>
+                                            <p:cond delay="0"/>
+                                          </p:stCondLst>
+                                        </p:cTn>
+                                        <p:tgtEl>
+                                          <p:spTgt spid="58"/>
+                                        </p:tgtEl>
+                                        <p:attrNameLst>
+                                          <p:attrName>style.visibility</p:attrName>
+                                        </p:attrNameLst>
+                                      </p:cBhvr>
+                                      <p:to>
+                                        <p:strVal val="visible"/>
+                                      </p:to>
+                                    </p:set>
+                                    <p:anim calcmode="lin" valueType="num">
+                                      <p:cBhvr additive="base">
+                                        <p:cTn id="181" dur="500" fill="hold"/>
+                                        <p:tgtEl>
+                                          <p:spTgt spid="58"/>
+                                        </p:tgtEl>
+                                        <p:attrNameLst>
+                                          <p:attrName>ppt_x</p:attrName>
+                                        </p:attrNameLst>
+                                      </p:cBhvr>
+                                      <p:tavLst>
+                                        <p:tav tm="0">
+                                          <p:val>
+                                            <p:strVal val="#ppt_x"/>
+                                          </p:val>
+                                        </p:tav>
+                                        <p:tav tm="100000">
+                                          <p:val>
+                                            <p:strVal val="#ppt_x"/>
+                                          </p:val>
+                                        </p:tav>
+                                      </p:tavLst>
+                                    </p:anim>
+                                    <p:anim calcmode="lin" valueType="num">
+                                      <p:cBhvr additive="base">
+                                        <p:cTn id="182" dur="500" fill="hold"/>
+                                        <p:tgtEl>
+                                          <p:spTgt spid="58"/>
+                                        </p:tgtEl>
+                                        <p:attrNameLst>
+                                          <p:attrName>ppt_y</p:attrName>
+                                        </p:attrNameLst>
+                                      </p:cBhvr>
+                                      <p:tavLst>
+                                        <p:tav tm="0">
+                                          <p:val>
+                                            <p:strVal val="1+#ppt_h/2"/>
+                                          </p:val>
+                                        </p:tav>
+                                        <p:tav tm="100000">
+                                          <p:val>
+                                            <p:strVal val="#ppt_y"/>
+                                          </p:val>
+                                        </p:tav>
+                                      </p:tavLst>
+                                    </p:anim>
+                                  </p:childTnLst>
+                                </p:cTn>
+                              </p:par>
+                              <p:par>
+                                <p:cTn id="183" presetID="2" presetClass="entr" presetSubtype="4" fill="hold" nodeType="withEffect">
+                                  <p:stCondLst>
+                                    <p:cond delay="0"/>
+                                  </p:stCondLst>
+                                  <p:childTnLst>
+                                    <p:set>
+                                      <p:cBhvr>
+                                        <p:cTn id="184" dur="1" fill="hold">
+                                          <p:stCondLst>
+                                            <p:cond delay="0"/>
+                                          </p:stCondLst>
+                                        </p:cTn>
+                                        <p:tgtEl>
+                                          <p:spTgt spid="59"/>
+                                        </p:tgtEl>
+                                        <p:attrNameLst>
+                                          <p:attrName>style.visibility</p:attrName>
+                                        </p:attrNameLst>
+                                      </p:cBhvr>
+                                      <p:to>
+                                        <p:strVal val="visible"/>
+                                      </p:to>
+                                    </p:set>
+                                    <p:anim calcmode="lin" valueType="num">
+                                      <p:cBhvr additive="base">
+                                        <p:cTn id="185" dur="500" fill="hold"/>
+                                        <p:tgtEl>
+                                          <p:spTgt spid="59"/>
+                                        </p:tgtEl>
+                                        <p:attrNameLst>
+                                          <p:attrName>ppt_x</p:attrName>
+                                        </p:attrNameLst>
+                                      </p:cBhvr>
+                                      <p:tavLst>
+                                        <p:tav tm="0">
+                                          <p:val>
+                                            <p:strVal val="#ppt_x"/>
+                                          </p:val>
+                                        </p:tav>
+                                        <p:tav tm="100000">
+                                          <p:val>
+                                            <p:strVal val="#ppt_x"/>
+                                          </p:val>
+                                        </p:tav>
+                                      </p:tavLst>
+                                    </p:anim>
+                                    <p:anim calcmode="lin" valueType="num">
+                                      <p:cBhvr additive="base">
+                                        <p:cTn id="186" dur="500" fill="hold"/>
                                         <p:tgtEl>
                                           <p:spTgt spid="59"/>
                                         </p:tgtEl>
@@ -17363,20 +17756,20 @@
                           </p:cTn>
                         </p:par>
                         <p:par>
-                          <p:cTn id="163" fill="hold">
+                          <p:cTn id="187" fill="hold">
                             <p:stCondLst>
                               <p:cond delay="500"/>
                             </p:stCondLst>
                             <p:childTnLst>
                               <p:par>
-                                <p:cTn id="164" presetID="42" presetClass="path" presetSubtype="0" accel="50000" decel="50000" fill="hold" grpId="0" nodeType="afterEffect">
+                                <p:cTn id="188" presetID="42" presetClass="path" presetSubtype="0" accel="50000" decel="50000" fill="hold" grpId="0" nodeType="afterEffect">
                                   <p:stCondLst>
                                     <p:cond delay="0"/>
                                   </p:stCondLst>
                                   <p:childTnLst>
                                     <p:animMotion origin="layout" path="M -2.5E-6 -4.81481E-6 L 0.12917 -4.81481E-6 " pathEditMode="relative" rAng="0" ptsTypes="AA">
                                       <p:cBhvr>
-                                        <p:cTn id="165" dur="2000" fill="hold"/>
+                                        <p:cTn id="189" dur="2000" fill="hold"/>
                                         <p:tgtEl>
                                           <p:spTgt spid="57"/>
                                         </p:tgtEl>
@@ -17391,14 +17784,14 @@
                                 </p:cTn>
                               </p:par>
                               <p:par>
-                                <p:cTn id="166" presetID="42" presetClass="path" presetSubtype="0" accel="50000" decel="50000" fill="hold" nodeType="withEffect">
+                                <p:cTn id="190" presetID="42" presetClass="path" presetSubtype="0" accel="50000" decel="50000" fill="hold" nodeType="withEffect">
                                   <p:stCondLst>
                                     <p:cond delay="0"/>
                                   </p:stCondLst>
                                   <p:childTnLst>
                                     <p:animMotion origin="layout" path="M -2.5E-6 3.7037E-6 L 0.12813 3.7037E-6 " pathEditMode="relative" rAng="0" ptsTypes="AA">
                                       <p:cBhvr>
-                                        <p:cTn id="167" dur="2000" fill="hold"/>
+                                        <p:cTn id="191" dur="2000" fill="hold"/>
                                         <p:tgtEl>
                                           <p:spTgt spid="67"/>
                                         </p:tgtEl>
@@ -17409,6 +17802,109 @@
                                       </p:cBhvr>
                                       <p:rCtr x="6406" y="0"/>
                                     </p:animMotion>
+                                  </p:childTnLst>
+                                </p:cTn>
+                              </p:par>
+                            </p:childTnLst>
+                          </p:cTn>
+                        </p:par>
+                      </p:childTnLst>
+                    </p:cTn>
+                  </p:par>
+                  <p:par>
+                    <p:cTn id="192" fill="hold">
+                      <p:stCondLst>
+                        <p:cond delay="indefinite"/>
+                      </p:stCondLst>
+                      <p:childTnLst>
+                        <p:par>
+                          <p:cTn id="193" fill="hold">
+                            <p:stCondLst>
+                              <p:cond delay="0"/>
+                            </p:stCondLst>
+                            <p:childTnLst>
+                              <p:par>
+                                <p:cTn id="194" presetID="2" presetClass="entr" presetSubtype="4" fill="hold" nodeType="clickEffect">
+                                  <p:stCondLst>
+                                    <p:cond delay="0"/>
+                                  </p:stCondLst>
+                                  <p:childTnLst>
+                                    <p:set>
+                                      <p:cBhvr>
+                                        <p:cTn id="195" dur="1" fill="hold">
+                                          <p:stCondLst>
+                                            <p:cond delay="0"/>
+                                          </p:stCondLst>
+                                        </p:cTn>
+                                        <p:tgtEl>
+                                          <p:spTgt spid="6">
+                                            <p:txEl>
+                                              <p:pRg st="7" end="7"/>
+                                            </p:txEl>
+                                          </p:spTgt>
+                                        </p:tgtEl>
+                                        <p:attrNameLst>
+                                          <p:attrName>style.visibility</p:attrName>
+                                        </p:attrNameLst>
+                                      </p:cBhvr>
+                                      <p:to>
+                                        <p:strVal val="visible"/>
+                                      </p:to>
+                                    </p:set>
+                                    <p:anim calcmode="lin" valueType="num">
+                                      <p:cBhvr additive="base">
+                                        <p:cTn id="196" dur="500" fill="hold"/>
+                                        <p:tgtEl>
+                                          <p:spTgt spid="6">
+                                            <p:txEl>
+                                              <p:pRg st="7" end="7"/>
+                                            </p:txEl>
+                                          </p:spTgt>
+                                        </p:tgtEl>
+                                        <p:attrNameLst>
+                                          <p:attrName>ppt_x</p:attrName>
+                                        </p:attrNameLst>
+                                      </p:cBhvr>
+                                      <p:tavLst>
+                                        <p:tav tm="0">
+                                          <p:val>
+                                            <p:strVal val="#ppt_x"/>
+                                          </p:val>
+                                        </p:tav>
+                                        <p:tav tm="100000">
+                                          <p:val>
+                                            <p:strVal val="#ppt_x"/>
+                                          </p:val>
+                                        </p:tav>
+                                      </p:tavLst>
+                                    </p:anim>
+                                    <p:anim calcmode="lin" valueType="num">
+                                      <p:cBhvr additive="base">
+                                        <p:cTn id="197" dur="500" fill="hold"/>
+                                        <p:tgtEl>
+                                          <p:spTgt spid="6">
+                                            <p:txEl>
+                                              <p:pRg st="7" end="7"/>
+                                            </p:txEl>
+                                          </p:spTgt>
+                                        </p:tgtEl>
+                                        <p:attrNameLst>
+                                          <p:attrName>ppt_y</p:attrName>
+                                        </p:attrNameLst>
+                                      </p:cBhvr>
+                                      <p:tavLst>
+                                        <p:tav tm="0">
+                                          <p:val>
+                                            <p:strVal val="1+#ppt_h/2"/>
+                                          </p:val>
+                                        </p:tav>
+                                        <p:tav tm="100000">
+                                          <p:val>
+                                            <p:strVal val="#ppt_y"/>
+                                          </p:val>
+                                        </p:tav>
+                                      </p:tavLst>
+                                    </p:anim>
                                   </p:childTnLst>
                                 </p:cTn>
                               </p:par>
@@ -17465,6 +17961,254 @@
 </p:sld>
 </file>
 
+<file path=ppt/slides/slide17.xml><?xml version="1.0" encoding="utf-8"?>
+<p:sld xmlns:a="http://schemas.openxmlformats.org/drawingml/2006/main" xmlns:r="http://schemas.openxmlformats.org/officeDocument/2006/relationships" xmlns:p="http://schemas.openxmlformats.org/presentationml/2006/main">
+  <p:cSld>
+    <p:spTree>
+      <p:nvGrpSpPr>
+        <p:cNvPr id="1" name=""/>
+        <p:cNvGrpSpPr/>
+        <p:nvPr/>
+      </p:nvGrpSpPr>
+      <p:grpSpPr>
+        <a:xfrm>
+          <a:off x="0" y="0"/>
+          <a:ext cx="0" cy="0"/>
+          <a:chOff x="0" y="0"/>
+          <a:chExt cx="0" cy="0"/>
+        </a:xfrm>
+      </p:grpSpPr>
+      <p:sp>
+        <p:nvSpPr>
+          <p:cNvPr id="2" name="Title 1"/>
+          <p:cNvSpPr>
+            <a:spLocks noGrp="1"/>
+          </p:cNvSpPr>
+          <p:nvPr>
+            <p:ph type="title"/>
+          </p:nvPr>
+        </p:nvSpPr>
+        <p:spPr>
+          <a:xfrm>
+            <a:off x="1072896" y="0"/>
+            <a:ext cx="10058400" cy="1609344"/>
+          </a:xfrm>
+        </p:spPr>
+        <p:txBody>
+          <a:bodyPr/>
+          <a:lstStyle/>
+          <a:p>
+            <a:r>
+              <a:rPr lang="en-US" dirty="0"/>
+              <a:t>Git</a:t>
+            </a:r>
+            <a:r>
+              <a:rPr lang="zh-CN" altLang="en-US" dirty="0"/>
+              <a:t> </a:t>
+            </a:r>
+            <a:r>
+              <a:rPr lang="en-US" altLang="zh-CN" dirty="0"/>
+              <a:t>config</a:t>
+            </a:r>
+            <a:endParaRPr lang="en-US" dirty="0"/>
+          </a:p>
+        </p:txBody>
+      </p:sp>
+      <p:sp>
+        <p:nvSpPr>
+          <p:cNvPr id="3" name="Content Placeholder 2"/>
+          <p:cNvSpPr>
+            <a:spLocks noGrp="1"/>
+          </p:cNvSpPr>
+          <p:nvPr>
+            <p:ph idx="1"/>
+          </p:nvPr>
+        </p:nvSpPr>
+        <p:spPr>
+          <a:xfrm>
+            <a:off x="1069848" y="1438275"/>
+            <a:ext cx="10058400" cy="4733925"/>
+          </a:xfrm>
+        </p:spPr>
+        <p:txBody>
+          <a:bodyPr>
+            <a:normAutofit lnSpcReduction="10000"/>
+          </a:bodyPr>
+          <a:lstStyle/>
+          <a:p>
+            <a:r>
+              <a:rPr lang="en-US" dirty="0"/>
+              <a:t>git config --global user.name “Haijun Deng"</a:t>
+            </a:r>
+          </a:p>
+          <a:p>
+            <a:r>
+              <a:rPr lang="en-US" dirty="0"/>
+              <a:t>git config --global </a:t>
+            </a:r>
+            <a:r>
+              <a:rPr lang="en-US" dirty="0" err="1"/>
+              <a:t>user.email</a:t>
+            </a:r>
+            <a:r>
+              <a:rPr lang="en-US" dirty="0"/>
+              <a:t> haijun.deng@spirent.com</a:t>
+            </a:r>
+          </a:p>
+          <a:p>
+            <a:r>
+              <a:rPr lang="en-US" dirty="0"/>
+              <a:t>git config --global </a:t>
+            </a:r>
+            <a:r>
+              <a:rPr lang="en-US" dirty="0" err="1"/>
+              <a:t>core.editor</a:t>
+            </a:r>
+            <a:r>
+              <a:rPr lang="en-US" dirty="0"/>
+              <a:t> emacs</a:t>
+            </a:r>
+          </a:p>
+          <a:p>
+            <a:r>
+              <a:rPr lang="en-US" dirty="0"/>
+              <a:t>git config --global </a:t>
+            </a:r>
+            <a:r>
+              <a:rPr lang="en-US" dirty="0" err="1"/>
+              <a:t>color.ui</a:t>
+            </a:r>
+            <a:r>
+              <a:rPr lang="en-US" dirty="0"/>
+              <a:t> false</a:t>
+            </a:r>
+          </a:p>
+          <a:p>
+            <a:r>
+              <a:rPr lang="en-US" dirty="0"/>
+              <a:t>Configure origin and branch</a:t>
+            </a:r>
+          </a:p>
+          <a:p>
+            <a:r>
+              <a:rPr lang="en-US" dirty="0"/>
+              <a:t>Customize merge and diff tools</a:t>
+            </a:r>
+          </a:p>
+          <a:p>
+            <a:pPr lvl="1"/>
+            <a:r>
+              <a:rPr lang="en-US" dirty="0"/>
+              <a:t>Prepare </a:t>
+            </a:r>
+            <a:r>
+              <a:rPr lang="en-US" dirty="0" err="1"/>
+              <a:t>extMerge</a:t>
+            </a:r>
+            <a:r>
+              <a:rPr lang="en-US" dirty="0"/>
+              <a:t> and </a:t>
+            </a:r>
+            <a:r>
+              <a:rPr lang="en-US" dirty="0" err="1"/>
+              <a:t>extDiff</a:t>
+            </a:r>
+            <a:endParaRPr lang="en-US" dirty="0"/>
+          </a:p>
+          <a:p>
+            <a:pPr lvl="1"/>
+            <a:r>
+              <a:rPr lang="en-US" dirty="0"/>
+              <a:t>git config --global </a:t>
+            </a:r>
+            <a:r>
+              <a:rPr lang="en-US" dirty="0" err="1"/>
+              <a:t>merge.tool</a:t>
+            </a:r>
+            <a:r>
+              <a:rPr lang="en-US" dirty="0"/>
+              <a:t> </a:t>
+            </a:r>
+            <a:r>
+              <a:rPr lang="en-US" dirty="0" err="1"/>
+              <a:t>extMerge</a:t>
+            </a:r>
+            <a:endParaRPr lang="en-US" dirty="0"/>
+          </a:p>
+          <a:p>
+            <a:pPr lvl="1"/>
+            <a:r>
+              <a:rPr lang="en-US" dirty="0"/>
+              <a:t>git config --global mergetool.extMerge.cmd '</a:t>
+            </a:r>
+            <a:r>
+              <a:rPr lang="en-US" dirty="0" err="1"/>
+              <a:t>extMerge</a:t>
+            </a:r>
+            <a:r>
+              <a:rPr lang="en-US" dirty="0"/>
+              <a:t> "$BASE" "$LOCAL" "$REMOTE" "$MERGED"'</a:t>
+            </a:r>
+          </a:p>
+          <a:p>
+            <a:pPr lvl="1"/>
+            <a:r>
+              <a:rPr lang="en-US" dirty="0"/>
+              <a:t>git config --global </a:t>
+            </a:r>
+            <a:r>
+              <a:rPr lang="en-US" dirty="0" err="1"/>
+              <a:t>mergetool.extMerge.trustExitCode</a:t>
+            </a:r>
+            <a:r>
+              <a:rPr lang="en-US" dirty="0"/>
+              <a:t> false</a:t>
+            </a:r>
+          </a:p>
+          <a:p>
+            <a:pPr lvl="1"/>
+            <a:r>
+              <a:rPr lang="en-US" dirty="0"/>
+              <a:t>git config --global </a:t>
+            </a:r>
+            <a:r>
+              <a:rPr lang="en-US" dirty="0" err="1"/>
+              <a:t>diff.external</a:t>
+            </a:r>
+            <a:r>
+              <a:rPr lang="en-US" dirty="0"/>
+              <a:t> </a:t>
+            </a:r>
+            <a:r>
+              <a:rPr lang="en-US" dirty="0" err="1"/>
+              <a:t>extDiff</a:t>
+            </a:r>
+            <a:endParaRPr lang="en-US" dirty="0"/>
+          </a:p>
+          <a:p>
+            <a:r>
+              <a:rPr lang="en-US" dirty="0"/>
+              <a:t>Write in .git/config</a:t>
+            </a:r>
+          </a:p>
+          <a:p>
+            <a:endParaRPr lang="en-US" dirty="0"/>
+          </a:p>
+        </p:txBody>
+      </p:sp>
+    </p:spTree>
+    <p:extLst>
+      <p:ext uri="{BB962C8B-B14F-4D97-AF65-F5344CB8AC3E}">
+        <p14:creationId xmlns:p14="http://schemas.microsoft.com/office/powerpoint/2010/main" val="3197356303"/>
+      </p:ext>
+    </p:extLst>
+  </p:cSld>
+  <p:clrMapOvr>
+    <a:masterClrMapping/>
+  </p:clrMapOvr>
+</p:sld>
+</file>
+
 <file path=ppt/slides/slide18.xml><?xml version="1.0" encoding="utf-8"?>
 <p:sld xmlns:a="http://schemas.openxmlformats.org/drawingml/2006/main" xmlns:r="http://schemas.openxmlformats.org/officeDocument/2006/relationships" xmlns:p="http://schemas.openxmlformats.org/presentationml/2006/main">
   <p:cSld>
@@ -17598,7 +18342,7 @@
           <p:nvPr>
             <p:extLst>
               <p:ext uri="{D42A27DB-BD31-4B8C-83A1-F6EECF244321}">
-                <p14:modId xmlns:p14="http://schemas.microsoft.com/office/powerpoint/2010/main" val="651901126"/>
+                <p14:modId xmlns:p14="http://schemas.microsoft.com/office/powerpoint/2010/main" val="4011476849"/>
               </p:ext>
             </p:extLst>
           </p:nvPr>
@@ -17611,7 +18355,7 @@
           <a:graphicData uri="http://schemas.openxmlformats.org/presentationml/2006/ole">
             <mc:AlternateContent xmlns:mc="http://schemas.openxmlformats.org/markup-compatibility/2006">
               <mc:Choice xmlns:v="urn:schemas-microsoft-com:vml" Requires="v">
-                <p:oleObj spid="_x0000_s3077" name="Packager Shell Object" showAsIcon="1" r:id="rId3" imgW="2247840" imgH="481320" progId="Package">
+                <p:oleObj spid="_x0000_s3094" name="Packager Shell Object" showAsIcon="1" r:id="rId3" imgW="2247840" imgH="481320" progId="Package">
                   <p:embed/>
                 </p:oleObj>
               </mc:Choice>
@@ -17698,7 +18442,15 @@
           <a:p>
             <a:r>
               <a:rPr lang="en-US" dirty="0"/>
-              <a:t>gitignore</a:t>
+              <a:t>Git</a:t>
+            </a:r>
+            <a:r>
+              <a:rPr lang="zh-CN" altLang="en-US" dirty="0"/>
+              <a:t> </a:t>
+            </a:r>
+            <a:r>
+              <a:rPr lang="en-US" dirty="0"/>
+              <a:t>Attributes</a:t>
             </a:r>
           </a:p>
         </p:txBody>
@@ -17721,114 +18473,177 @@
         </p:spPr>
         <p:txBody>
           <a:bodyPr>
-            <a:normAutofit/>
+            <a:normAutofit fontScale="92500" lnSpcReduction="10000"/>
           </a:bodyPr>
           <a:lstStyle/>
           <a:p>
             <a:r>
               <a:rPr lang="en-US" dirty="0"/>
-              <a:t>gitignore file specifies intentionally untracked files that Git should ignore</a:t>
+              <a:t>Used for these settings, which can be specified for a path, file type</a:t>
+            </a:r>
+          </a:p>
+          <a:p>
+            <a:r>
+              <a:rPr lang="en-US" dirty="0"/>
+              <a:t>.</a:t>
+            </a:r>
+            <a:r>
+              <a:rPr lang="en-US" dirty="0" err="1"/>
+              <a:t>gitattributes</a:t>
+            </a:r>
+            <a:r>
+              <a:rPr lang="en-US" dirty="0"/>
+              <a:t> file in one of your directories or in the .git/info/attributes</a:t>
+            </a:r>
+          </a:p>
+          <a:p>
+            <a:r>
+              <a:rPr lang="en-US" dirty="0"/>
+              <a:t>Use cases:</a:t>
             </a:r>
           </a:p>
           <a:p>
             <a:pPr lvl="1"/>
             <a:r>
               <a:rPr lang="en-US" dirty="0"/>
-              <a:t>object files</a:t>
-            </a:r>
-          </a:p>
-          <a:p>
-            <a:pPr lvl="1"/>
+              <a:t>Provide specific diff tools for specific file type</a:t>
+            </a:r>
+          </a:p>
+          <a:p>
+            <a:pPr lvl="2"/>
             <a:r>
               <a:rPr lang="en-US" dirty="0"/>
-              <a:t>Libraries</a:t>
-            </a:r>
-          </a:p>
-          <a:p>
-            <a:pPr lvl="1"/>
+              <a:t>*.</a:t>
+            </a:r>
+            <a:r>
+              <a:rPr lang="en-US" dirty="0" err="1"/>
+              <a:t>png</a:t>
+            </a:r>
             <a:r>
               <a:rPr lang="en-US" dirty="0"/>
-              <a:t>executables</a:t>
-            </a:r>
-          </a:p>
-          <a:p>
+              <a:t> diff=</a:t>
+            </a:r>
+            <a:r>
+              <a:rPr lang="en-US" dirty="0" err="1"/>
+              <a:t>exif</a:t>
+            </a:r>
+            <a:endParaRPr lang="en-US" dirty="0"/>
+          </a:p>
+          <a:p>
+            <a:pPr lvl="2"/>
             <a:r>
               <a:rPr lang="en-US" dirty="0"/>
-              <a:t>How to ignore files</a:t>
-            </a:r>
-          </a:p>
-          <a:p>
-            <a:pPr lvl="1"/>
+              <a:t>git config </a:t>
+            </a:r>
+            <a:r>
+              <a:rPr lang="en-US" dirty="0" err="1"/>
+              <a:t>diff.exif.textconv</a:t>
+            </a:r>
             <a:r>
               <a:rPr lang="en-US" dirty="0"/>
-              <a:t>.gitignore file in the directory (works in all repositories)</a:t>
-            </a:r>
-          </a:p>
-          <a:p>
-            <a:pPr lvl="1"/>
+              <a:t> </a:t>
+            </a:r>
+            <a:r>
+              <a:rPr lang="en-US" dirty="0" err="1"/>
+              <a:t>exiftool</a:t>
+            </a:r>
+            <a:endParaRPr lang="en-US" dirty="0"/>
+          </a:p>
+          <a:p>
+            <a:pPr lvl="2"/>
             <a:r>
               <a:rPr lang="en-US" dirty="0"/>
-              <a:t>.git/info/exclude (only works in local repository)</a:t>
-            </a:r>
-          </a:p>
-          <a:p>
+              <a:t>diff --git a/image.png b/image.png</a:t>
+            </a:r>
+          </a:p>
+          <a:p>
+            <a:pPr marL="822960" lvl="3" indent="0">
+              <a:buNone/>
+            </a:pPr>
             <a:r>
               <a:rPr lang="en-US" dirty="0"/>
-              <a:t>An Example</a:t>
-            </a:r>
-          </a:p>
-          <a:p>
-            <a:pPr lvl="1"/>
-            <a:r>
-              <a:rPr lang="en-US" sz="1900" dirty="0"/>
-              <a:t>*.html # ignore generated html files,</a:t>
-            </a:r>
-          </a:p>
-          <a:p>
-            <a:pPr lvl="1"/>
-            <a:r>
-              <a:rPr lang="en-US" sz="1900" dirty="0"/>
-              <a:t>!foo.html # except foo.html which is maintained by hand</a:t>
-            </a:r>
-          </a:p>
-          <a:p>
-            <a:pPr lvl="1"/>
-            <a:r>
-              <a:rPr lang="en-US" sz="1900" dirty="0" err="1"/>
-              <a:t>vmlinux</a:t>
-            </a:r>
-            <a:r>
-              <a:rPr lang="en-US" sz="1900" dirty="0"/>
-              <a:t>* # ignore all files starting with </a:t>
-            </a:r>
-            <a:r>
-              <a:rPr lang="en-US" sz="1900" dirty="0" err="1"/>
-              <a:t>vmlinux</a:t>
-            </a:r>
-            <a:r>
-              <a:rPr lang="en-US" sz="1900" dirty="0"/>
-              <a:t>, such as vmlinux.so</a:t>
-            </a:r>
-          </a:p>
-          <a:p>
-            <a:pPr lvl="1"/>
-            <a:r>
-              <a:rPr lang="en-US" sz="1900" dirty="0"/>
-              <a:t>foo/ # ignore all files and directories under foo</a:t>
-            </a:r>
-          </a:p>
-          <a:p>
+              <a:t>index 88839c4..4afcb7c 100644</a:t>
+            </a:r>
+          </a:p>
+          <a:p>
+            <a:pPr marL="822960" lvl="3" indent="0">
+              <a:buNone/>
+            </a:pPr>
             <a:r>
               <a:rPr lang="en-US" dirty="0"/>
-              <a:t>gitignore file examples for different language from github gitignore project at </a:t>
-            </a:r>
-            <a:r>
-              <a:rPr lang="en-US" dirty="0">
-                <a:hlinkClick r:id="rId2"/>
-              </a:rPr>
-              <a:t>here</a:t>
-            </a:r>
-            <a:endParaRPr lang="en-US" dirty="0"/>
+              <a:t>--- a/image.png</a:t>
+            </a:r>
+          </a:p>
+          <a:p>
+            <a:pPr marL="822960" lvl="3" indent="0">
+              <a:buNone/>
+            </a:pPr>
+            <a:r>
+              <a:rPr lang="en-US" dirty="0"/>
+              <a:t>+++ b/image.png</a:t>
+            </a:r>
+          </a:p>
+          <a:p>
+            <a:pPr marL="822960" lvl="3" indent="0">
+              <a:buNone/>
+            </a:pPr>
+            <a:r>
+              <a:rPr lang="en-US" dirty="0"/>
+              <a:t>@@ -1,12 +1,12 @@</a:t>
+            </a:r>
+          </a:p>
+          <a:p>
+            <a:pPr marL="822960" lvl="3" indent="0">
+              <a:buNone/>
+            </a:pPr>
+            <a:r>
+              <a:rPr lang="en-US" dirty="0"/>
+              <a:t> </a:t>
+            </a:r>
+            <a:r>
+              <a:rPr lang="en-US" dirty="0" err="1"/>
+              <a:t>ExifTool</a:t>
+            </a:r>
+            <a:r>
+              <a:rPr lang="en-US" dirty="0"/>
+              <a:t> Version Number         : 7.74</a:t>
+            </a:r>
+          </a:p>
+          <a:p>
+            <a:pPr marL="822960" lvl="3" indent="0">
+              <a:buNone/>
+            </a:pPr>
+            <a:r>
+              <a:rPr lang="en-US" dirty="0"/>
+              <a:t>-File Size                       : 70 kB</a:t>
+            </a:r>
+          </a:p>
+          <a:p>
+            <a:pPr marL="822960" lvl="3" indent="0">
+              <a:buNone/>
+            </a:pPr>
+            <a:r>
+              <a:rPr lang="en-US" dirty="0"/>
+              <a:t>-File Modification Date/Time     : 2009:04:21 07:02:45-07:00</a:t>
+            </a:r>
+          </a:p>
+          <a:p>
+            <a:pPr marL="822960" lvl="3" indent="0">
+              <a:buNone/>
+            </a:pPr>
+            <a:r>
+              <a:rPr lang="en-US" dirty="0"/>
+              <a:t>+File Size                       : 94 kB</a:t>
+            </a:r>
+          </a:p>
+          <a:p>
+            <a:pPr marL="822960" lvl="3" indent="0">
+              <a:buNone/>
+            </a:pPr>
+            <a:r>
+              <a:rPr lang="en-US" dirty="0"/>
+              <a:t>+File Modification Date/Time     : 2009:04:21 07:02:43-07:00</a:t>
+            </a:r>
           </a:p>
           <a:p>
             <a:endParaRPr lang="en-US" dirty="0"/>
@@ -17838,7 +18653,7 @@
     </p:spTree>
     <p:extLst>
       <p:ext uri="{BB962C8B-B14F-4D97-AF65-F5344CB8AC3E}">
-        <p14:creationId xmlns:p14="http://schemas.microsoft.com/office/powerpoint/2010/main" val="1878817006"/>
+        <p14:creationId xmlns:p14="http://schemas.microsoft.com/office/powerpoint/2010/main" val="1730408483"/>
       </p:ext>
     </p:extLst>
   </p:cSld>
@@ -17942,15 +18757,6 @@
               <a:rPr lang="en-US" dirty="0"/>
               <a:t>Comparison with perforce</a:t>
             </a:r>
-          </a:p>
-          <a:p>
-            <a:r>
-              <a:rPr lang="en-US" dirty="0"/>
-              <a:t>Related tools</a:t>
-            </a:r>
-          </a:p>
-          <a:p>
-            <a:endParaRPr lang="en-US" dirty="0"/>
           </a:p>
         </p:txBody>
       </p:sp>
@@ -17996,7 +18802,7 @@
         </p:nvSpPr>
         <p:spPr>
           <a:xfrm>
-            <a:off x="1222248" y="0"/>
+            <a:off x="1072896" y="0"/>
             <a:ext cx="10058400" cy="1609344"/>
           </a:xfrm>
         </p:spPr>
@@ -18006,7 +18812,7 @@
           <a:p>
             <a:r>
               <a:rPr lang="en-US" dirty="0"/>
-              <a:t>Quick practice</a:t>
+              <a:t>Git ignore</a:t>
             </a:r>
           </a:p>
         </p:txBody>
@@ -18023,8 +18829,8 @@
         </p:nvSpPr>
         <p:spPr>
           <a:xfrm>
-            <a:off x="1222248" y="1390650"/>
-            <a:ext cx="9464802" cy="5143500"/>
+            <a:off x="1069848" y="1438275"/>
+            <a:ext cx="10058400" cy="4733925"/>
           </a:xfrm>
         </p:spPr>
         <p:txBody>
@@ -18035,108 +18841,123 @@
           <a:p>
             <a:r>
               <a:rPr lang="en-US" dirty="0"/>
-              <a:t>Install </a:t>
+              <a:t>gitignore file specifies intentionally untracked files that Git should ignore</a:t>
+            </a:r>
+          </a:p>
+          <a:p>
+            <a:pPr lvl="1"/>
+            <a:r>
+              <a:rPr lang="en-US" dirty="0"/>
+              <a:t>object files</a:t>
+            </a:r>
+          </a:p>
+          <a:p>
+            <a:pPr lvl="1"/>
+            <a:r>
+              <a:rPr lang="en-US" dirty="0"/>
+              <a:t>Libraries</a:t>
+            </a:r>
+          </a:p>
+          <a:p>
+            <a:pPr lvl="1"/>
+            <a:r>
+              <a:rPr lang="en-US" dirty="0"/>
+              <a:t>executables</a:t>
+            </a:r>
+          </a:p>
+          <a:p>
+            <a:r>
+              <a:rPr lang="en-US" dirty="0"/>
+              <a:t>How to ignore files</a:t>
+            </a:r>
+          </a:p>
+          <a:p>
+            <a:pPr lvl="1"/>
+            <a:r>
+              <a:rPr lang="en-US" dirty="0"/>
+              <a:t>.gitignore file in the current directory and sub(works in all repositories), not for </a:t>
             </a:r>
             <a:r>
               <a:rPr lang="en-US" dirty="0" err="1"/>
-              <a:t>git</a:t>
-            </a:r>
+              <a:t>commited</a:t>
+            </a:r>
+            <a:endParaRPr lang="en-US" dirty="0"/>
+          </a:p>
+          <a:p>
+            <a:pPr lvl="1"/>
             <a:r>
               <a:rPr lang="en-US" dirty="0"/>
-              <a:t> on PC or login build server</a:t>
+              <a:t>.git/info/exclude (only works in local repository)</a:t>
             </a:r>
           </a:p>
           <a:p>
             <a:r>
               <a:rPr lang="en-US" dirty="0"/>
-              <a:t>Start </a:t>
-            </a:r>
-            <a:r>
-              <a:rPr lang="en-US" dirty="0" err="1"/>
-              <a:t>git</a:t>
-            </a:r>
+              <a:t>An Example</a:t>
+            </a:r>
+          </a:p>
+          <a:p>
+            <a:pPr lvl="1"/>
+            <a:r>
+              <a:rPr lang="en-US" sz="1900" dirty="0"/>
+              <a:t>*.html # ignore generated html files,</a:t>
+            </a:r>
+          </a:p>
+          <a:p>
+            <a:pPr lvl="1"/>
+            <a:r>
+              <a:rPr lang="en-US" sz="1900" dirty="0"/>
+              <a:t>!foo.html # except foo.html which is maintained by hand</a:t>
+            </a:r>
+          </a:p>
+          <a:p>
+            <a:pPr lvl="1"/>
+            <a:r>
+              <a:rPr lang="en-US" sz="1900" dirty="0" err="1"/>
+              <a:t>vmlinux</a:t>
+            </a:r>
+            <a:r>
+              <a:rPr lang="en-US" sz="1900" dirty="0"/>
+              <a:t>* # ignore all files starting with </a:t>
+            </a:r>
+            <a:r>
+              <a:rPr lang="en-US" sz="1900" dirty="0" err="1"/>
+              <a:t>vmlinux</a:t>
+            </a:r>
+            <a:r>
+              <a:rPr lang="en-US" sz="1900" dirty="0"/>
+              <a:t>, such as vmlinux.so</a:t>
+            </a:r>
+          </a:p>
+          <a:p>
+            <a:pPr lvl="1"/>
+            <a:r>
+              <a:rPr lang="en-US" sz="1900" dirty="0"/>
+              <a:t>foo/ # ignore all files and directories under foo</a:t>
+            </a:r>
+          </a:p>
+          <a:p>
             <a:r>
               <a:rPr lang="en-US" dirty="0"/>
-              <a:t> bash (only on windows)</a:t>
-            </a:r>
-          </a:p>
-          <a:p>
-            <a:r>
-              <a:rPr lang="en-US" dirty="0"/>
-              <a:t>Create an empty folder</a:t>
-            </a:r>
-          </a:p>
-          <a:p>
-            <a:r>
-              <a:rPr lang="en-US" dirty="0" err="1"/>
-              <a:t>git</a:t>
-            </a:r>
-            <a:r>
-              <a:rPr lang="en-US" dirty="0"/>
-              <a:t> </a:t>
-            </a:r>
-            <a:r>
-              <a:rPr lang="en-US" dirty="0" err="1"/>
-              <a:t>init</a:t>
+              <a:t>gitignore file examples for different language from github gitignore project at </a:t>
+            </a:r>
+            <a:r>
+              <a:rPr lang="en-US" dirty="0">
+                <a:hlinkClick r:id="rId2"/>
+              </a:rPr>
+              <a:t>here</a:t>
             </a:r>
             <a:endParaRPr lang="en-US" dirty="0"/>
           </a:p>
           <a:p>
-            <a:r>
-              <a:rPr lang="en-US" dirty="0" err="1"/>
-              <a:t>greate</a:t>
-            </a:r>
-            <a:r>
-              <a:rPr lang="en-US" dirty="0"/>
-              <a:t> a txt file</a:t>
-            </a:r>
-          </a:p>
-          <a:p>
-            <a:r>
-              <a:rPr lang="en-US" dirty="0" err="1"/>
-              <a:t>git</a:t>
-            </a:r>
-            <a:r>
-              <a:rPr lang="en-US" dirty="0"/>
-              <a:t> status</a:t>
-            </a:r>
-          </a:p>
-          <a:p>
-            <a:r>
-              <a:rPr lang="en-US" dirty="0" err="1"/>
-              <a:t>git</a:t>
-            </a:r>
-            <a:r>
-              <a:rPr lang="en-US" dirty="0"/>
-              <a:t> add</a:t>
-            </a:r>
-          </a:p>
-          <a:p>
-            <a:r>
-              <a:rPr lang="en-US" dirty="0" err="1"/>
-              <a:t>git</a:t>
-            </a:r>
-            <a:r>
-              <a:rPr lang="en-US" dirty="0"/>
-              <a:t> status</a:t>
-            </a:r>
-          </a:p>
-          <a:p>
-            <a:r>
-              <a:rPr lang="en-US" dirty="0" err="1"/>
-              <a:t>git</a:t>
-            </a:r>
-            <a:r>
-              <a:rPr lang="en-US" dirty="0"/>
-              <a:t> cat-file –p &lt;SHA&gt;</a:t>
-            </a:r>
+            <a:endParaRPr lang="en-US" dirty="0"/>
           </a:p>
         </p:txBody>
       </p:sp>
     </p:spTree>
     <p:extLst>
       <p:ext uri="{BB962C8B-B14F-4D97-AF65-F5344CB8AC3E}">
-        <p14:creationId xmlns:p14="http://schemas.microsoft.com/office/powerpoint/2010/main" val="696093286"/>
+        <p14:creationId xmlns:p14="http://schemas.microsoft.com/office/powerpoint/2010/main" val="1878817006"/>
       </p:ext>
     </p:extLst>
   </p:cSld>
@@ -18175,7 +18996,7 @@
         </p:nvSpPr>
         <p:spPr>
           <a:xfrm>
-            <a:off x="1288923" y="0"/>
+            <a:off x="984123" y="0"/>
             <a:ext cx="10058400" cy="1609344"/>
           </a:xfrm>
         </p:spPr>
@@ -18184,8 +19005,12 @@
           <a:lstStyle/>
           <a:p>
             <a:r>
+              <a:rPr lang="en-US" altLang="zh-CN" dirty="0"/>
+              <a:t>More </a:t>
+            </a:r>
+            <a:r>
               <a:rPr lang="en-US" dirty="0"/>
-              <a:t>Quick practice - continued</a:t>
+              <a:t>Advanced commands</a:t>
             </a:r>
           </a:p>
         </p:txBody>
@@ -18202,169 +19027,104 @@
         </p:nvSpPr>
         <p:spPr>
           <a:xfrm>
-            <a:off x="1288923" y="1457326"/>
-            <a:ext cx="9398127" cy="5114924"/>
+            <a:off x="984123" y="1676400"/>
+            <a:ext cx="10144125" cy="4495800"/>
           </a:xfrm>
         </p:spPr>
         <p:txBody>
-          <a:bodyPr>
-            <a:normAutofit/>
-          </a:bodyPr>
+          <a:bodyPr/>
           <a:lstStyle/>
           <a:p>
             <a:r>
+              <a:rPr lang="en-US" dirty="0"/>
+              <a:t>blame	Show what revision and author last modified each line of a file</a:t>
+            </a:r>
+          </a:p>
+          <a:p>
+            <a:r>
+              <a:rPr lang="en-US" altLang="zh-CN" dirty="0"/>
+              <a:t>t</a:t>
+            </a:r>
+            <a:r>
+              <a:rPr lang="en-US" dirty="0"/>
+              <a:t>ag		tag specific points in history,</a:t>
+            </a:r>
+            <a:r>
+              <a:rPr lang="zh-CN" altLang="en-US" dirty="0"/>
+              <a:t> </a:t>
+            </a:r>
+            <a:r>
+              <a:rPr lang="en-US" altLang="zh-CN" dirty="0"/>
+              <a:t>e.g.</a:t>
+            </a:r>
+            <a:r>
+              <a:rPr lang="zh-CN" altLang="en-US" dirty="0"/>
+              <a:t> </a:t>
+            </a:r>
+            <a:r>
+              <a:rPr lang="en-US" altLang="zh-CN" dirty="0"/>
+              <a:t>release</a:t>
+            </a:r>
+            <a:r>
+              <a:rPr lang="zh-CN" altLang="en-US" dirty="0"/>
+              <a:t> </a:t>
+            </a:r>
+            <a:r>
+              <a:rPr lang="en-US" altLang="zh-CN" dirty="0"/>
+              <a:t>point</a:t>
+            </a:r>
+            <a:endParaRPr lang="en-US" dirty="0"/>
+          </a:p>
+          <a:p>
+            <a:r>
+              <a:rPr lang="en-US" dirty="0"/>
+              <a:t>bisect		Use binary search to find the commit that introduced a bug</a:t>
+            </a:r>
+          </a:p>
+          <a:p>
+            <a:r>
+              <a:rPr lang="en-US" dirty="0"/>
+              <a:t>hash-object	Compute object ID</a:t>
+            </a:r>
+          </a:p>
+          <a:p>
+            <a:r>
+              <a:rPr lang="en-US" dirty="0"/>
+              <a:t>cat-file	Provide content or type and size information for repository objects</a:t>
+            </a:r>
+          </a:p>
+          <a:p>
+            <a:r>
               <a:rPr lang="en-US" dirty="0" err="1"/>
-              <a:t>git</a:t>
+              <a:t>gc</a:t>
             </a:r>
             <a:r>
               <a:rPr lang="en-US" dirty="0"/>
-              <a:t> commit</a:t>
+              <a:t>		Cleanup unnecessary files</a:t>
             </a:r>
           </a:p>
           <a:p>
             <a:r>
               <a:rPr lang="en-US" dirty="0" err="1"/>
-              <a:t>git</a:t>
+              <a:t>reflog</a:t>
             </a:r>
             <a:r>
               <a:rPr lang="en-US" dirty="0"/>
-              <a:t> status</a:t>
-            </a:r>
-          </a:p>
-          <a:p>
-            <a:r>
-              <a:rPr lang="en-US" dirty="0" err="1"/>
-              <a:t>git</a:t>
-            </a:r>
+              <a:t>		read reference log, every changes in local repository</a:t>
+            </a:r>
+          </a:p>
+          <a:p>
             <a:r>
               <a:rPr lang="en-US" dirty="0"/>
-              <a:t> </a:t>
-            </a:r>
-            <a:r>
-              <a:rPr lang="en-US" dirty="0" err="1"/>
-              <a:t>gui</a:t>
-            </a:r>
-            <a:endParaRPr lang="en-US" dirty="0"/>
-          </a:p>
-          <a:p>
-            <a:r>
-              <a:rPr lang="en-US" dirty="0" err="1"/>
-              <a:t>git</a:t>
-            </a:r>
-            <a:r>
-              <a:rPr lang="en-US" dirty="0"/>
-              <a:t> branch </a:t>
-            </a:r>
-          </a:p>
-          <a:p>
-            <a:r>
-              <a:rPr lang="en-US" dirty="0" err="1"/>
-              <a:t>git</a:t>
-            </a:r>
-            <a:r>
-              <a:rPr lang="en-US" dirty="0"/>
-              <a:t> branch dev master</a:t>
-            </a:r>
-          </a:p>
-          <a:p>
-            <a:r>
-              <a:rPr lang="en-US" dirty="0"/>
-              <a:t> ls -</a:t>
-            </a:r>
-            <a:r>
-              <a:rPr lang="en-US" dirty="0" err="1"/>
-              <a:t>ltr</a:t>
-            </a:r>
-            <a:r>
-              <a:rPr lang="en-US" dirty="0"/>
-              <a:t> .</a:t>
-            </a:r>
-            <a:r>
-              <a:rPr lang="en-US" dirty="0" err="1"/>
-              <a:t>git</a:t>
-            </a:r>
-            <a:r>
-              <a:rPr lang="en-US" dirty="0"/>
-              <a:t>/refs/heads/</a:t>
-            </a:r>
-          </a:p>
-          <a:p>
-            <a:r>
-              <a:rPr lang="en-US" dirty="0" err="1"/>
-              <a:t>git</a:t>
-            </a:r>
-            <a:r>
-              <a:rPr lang="en-US" dirty="0"/>
-              <a:t> </a:t>
-            </a:r>
-            <a:r>
-              <a:rPr lang="en-US" dirty="0" err="1"/>
-              <a:t>gui</a:t>
-            </a:r>
-            <a:endParaRPr lang="en-US" dirty="0"/>
-          </a:p>
-          <a:p>
-            <a:r>
-              <a:rPr lang="en-US" dirty="0"/>
-              <a:t>Change on branch dev and commit and check </a:t>
-            </a:r>
-            <a:r>
-              <a:rPr lang="en-US" dirty="0" err="1"/>
-              <a:t>git</a:t>
-            </a:r>
-            <a:r>
-              <a:rPr lang="en-US" dirty="0"/>
-              <a:t> </a:t>
-            </a:r>
-            <a:r>
-              <a:rPr lang="en-US" dirty="0" err="1"/>
-              <a:t>gui</a:t>
-            </a:r>
-            <a:r>
-              <a:rPr lang="en-US" dirty="0"/>
-              <a:t> again</a:t>
-            </a:r>
-          </a:p>
-          <a:p>
-            <a:r>
-              <a:rPr lang="en-US" dirty="0"/>
-              <a:t>Switch back to master branch </a:t>
-            </a:r>
-          </a:p>
-          <a:p>
-            <a:r>
-              <a:rPr lang="en-US" dirty="0"/>
-              <a:t>Change on branch master and commit and check </a:t>
-            </a:r>
-            <a:r>
-              <a:rPr lang="en-US" dirty="0" err="1"/>
-              <a:t>git</a:t>
-            </a:r>
-            <a:r>
-              <a:rPr lang="en-US" dirty="0"/>
-              <a:t> </a:t>
-            </a:r>
-            <a:r>
-              <a:rPr lang="en-US" dirty="0" err="1"/>
-              <a:t>gui</a:t>
-            </a:r>
-            <a:r>
-              <a:rPr lang="en-US" dirty="0"/>
-              <a:t> again</a:t>
-            </a:r>
-          </a:p>
-          <a:p>
-            <a:endParaRPr lang="en-US" dirty="0"/>
-          </a:p>
-          <a:p>
-            <a:endParaRPr lang="en-US" dirty="0"/>
+              <a:t>cherry-pick 	pick up one or more existing commits from other branch</a:t>
+            </a:r>
           </a:p>
         </p:txBody>
       </p:sp>
     </p:spTree>
     <p:extLst>
       <p:ext uri="{BB962C8B-B14F-4D97-AF65-F5344CB8AC3E}">
-        <p14:creationId xmlns:p14="http://schemas.microsoft.com/office/powerpoint/2010/main" val="3055566183"/>
+        <p14:creationId xmlns:p14="http://schemas.microsoft.com/office/powerpoint/2010/main" val="850956161"/>
       </p:ext>
     </p:extLst>
   </p:cSld>
@@ -18375,130 +19135,6 @@
 </file>
 
 <file path=ppt/slides/slide22.xml><?xml version="1.0" encoding="utf-8"?>
-<p:sld xmlns:a="http://schemas.openxmlformats.org/drawingml/2006/main" xmlns:r="http://schemas.openxmlformats.org/officeDocument/2006/relationships" xmlns:p="http://schemas.openxmlformats.org/presentationml/2006/main">
-  <p:cSld>
-    <p:spTree>
-      <p:nvGrpSpPr>
-        <p:cNvPr id="1" name=""/>
-        <p:cNvGrpSpPr/>
-        <p:nvPr/>
-      </p:nvGrpSpPr>
-      <p:grpSpPr>
-        <a:xfrm>
-          <a:off x="0" y="0"/>
-          <a:ext cx="0" cy="0"/>
-          <a:chOff x="0" y="0"/>
-          <a:chExt cx="0" cy="0"/>
-        </a:xfrm>
-      </p:grpSpPr>
-      <p:sp>
-        <p:nvSpPr>
-          <p:cNvPr id="2" name="Title 1"/>
-          <p:cNvSpPr>
-            <a:spLocks noGrp="1"/>
-          </p:cNvSpPr>
-          <p:nvPr>
-            <p:ph type="title"/>
-          </p:nvPr>
-        </p:nvSpPr>
-        <p:spPr>
-          <a:xfrm>
-            <a:off x="1066800" y="0"/>
-            <a:ext cx="10058400" cy="1609344"/>
-          </a:xfrm>
-        </p:spPr>
-        <p:txBody>
-          <a:bodyPr/>
-          <a:lstStyle/>
-          <a:p>
-            <a:r>
-              <a:rPr lang="en-US" dirty="0"/>
-              <a:t>Quick practice - continued</a:t>
-            </a:r>
-          </a:p>
-        </p:txBody>
-      </p:sp>
-      <p:sp>
-        <p:nvSpPr>
-          <p:cNvPr id="3" name="Content Placeholder 2"/>
-          <p:cNvSpPr>
-            <a:spLocks noGrp="1"/>
-          </p:cNvSpPr>
-          <p:nvPr>
-            <p:ph idx="1"/>
-          </p:nvPr>
-        </p:nvSpPr>
-        <p:spPr/>
-        <p:txBody>
-          <a:bodyPr/>
-          <a:lstStyle/>
-          <a:p>
-            <a:r>
-              <a:rPr lang="en-US" dirty="0" err="1"/>
-              <a:t>git</a:t>
-            </a:r>
-            <a:r>
-              <a:rPr lang="en-US" dirty="0"/>
-              <a:t> merge dev</a:t>
-            </a:r>
-          </a:p>
-          <a:p>
-            <a:r>
-              <a:rPr lang="en-US" dirty="0"/>
-              <a:t>Fix the conflicts</a:t>
-            </a:r>
-          </a:p>
-          <a:p>
-            <a:r>
-              <a:rPr lang="en-US" dirty="0" err="1"/>
-              <a:t>git</a:t>
-            </a:r>
-            <a:r>
-              <a:rPr lang="en-US" dirty="0"/>
-              <a:t> add .</a:t>
-            </a:r>
-          </a:p>
-          <a:p>
-            <a:r>
-              <a:rPr lang="en-US" dirty="0" err="1"/>
-              <a:t>git</a:t>
-            </a:r>
-            <a:r>
-              <a:rPr lang="en-US" dirty="0"/>
-              <a:t> commit</a:t>
-            </a:r>
-          </a:p>
-          <a:p>
-            <a:r>
-              <a:rPr lang="en-US" dirty="0" err="1"/>
-              <a:t>git</a:t>
-            </a:r>
-            <a:r>
-              <a:rPr lang="en-US" dirty="0"/>
-              <a:t> </a:t>
-            </a:r>
-            <a:r>
-              <a:rPr lang="en-US" dirty="0" err="1"/>
-              <a:t>gui</a:t>
-            </a:r>
-            <a:endParaRPr lang="en-US" dirty="0"/>
-          </a:p>
-        </p:txBody>
-      </p:sp>
-    </p:spTree>
-    <p:extLst>
-      <p:ext uri="{BB962C8B-B14F-4D97-AF65-F5344CB8AC3E}">
-        <p14:creationId xmlns:p14="http://schemas.microsoft.com/office/powerpoint/2010/main" val="669782732"/>
-      </p:ext>
-    </p:extLst>
-  </p:cSld>
-  <p:clrMapOvr>
-    <a:masterClrMapping/>
-  </p:clrMapOvr>
-</p:sld>
-</file>
-
-<file path=ppt/slides/slide23.xml><?xml version="1.0" encoding="utf-8"?>
 <p:sld xmlns:a="http://schemas.openxmlformats.org/drawingml/2006/main" xmlns:r="http://schemas.openxmlformats.org/officeDocument/2006/relationships" xmlns:p="http://schemas.openxmlformats.org/presentationml/2006/main">
   <p:cSld>
     <p:spTree>
@@ -19035,6 +19671,185 @@
 </p:sld>
 </file>
 
+<file path=ppt/slides/slide23.xml><?xml version="1.0" encoding="utf-8"?>
+<p:sld xmlns:a="http://schemas.openxmlformats.org/drawingml/2006/main" xmlns:r="http://schemas.openxmlformats.org/officeDocument/2006/relationships" xmlns:p="http://schemas.openxmlformats.org/presentationml/2006/main">
+  <p:cSld>
+    <p:spTree>
+      <p:nvGrpSpPr>
+        <p:cNvPr id="1" name=""/>
+        <p:cNvGrpSpPr/>
+        <p:nvPr/>
+      </p:nvGrpSpPr>
+      <p:grpSpPr>
+        <a:xfrm>
+          <a:off x="0" y="0"/>
+          <a:ext cx="0" cy="0"/>
+          <a:chOff x="0" y="0"/>
+          <a:chExt cx="0" cy="0"/>
+        </a:xfrm>
+      </p:grpSpPr>
+      <p:sp>
+        <p:nvSpPr>
+          <p:cNvPr id="2" name="Title 1"/>
+          <p:cNvSpPr>
+            <a:spLocks noGrp="1"/>
+          </p:cNvSpPr>
+          <p:nvPr>
+            <p:ph type="title"/>
+          </p:nvPr>
+        </p:nvSpPr>
+        <p:spPr>
+          <a:xfrm>
+            <a:off x="1222248" y="0"/>
+            <a:ext cx="10058400" cy="1609344"/>
+          </a:xfrm>
+        </p:spPr>
+        <p:txBody>
+          <a:bodyPr/>
+          <a:lstStyle/>
+          <a:p>
+            <a:r>
+              <a:rPr lang="en-US" dirty="0"/>
+              <a:t>Quick practice</a:t>
+            </a:r>
+          </a:p>
+        </p:txBody>
+      </p:sp>
+      <p:sp>
+        <p:nvSpPr>
+          <p:cNvPr id="3" name="Content Placeholder 2"/>
+          <p:cNvSpPr>
+            <a:spLocks noGrp="1"/>
+          </p:cNvSpPr>
+          <p:nvPr>
+            <p:ph idx="1"/>
+          </p:nvPr>
+        </p:nvSpPr>
+        <p:spPr>
+          <a:xfrm>
+            <a:off x="1222248" y="1390650"/>
+            <a:ext cx="9464802" cy="5143500"/>
+          </a:xfrm>
+        </p:spPr>
+        <p:txBody>
+          <a:bodyPr>
+            <a:normAutofit/>
+          </a:bodyPr>
+          <a:lstStyle/>
+          <a:p>
+            <a:r>
+              <a:rPr lang="en-US" dirty="0"/>
+              <a:t>Install </a:t>
+            </a:r>
+            <a:r>
+              <a:rPr lang="en-US" dirty="0" err="1"/>
+              <a:t>git</a:t>
+            </a:r>
+            <a:r>
+              <a:rPr lang="en-US" dirty="0"/>
+              <a:t> on PC or login build server</a:t>
+            </a:r>
+          </a:p>
+          <a:p>
+            <a:r>
+              <a:rPr lang="en-US" dirty="0"/>
+              <a:t>Start </a:t>
+            </a:r>
+            <a:r>
+              <a:rPr lang="en-US" dirty="0" err="1"/>
+              <a:t>git</a:t>
+            </a:r>
+            <a:r>
+              <a:rPr lang="en-US" dirty="0"/>
+              <a:t> bash (only on windows)</a:t>
+            </a:r>
+          </a:p>
+          <a:p>
+            <a:r>
+              <a:rPr lang="en-US" dirty="0"/>
+              <a:t>Create an empty folder</a:t>
+            </a:r>
+          </a:p>
+          <a:p>
+            <a:r>
+              <a:rPr lang="en-US" dirty="0" err="1"/>
+              <a:t>git</a:t>
+            </a:r>
+            <a:r>
+              <a:rPr lang="en-US" dirty="0"/>
+              <a:t> </a:t>
+            </a:r>
+            <a:r>
+              <a:rPr lang="en-US" dirty="0" err="1"/>
+              <a:t>init</a:t>
+            </a:r>
+            <a:endParaRPr lang="en-US" dirty="0"/>
+          </a:p>
+          <a:p>
+            <a:r>
+              <a:rPr lang="en-US" dirty="0" err="1"/>
+              <a:t>greate</a:t>
+            </a:r>
+            <a:r>
+              <a:rPr lang="en-US" dirty="0"/>
+              <a:t> a txt file</a:t>
+            </a:r>
+          </a:p>
+          <a:p>
+            <a:r>
+              <a:rPr lang="en-US" dirty="0" err="1"/>
+              <a:t>git</a:t>
+            </a:r>
+            <a:r>
+              <a:rPr lang="en-US" dirty="0"/>
+              <a:t> status</a:t>
+            </a:r>
+          </a:p>
+          <a:p>
+            <a:r>
+              <a:rPr lang="en-US" dirty="0" err="1"/>
+              <a:t>git</a:t>
+            </a:r>
+            <a:r>
+              <a:rPr lang="en-US" dirty="0"/>
+              <a:t> add</a:t>
+            </a:r>
+          </a:p>
+          <a:p>
+            <a:r>
+              <a:rPr lang="en-US" dirty="0" err="1"/>
+              <a:t>git</a:t>
+            </a:r>
+            <a:r>
+              <a:rPr lang="en-US" dirty="0"/>
+              <a:t> status</a:t>
+            </a:r>
+          </a:p>
+          <a:p>
+            <a:r>
+              <a:rPr lang="en-US" dirty="0" err="1"/>
+              <a:t>git</a:t>
+            </a:r>
+            <a:r>
+              <a:rPr lang="en-US" dirty="0"/>
+              <a:t> cat-file –p &lt;SHA&gt;</a:t>
+            </a:r>
+          </a:p>
+        </p:txBody>
+      </p:sp>
+    </p:spTree>
+    <p:extLst>
+      <p:ext uri="{BB962C8B-B14F-4D97-AF65-F5344CB8AC3E}">
+        <p14:creationId xmlns:p14="http://schemas.microsoft.com/office/powerpoint/2010/main" val="696093286"/>
+      </p:ext>
+    </p:extLst>
+  </p:cSld>
+  <p:clrMapOvr>
+    <a:masterClrMapping/>
+  </p:clrMapOvr>
+</p:sld>
+</file>
+
 <file path=ppt/slides/slide24.xml><?xml version="1.0" encoding="utf-8"?>
 <p:sld xmlns:a="http://schemas.openxmlformats.org/drawingml/2006/main" xmlns:r="http://schemas.openxmlformats.org/officeDocument/2006/relationships" xmlns:p="http://schemas.openxmlformats.org/presentationml/2006/main">
   <p:cSld>
@@ -19064,7 +19879,7 @@
         </p:nvSpPr>
         <p:spPr>
           <a:xfrm>
-            <a:off x="1069848" y="0"/>
+            <a:off x="1288923" y="0"/>
             <a:ext cx="10058400" cy="1609344"/>
           </a:xfrm>
         </p:spPr>
@@ -19073,12 +19888,8 @@
           <a:lstStyle/>
           <a:p>
             <a:r>
-              <a:rPr lang="en-US" dirty="0" err="1"/>
-              <a:t>Git</a:t>
-            </a:r>
-            <a:r>
               <a:rPr lang="en-US" dirty="0"/>
-              <a:t> on server</a:t>
+              <a:t>Quick practice - continued</a:t>
             </a:r>
           </a:p>
         </p:txBody>
@@ -19093,34 +19904,160 @@
             <p:ph idx="1"/>
           </p:nvPr>
         </p:nvSpPr>
-        <p:spPr/>
+        <p:spPr>
+          <a:xfrm>
+            <a:off x="1288923" y="1457326"/>
+            <a:ext cx="9398127" cy="5114924"/>
+          </a:xfrm>
+        </p:spPr>
         <p:txBody>
-          <a:bodyPr/>
+          <a:bodyPr>
+            <a:normAutofit/>
+          </a:bodyPr>
           <a:lstStyle/>
-          <a:p>
-            <a:r>
-              <a:rPr lang="en-US" dirty="0" err="1"/>
-              <a:t>ssh</a:t>
-            </a:r>
-            <a:endParaRPr lang="en-US" dirty="0"/>
-          </a:p>
-          <a:p>
-            <a:endParaRPr lang="en-US" dirty="0"/>
-          </a:p>
-          <a:p>
-            <a:r>
-              <a:rPr lang="en-US" dirty="0"/>
-              <a:t>https</a:t>
-            </a:r>
-          </a:p>
-          <a:p>
-            <a:endParaRPr lang="en-US" dirty="0"/>
-          </a:p>
           <a:p>
             <a:r>
               <a:rPr lang="en-US" dirty="0" err="1"/>
               <a:t>git</a:t>
             </a:r>
+            <a:r>
+              <a:rPr lang="en-US" dirty="0"/>
+              <a:t> commit</a:t>
+            </a:r>
+          </a:p>
+          <a:p>
+            <a:r>
+              <a:rPr lang="en-US" dirty="0" err="1"/>
+              <a:t>git</a:t>
+            </a:r>
+            <a:r>
+              <a:rPr lang="en-US" dirty="0"/>
+              <a:t> status</a:t>
+            </a:r>
+          </a:p>
+          <a:p>
+            <a:r>
+              <a:rPr lang="en-US" dirty="0" err="1"/>
+              <a:t>git</a:t>
+            </a:r>
+            <a:r>
+              <a:rPr lang="en-US" dirty="0"/>
+              <a:t> </a:t>
+            </a:r>
+            <a:r>
+              <a:rPr lang="en-US" dirty="0" err="1"/>
+              <a:t>gui</a:t>
+            </a:r>
+            <a:endParaRPr lang="en-US" dirty="0"/>
+          </a:p>
+          <a:p>
+            <a:r>
+              <a:rPr lang="en-US" dirty="0" err="1"/>
+              <a:t>git</a:t>
+            </a:r>
+            <a:r>
+              <a:rPr lang="en-US" dirty="0"/>
+              <a:t> branch </a:t>
+            </a:r>
+          </a:p>
+          <a:p>
+            <a:r>
+              <a:rPr lang="en-US" dirty="0" err="1"/>
+              <a:t>git</a:t>
+            </a:r>
+            <a:r>
+              <a:rPr lang="en-US" dirty="0"/>
+              <a:t> branch dev master</a:t>
+            </a:r>
+          </a:p>
+          <a:p>
+            <a:r>
+              <a:rPr lang="en-US" dirty="0"/>
+              <a:t> ls -</a:t>
+            </a:r>
+            <a:r>
+              <a:rPr lang="en-US" dirty="0" err="1"/>
+              <a:t>ltr</a:t>
+            </a:r>
+            <a:r>
+              <a:rPr lang="en-US" dirty="0"/>
+              <a:t> .</a:t>
+            </a:r>
+            <a:r>
+              <a:rPr lang="en-US" dirty="0" err="1"/>
+              <a:t>git</a:t>
+            </a:r>
+            <a:r>
+              <a:rPr lang="en-US" dirty="0"/>
+              <a:t>/refs/heads/</a:t>
+            </a:r>
+          </a:p>
+          <a:p>
+            <a:r>
+              <a:rPr lang="en-US" dirty="0" err="1"/>
+              <a:t>git</a:t>
+            </a:r>
+            <a:r>
+              <a:rPr lang="en-US" dirty="0"/>
+              <a:t> </a:t>
+            </a:r>
+            <a:r>
+              <a:rPr lang="en-US" dirty="0" err="1"/>
+              <a:t>gui</a:t>
+            </a:r>
+            <a:endParaRPr lang="en-US" dirty="0"/>
+          </a:p>
+          <a:p>
+            <a:r>
+              <a:rPr lang="en-US" dirty="0"/>
+              <a:t>Change on branch dev and commit and check </a:t>
+            </a:r>
+            <a:r>
+              <a:rPr lang="en-US" dirty="0" err="1"/>
+              <a:t>git</a:t>
+            </a:r>
+            <a:r>
+              <a:rPr lang="en-US" dirty="0"/>
+              <a:t> </a:t>
+            </a:r>
+            <a:r>
+              <a:rPr lang="en-US" dirty="0" err="1"/>
+              <a:t>gui</a:t>
+            </a:r>
+            <a:r>
+              <a:rPr lang="en-US" dirty="0"/>
+              <a:t> again</a:t>
+            </a:r>
+          </a:p>
+          <a:p>
+            <a:r>
+              <a:rPr lang="en-US" dirty="0"/>
+              <a:t>Switch back to master branch </a:t>
+            </a:r>
+          </a:p>
+          <a:p>
+            <a:r>
+              <a:rPr lang="en-US" dirty="0"/>
+              <a:t>Change on branch master and commit and check </a:t>
+            </a:r>
+            <a:r>
+              <a:rPr lang="en-US" dirty="0" err="1"/>
+              <a:t>git</a:t>
+            </a:r>
+            <a:r>
+              <a:rPr lang="en-US" dirty="0"/>
+              <a:t> </a:t>
+            </a:r>
+            <a:r>
+              <a:rPr lang="en-US" dirty="0" err="1"/>
+              <a:t>gui</a:t>
+            </a:r>
+            <a:r>
+              <a:rPr lang="en-US" dirty="0"/>
+              <a:t> again</a:t>
+            </a:r>
+          </a:p>
+          <a:p>
             <a:endParaRPr lang="en-US" dirty="0"/>
           </a:p>
           <a:p>
@@ -19131,7 +20068,7 @@
     </p:spTree>
     <p:extLst>
       <p:ext uri="{BB962C8B-B14F-4D97-AF65-F5344CB8AC3E}">
-        <p14:creationId xmlns:p14="http://schemas.microsoft.com/office/powerpoint/2010/main" val="2981275754"/>
+        <p14:creationId xmlns:p14="http://schemas.microsoft.com/office/powerpoint/2010/main" val="3055566183"/>
       </p:ext>
     </p:extLst>
   </p:cSld>
@@ -19180,7 +20117,7 @@
           <a:p>
             <a:r>
               <a:rPr lang="en-US" dirty="0"/>
-              <a:t>Related tools</a:t>
+              <a:t>Quick practice - continued</a:t>
             </a:r>
           </a:p>
         </p:txBody>
@@ -19201,26 +20138,52 @@
           <a:lstStyle/>
           <a:p>
             <a:r>
+              <a:rPr lang="en-US" dirty="0" err="1"/>
+              <a:t>git</a:t>
+            </a:r>
+            <a:r>
               <a:rPr lang="en-US" dirty="0"/>
-              <a:t>Github</a:t>
-            </a:r>
-          </a:p>
-          <a:p>
-            <a:endParaRPr lang="en-US" dirty="0"/>
+              <a:t> merge dev</a:t>
+            </a:r>
           </a:p>
           <a:p>
             <a:r>
               <a:rPr lang="en-US" dirty="0"/>
-              <a:t>Stash</a:t>
-            </a:r>
-          </a:p>
-          <a:p>
-            <a:endParaRPr lang="en-US" dirty="0"/>
+              <a:t>Fix the conflicts</a:t>
+            </a:r>
           </a:p>
           <a:p>
             <a:r>
               <a:rPr lang="en-US" dirty="0" err="1"/>
-              <a:t>jira</a:t>
+              <a:t>git</a:t>
+            </a:r>
+            <a:r>
+              <a:rPr lang="en-US" dirty="0"/>
+              <a:t> add .</a:t>
+            </a:r>
+          </a:p>
+          <a:p>
+            <a:r>
+              <a:rPr lang="en-US" dirty="0" err="1"/>
+              <a:t>git</a:t>
+            </a:r>
+            <a:r>
+              <a:rPr lang="en-US" dirty="0"/>
+              <a:t> commit</a:t>
+            </a:r>
+          </a:p>
+          <a:p>
+            <a:r>
+              <a:rPr lang="en-US" dirty="0" err="1"/>
+              <a:t>git</a:t>
+            </a:r>
+            <a:r>
+              <a:rPr lang="en-US" dirty="0"/>
+              <a:t> </a:t>
+            </a:r>
+            <a:r>
+              <a:rPr lang="en-US" dirty="0" err="1"/>
+              <a:t>gui</a:t>
             </a:r>
             <a:endParaRPr lang="en-US" dirty="0"/>
           </a:p>
@@ -19229,7 +20192,7 @@
     </p:spTree>
     <p:extLst>
       <p:ext uri="{BB962C8B-B14F-4D97-AF65-F5344CB8AC3E}">
-        <p14:creationId xmlns:p14="http://schemas.microsoft.com/office/powerpoint/2010/main" val="765294816"/>
+        <p14:creationId xmlns:p14="http://schemas.microsoft.com/office/powerpoint/2010/main" val="669782732"/>
       </p:ext>
     </p:extLst>
   </p:cSld>
@@ -19266,14 +20229,19 @@
             <p:ph type="title"/>
           </p:nvPr>
         </p:nvSpPr>
-        <p:spPr/>
+        <p:spPr>
+          <a:xfrm>
+            <a:off x="1066800" y="0"/>
+            <a:ext cx="10058400" cy="1609344"/>
+          </a:xfrm>
+        </p:spPr>
         <p:txBody>
           <a:bodyPr/>
           <a:lstStyle/>
           <a:p>
             <a:r>
               <a:rPr lang="en-US" dirty="0"/>
-              <a:t>Not included</a:t>
+              <a:t>reference</a:t>
             </a:r>
           </a:p>
         </p:txBody>
@@ -19288,87 +20256,57 @@
             <p:ph idx="1"/>
           </p:nvPr>
         </p:nvSpPr>
-        <p:spPr/>
+        <p:spPr>
+          <a:xfrm>
+            <a:off x="1069848" y="1800225"/>
+            <a:ext cx="10058400" cy="4371975"/>
+          </a:xfrm>
+        </p:spPr>
         <p:txBody>
           <a:bodyPr/>
           <a:lstStyle/>
           <a:p>
-            <a:r>
-              <a:rPr lang="en-US" dirty="0" err="1"/>
-              <a:t>Git</a:t>
-            </a:r>
+            <a:endParaRPr lang="en-US" dirty="0"/>
+          </a:p>
+          <a:p>
+            <a:r>
+              <a:rPr lang="en-US" dirty="0">
+                <a:hlinkClick r:id="rId2"/>
+              </a:rPr>
+              <a:t>https://github.com/git/git</a:t>
+            </a:r>
+            <a:endParaRPr lang="en-US" dirty="0"/>
+          </a:p>
+          <a:p>
+            <a:endParaRPr lang="en-US" dirty="0"/>
+          </a:p>
+          <a:p>
+            <a:r>
+              <a:rPr lang="en-US" dirty="0">
+                <a:hlinkClick r:id="rId3"/>
+              </a:rPr>
+              <a:t>https://www.atlassian.com/git/tutorials/what-is-git</a:t>
+            </a:r>
+            <a:endParaRPr lang="en-US" dirty="0"/>
+          </a:p>
+          <a:p>
+            <a:endParaRPr lang="en-US" dirty="0"/>
+          </a:p>
+          <a:p>
             <a:r>
               <a:rPr lang="en-US" dirty="0"/>
-              <a:t> merge</a:t>
-            </a:r>
-          </a:p>
-          <a:p>
-            <a:r>
-              <a:rPr lang="en-US" dirty="0"/>
-              <a:t>Setup </a:t>
-            </a:r>
-            <a:r>
-              <a:rPr lang="en-US" dirty="0" err="1"/>
-              <a:t>git</a:t>
-            </a:r>
-            <a:r>
-              <a:rPr lang="en-US" dirty="0"/>
-              <a:t> server</a:t>
-            </a:r>
-          </a:p>
-          <a:p>
-            <a:r>
-              <a:rPr lang="en-US" dirty="0"/>
-              <a:t>Customizing </a:t>
-            </a:r>
-            <a:r>
-              <a:rPr lang="en-US" dirty="0" err="1"/>
-              <a:t>git</a:t>
+              <a:t>Pro-Git </a:t>
+            </a:r>
+            <a:r>
+              <a:rPr lang="en-US" dirty="0">
+                <a:hlinkClick r:id="rId4"/>
+              </a:rPr>
+              <a:t>https://git-scm.com/book/en/v2</a:t>
             </a:r>
             <a:endParaRPr lang="en-US" dirty="0"/>
           </a:p>
           <a:p>
-            <a:pPr lvl="1"/>
-            <a:r>
-              <a:rPr lang="en-US" dirty="0" err="1"/>
-              <a:t>Git</a:t>
-            </a:r>
-            <a:r>
-              <a:rPr lang="en-US" dirty="0"/>
-              <a:t> hooks</a:t>
-            </a:r>
-          </a:p>
-          <a:p>
-            <a:pPr lvl="1"/>
-            <a:r>
-              <a:rPr lang="en-US" dirty="0" err="1"/>
-              <a:t>Git</a:t>
-            </a:r>
-            <a:r>
-              <a:rPr lang="en-US" dirty="0"/>
-              <a:t> attributes</a:t>
-            </a:r>
-          </a:p>
-          <a:p>
-            <a:r>
-              <a:rPr lang="en-US" dirty="0"/>
-              <a:t>Reference</a:t>
-            </a:r>
-          </a:p>
-          <a:p>
-            <a:pPr lvl="1"/>
-            <a:r>
-              <a:rPr lang="en-US" dirty="0"/>
-              <a:t>Pro </a:t>
-            </a:r>
-            <a:r>
-              <a:rPr lang="en-US" dirty="0" err="1"/>
-              <a:t>Git</a:t>
-            </a:r>
-            <a:r>
-              <a:rPr lang="en-US" dirty="0"/>
-              <a:t> https://git-scm.com/book/en/v2</a:t>
-            </a:r>
+            <a:endParaRPr lang="en-US" dirty="0"/>
           </a:p>
           <a:p>
             <a:endParaRPr lang="en-US" dirty="0"/>
@@ -19378,7 +20316,7 @@
     </p:spTree>
     <p:extLst>
       <p:ext uri="{BB962C8B-B14F-4D97-AF65-F5344CB8AC3E}">
-        <p14:creationId xmlns:p14="http://schemas.microsoft.com/office/powerpoint/2010/main" val="834050660"/>
+        <p14:creationId xmlns:p14="http://schemas.microsoft.com/office/powerpoint/2010/main" val="813868394"/>
       </p:ext>
     </p:extLst>
   </p:cSld>
@@ -19443,26 +20381,43 @@
           <a:lstStyle/>
           <a:p>
             <a:r>
+              <a:rPr lang="en-US" altLang="zh-CN" dirty="0"/>
+              <a:t>Free Software</a:t>
+            </a:r>
+          </a:p>
+          <a:p>
+            <a:r>
               <a:rPr lang="en-US" dirty="0"/>
               <a:t>Linux kernel</a:t>
             </a:r>
           </a:p>
           <a:p>
             <a:r>
+              <a:rPr lang="en-US" dirty="0"/>
+              <a:t>Linus Torvalds</a:t>
+            </a:r>
+          </a:p>
+          <a:p>
+            <a:r>
+              <a:rPr lang="en-US" dirty="0"/>
+              <a:t>2005</a:t>
+            </a:r>
+          </a:p>
+          <a:p>
+            <a:r>
+              <a:rPr lang="en-US" dirty="0"/>
+              <a:t>2.16 (latest)</a:t>
+            </a:r>
+          </a:p>
+          <a:p>
+            <a:r>
               <a:rPr lang="en-US" dirty="0" err="1"/>
-              <a:t>BitKeeper</a:t>
+              <a:t>Junio</a:t>
             </a:r>
             <a:r>
               <a:rPr lang="en-US" dirty="0"/>
-              <a:t> </a:t>
-            </a:r>
-          </a:p>
-          <a:p>
-            <a:r>
-              <a:rPr lang="en-US"/>
-              <a:t>Linus Torvalds</a:t>
-            </a:r>
-            <a:endParaRPr lang="en-US" dirty="0"/>
+              <a:t> C Hamano (Now)</a:t>
+            </a:r>
           </a:p>
         </p:txBody>
       </p:sp>
@@ -19771,12 +20726,6 @@
             </a:r>
           </a:p>
           <a:p>
-            <a:r>
-              <a:rPr lang="en-US" dirty="0"/>
-              <a:t>index/stage</a:t>
-            </a:r>
-          </a:p>
-          <a:p>
             <a:endParaRPr lang="en-US" dirty="0"/>
           </a:p>
           <a:p>
@@ -19835,10 +20784,9 @@
           <a:lstStyle/>
           <a:p>
             <a:r>
-              <a:rPr lang="en-US" altLang="zh-CN" dirty="0"/>
-              <a:t>General</a:t>
-            </a:r>
-            <a:endParaRPr lang="en-US" dirty="0"/>
+              <a:rPr lang="en-US" dirty="0"/>
+              <a:t>Advantage vs disadvantage</a:t>
+            </a:r>
           </a:p>
         </p:txBody>
       </p:sp>
@@ -19864,26 +20812,6 @@
           <a:p>
             <a:r>
               <a:rPr lang="en-US" dirty="0"/>
-              <a:t>Version Control System, like </a:t>
-            </a:r>
-            <a:r>
-              <a:rPr lang="en-US" dirty="0" err="1"/>
-              <a:t>Clearcase</a:t>
-            </a:r>
-            <a:r>
-              <a:rPr lang="en-US" dirty="0"/>
-              <a:t>, perforce and SVN</a:t>
-            </a:r>
-          </a:p>
-          <a:p>
-            <a:r>
-              <a:rPr lang="en-US" dirty="0"/>
-              <a:t>Distributed Version Control System</a:t>
-            </a:r>
-          </a:p>
-          <a:p>
-            <a:r>
-              <a:rPr lang="en-US" dirty="0"/>
               <a:t>Advantages</a:t>
             </a:r>
           </a:p>
@@ -19905,7 +20833,14 @@
             <a:pPr lvl="1"/>
             <a:r>
               <a:rPr lang="en-US" dirty="0"/>
-              <a:t>Implicit backup</a:t>
+              <a:t>Easy to use</a:t>
+            </a:r>
+          </a:p>
+          <a:p>
+            <a:pPr lvl="1"/>
+            <a:r>
+              <a:rPr lang="en-US" dirty="0"/>
+              <a:t>Less dependency to network</a:t>
             </a:r>
           </a:p>
           <a:p>
@@ -19918,14 +20853,28 @@
             <a:pPr lvl="1"/>
             <a:r>
               <a:rPr lang="en-US" dirty="0"/>
-              <a:t>Handle a lot (over several million) of files</a:t>
+              <a:t>Initial clone is slow</a:t>
             </a:r>
           </a:p>
           <a:p>
             <a:pPr lvl="1"/>
             <a:r>
               <a:rPr lang="en-US" dirty="0"/>
-              <a:t>Binary files are a big no</a:t>
+              <a:t>Slow to handle a lot (over several million) of files</a:t>
+            </a:r>
+          </a:p>
+          <a:p>
+            <a:pPr lvl="1"/>
+            <a:r>
+              <a:rPr lang="en-US" dirty="0"/>
+              <a:t>Native merge is not so powerful</a:t>
+            </a:r>
+          </a:p>
+          <a:p>
+            <a:pPr lvl="1"/>
+            <a:r>
+              <a:rPr lang="en-US" dirty="0"/>
+              <a:t>Additional storage required</a:t>
             </a:r>
           </a:p>
         </p:txBody>
@@ -20011,7 +20960,7 @@
         </p:blipFill>
         <p:spPr bwMode="auto">
           <a:xfrm>
-            <a:off x="2857796" y="1913382"/>
+            <a:off x="1732967" y="1932432"/>
             <a:ext cx="4363033" cy="3420618"/>
           </a:xfrm>
           <a:prstGeom prst="rect">
@@ -20052,8 +21001,8 @@
         </p:nvSpPr>
         <p:spPr bwMode="auto">
           <a:xfrm>
-            <a:off x="7353302" y="5257800"/>
-            <a:ext cx="1617751" cy="300082"/>
+            <a:off x="7038975" y="2951946"/>
+            <a:ext cx="3952578" cy="523220"/>
           </a:xfrm>
           <a:prstGeom prst="rect">
             <a:avLst/>
@@ -20083,7 +21032,7 @@
           </a:extLst>
         </p:spPr>
         <p:txBody>
-          <a:bodyPr wrap="none">
+          <a:bodyPr wrap="square">
             <a:spAutoFit/>
           </a:bodyPr>
           <a:lstStyle>
@@ -20264,13 +21213,22 @@
               <a:buNone/>
             </a:pPr>
             <a:r>
-              <a:rPr lang="en-US" altLang="en-US" sz="1350" dirty="0">
+              <a:rPr lang="en-US" altLang="en-US" sz="2800" dirty="0" err="1">
                 <a:solidFill>
                   <a:srgbClr val="C00000"/>
                 </a:solidFill>
                 <a:latin typeface="Arial" panose="020B0604020202020204" pitchFamily="34" charset="0"/>
               </a:rPr>
-              <a:t>perforce is like this</a:t>
+              <a:t>Clearcase</a:t>
+            </a:r>
+            <a:r>
+              <a:rPr lang="en-US" altLang="en-US" sz="2800" dirty="0">
+                <a:solidFill>
+                  <a:srgbClr val="C00000"/>
+                </a:solidFill>
+                <a:latin typeface="Arial" panose="020B0604020202020204" pitchFamily="34" charset="0"/>
+              </a:rPr>
+              <a:t> and perforce</a:t>
             </a:r>
           </a:p>
         </p:txBody>
@@ -20387,6 +21345,254 @@
           </a:extLst>
         </p:spPr>
       </p:pic>
+      <p:sp>
+        <p:nvSpPr>
+          <p:cNvPr id="5" name="TextBox 3">
+            <a:extLst>
+              <a:ext uri="{FF2B5EF4-FFF2-40B4-BE49-F238E27FC236}">
+                <a16:creationId xmlns:a16="http://schemas.microsoft.com/office/drawing/2014/main" id="{BFF3F927-B835-45DB-96AA-6AEA06389E4F}"/>
+              </a:ext>
+            </a:extLst>
+          </p:cNvPr>
+          <p:cNvSpPr txBox="1">
+            <a:spLocks noChangeArrowheads="1"/>
+          </p:cNvSpPr>
+          <p:nvPr/>
+        </p:nvSpPr>
+        <p:spPr bwMode="auto">
+          <a:xfrm>
+            <a:off x="7324430" y="2218521"/>
+            <a:ext cx="3314698" cy="523220"/>
+          </a:xfrm>
+          <a:prstGeom prst="rect">
+            <a:avLst/>
+          </a:prstGeom>
+          <a:noFill/>
+          <a:ln>
+            <a:noFill/>
+          </a:ln>
+          <a:extLst>
+            <a:ext uri="{909E8E84-426E-40DD-AFC4-6F175D3DCCD1}">
+              <a14:hiddenFill xmlns:a14="http://schemas.microsoft.com/office/drawing/2010/main">
+                <a:solidFill>
+                  <a:srgbClr val="FFFFFF"/>
+                </a:solidFill>
+              </a14:hiddenFill>
+            </a:ext>
+            <a:ext uri="{91240B29-F687-4F45-9708-019B960494DF}">
+              <a14:hiddenLine xmlns:a14="http://schemas.microsoft.com/office/drawing/2010/main" w="9525">
+                <a:solidFill>
+                  <a:srgbClr val="000000"/>
+                </a:solidFill>
+                <a:miter lim="800000"/>
+                <a:headEnd/>
+                <a:tailEnd/>
+              </a14:hiddenLine>
+            </a:ext>
+          </a:extLst>
+        </p:spPr>
+        <p:txBody>
+          <a:bodyPr wrap="square">
+            <a:spAutoFit/>
+          </a:bodyPr>
+          <a:lstStyle>
+            <a:lvl1pPr>
+              <a:spcBef>
+                <a:spcPts val="600"/>
+              </a:spcBef>
+              <a:buClr>
+                <a:schemeClr val="accent1"/>
+              </a:buClr>
+              <a:buSzPct val="76000"/>
+              <a:buFont typeface="Wingdings 3" panose="05040102010807070707" pitchFamily="18" charset="2"/>
+              <a:buChar char=""/>
+              <a:defRPr sz="2600">
+                <a:solidFill>
+                  <a:schemeClr val="tx1"/>
+                </a:solidFill>
+                <a:latin typeface="Gill Sans MT" panose="020B0502020104020203" pitchFamily="34" charset="0"/>
+              </a:defRPr>
+            </a:lvl1pPr>
+            <a:lvl2pPr marL="742950" indent="-285750">
+              <a:spcBef>
+                <a:spcPts val="500"/>
+              </a:spcBef>
+              <a:buClr>
+                <a:schemeClr val="accent2"/>
+              </a:buClr>
+              <a:buSzPct val="76000"/>
+              <a:buFont typeface="Wingdings 3" panose="05040102010807070707" pitchFamily="18" charset="2"/>
+              <a:buChar char=""/>
+              <a:defRPr sz="2300">
+                <a:solidFill>
+                  <a:schemeClr val="tx2"/>
+                </a:solidFill>
+                <a:latin typeface="Gill Sans MT" panose="020B0502020104020203" pitchFamily="34" charset="0"/>
+              </a:defRPr>
+            </a:lvl2pPr>
+            <a:lvl3pPr marL="1143000" indent="-228600">
+              <a:spcBef>
+                <a:spcPts val="500"/>
+              </a:spcBef>
+              <a:buClr>
+                <a:srgbClr val="BCBCBC"/>
+              </a:buClr>
+              <a:buSzPct val="76000"/>
+              <a:buFont typeface="Wingdings 3" panose="05040102010807070707" pitchFamily="18" charset="2"/>
+              <a:buChar char=""/>
+              <a:defRPr sz="2000">
+                <a:solidFill>
+                  <a:schemeClr val="tx1"/>
+                </a:solidFill>
+                <a:latin typeface="Gill Sans MT" panose="020B0502020104020203" pitchFamily="34" charset="0"/>
+              </a:defRPr>
+            </a:lvl3pPr>
+            <a:lvl4pPr marL="1600200" indent="-228600">
+              <a:spcBef>
+                <a:spcPts val="400"/>
+              </a:spcBef>
+              <a:buClr>
+                <a:srgbClr val="8BA2B4"/>
+              </a:buClr>
+              <a:buSzPct val="70000"/>
+              <a:buFont typeface="Wingdings" panose="05000000000000000000" pitchFamily="2" charset="2"/>
+              <a:buChar char=""/>
+              <a:defRPr>
+                <a:solidFill>
+                  <a:schemeClr val="tx1"/>
+                </a:solidFill>
+                <a:latin typeface="Gill Sans MT" panose="020B0502020104020203" pitchFamily="34" charset="0"/>
+              </a:defRPr>
+            </a:lvl4pPr>
+            <a:lvl5pPr marL="2057400" indent="-228600">
+              <a:spcBef>
+                <a:spcPts val="300"/>
+              </a:spcBef>
+              <a:buClr>
+                <a:schemeClr val="accent2"/>
+              </a:buClr>
+              <a:buSzPct val="70000"/>
+              <a:buFont typeface="Wingdings" panose="05000000000000000000" pitchFamily="2" charset="2"/>
+              <a:buChar char=""/>
+              <a:defRPr sz="1600">
+                <a:solidFill>
+                  <a:schemeClr val="tx1"/>
+                </a:solidFill>
+                <a:latin typeface="Gill Sans MT" panose="020B0502020104020203" pitchFamily="34" charset="0"/>
+              </a:defRPr>
+            </a:lvl5pPr>
+            <a:lvl6pPr marL="2514600" indent="-228600" eaLnBrk="0" fontAlgn="base" hangingPunct="0">
+              <a:spcBef>
+                <a:spcPts val="300"/>
+              </a:spcBef>
+              <a:spcAft>
+                <a:spcPct val="0"/>
+              </a:spcAft>
+              <a:buClr>
+                <a:schemeClr val="accent2"/>
+              </a:buClr>
+              <a:buSzPct val="70000"/>
+              <a:buFont typeface="Wingdings" panose="05000000000000000000" pitchFamily="2" charset="2"/>
+              <a:buChar char=""/>
+              <a:defRPr sz="1600">
+                <a:solidFill>
+                  <a:schemeClr val="tx1"/>
+                </a:solidFill>
+                <a:latin typeface="Gill Sans MT" panose="020B0502020104020203" pitchFamily="34" charset="0"/>
+              </a:defRPr>
+            </a:lvl6pPr>
+            <a:lvl7pPr marL="2971800" indent="-228600" eaLnBrk="0" fontAlgn="base" hangingPunct="0">
+              <a:spcBef>
+                <a:spcPts val="300"/>
+              </a:spcBef>
+              <a:spcAft>
+                <a:spcPct val="0"/>
+              </a:spcAft>
+              <a:buClr>
+                <a:schemeClr val="accent2"/>
+              </a:buClr>
+              <a:buSzPct val="70000"/>
+              <a:buFont typeface="Wingdings" panose="05000000000000000000" pitchFamily="2" charset="2"/>
+              <a:buChar char=""/>
+              <a:defRPr sz="1600">
+                <a:solidFill>
+                  <a:schemeClr val="tx1"/>
+                </a:solidFill>
+                <a:latin typeface="Gill Sans MT" panose="020B0502020104020203" pitchFamily="34" charset="0"/>
+              </a:defRPr>
+            </a:lvl7pPr>
+            <a:lvl8pPr marL="3429000" indent="-228600" eaLnBrk="0" fontAlgn="base" hangingPunct="0">
+              <a:spcBef>
+                <a:spcPts val="300"/>
+              </a:spcBef>
+              <a:spcAft>
+                <a:spcPct val="0"/>
+              </a:spcAft>
+              <a:buClr>
+                <a:schemeClr val="accent2"/>
+              </a:buClr>
+              <a:buSzPct val="70000"/>
+              <a:buFont typeface="Wingdings" panose="05000000000000000000" pitchFamily="2" charset="2"/>
+              <a:buChar char=""/>
+              <a:defRPr sz="1600">
+                <a:solidFill>
+                  <a:schemeClr val="tx1"/>
+                </a:solidFill>
+                <a:latin typeface="Gill Sans MT" panose="020B0502020104020203" pitchFamily="34" charset="0"/>
+              </a:defRPr>
+            </a:lvl8pPr>
+            <a:lvl9pPr marL="3886200" indent="-228600" eaLnBrk="0" fontAlgn="base" hangingPunct="0">
+              <a:spcBef>
+                <a:spcPts val="300"/>
+              </a:spcBef>
+              <a:spcAft>
+                <a:spcPct val="0"/>
+              </a:spcAft>
+              <a:buClr>
+                <a:schemeClr val="accent2"/>
+              </a:buClr>
+              <a:buSzPct val="70000"/>
+              <a:buFont typeface="Wingdings" panose="05000000000000000000" pitchFamily="2" charset="2"/>
+              <a:buChar char=""/>
+              <a:defRPr sz="1600">
+                <a:solidFill>
+                  <a:schemeClr val="tx1"/>
+                </a:solidFill>
+                <a:latin typeface="Gill Sans MT" panose="020B0502020104020203" pitchFamily="34" charset="0"/>
+              </a:defRPr>
+            </a:lvl9pPr>
+          </a:lstStyle>
+          <a:p>
+            <a:pPr eaLnBrk="1" hangingPunct="1">
+              <a:spcBef>
+                <a:spcPct val="0"/>
+              </a:spcBef>
+              <a:buClrTx/>
+              <a:buSzTx/>
+              <a:buFontTx/>
+              <a:buNone/>
+            </a:pPr>
+            <a:r>
+              <a:rPr lang="en-US" altLang="en-US" sz="2800" dirty="0" err="1">
+                <a:solidFill>
+                  <a:srgbClr val="C00000"/>
+                </a:solidFill>
+                <a:latin typeface="Arial" panose="020B0604020202020204" pitchFamily="34" charset="0"/>
+              </a:rPr>
+              <a:t>svn</a:t>
+            </a:r>
+            <a:r>
+              <a:rPr lang="en-US" altLang="en-US" sz="2800" dirty="0">
+                <a:solidFill>
+                  <a:srgbClr val="C00000"/>
+                </a:solidFill>
+                <a:latin typeface="Arial" panose="020B0604020202020204" pitchFamily="34" charset="0"/>
+              </a:rPr>
+              <a:t> and git</a:t>
+            </a:r>
+          </a:p>
+        </p:txBody>
+      </p:sp>
     </p:spTree>
     <p:extLst>
       <p:ext uri="{BB962C8B-B14F-4D97-AF65-F5344CB8AC3E}">
